--- a/EC_FINAL_PROJECT/EC_FINAL_PROJECT/verilog/fitness_evaluation/image/evaluate_fit_DP.pptx
+++ b/EC_FINAL_PROJECT/EC_FINAL_PROJECT/verilog/fitness_evaluation/image/evaluate_fit_DP.pptx
@@ -104,6 +104,11 @@
       </a:defRPr>
     </a:lvl9pPr>
   </p:defaultTextStyle>
+  <p:extLst>
+    <p:ext uri="{EFAFB233-063F-42B5-8137-9DF3F51BA10A}">
+      <p15:sldGuideLst xmlns:p15="http://schemas.microsoft.com/office/powerpoint/2012/main"/>
+    </p:ext>
+  </p:extLst>
 </p:presentation>
 </file>
 
@@ -5112,7 +5117,7 @@
                 <a:latin typeface="Times New Roman" panose="02020603050405020304" pitchFamily="18" charset="0"/>
                 <a:cs typeface="Times New Roman" panose="02020603050405020304" pitchFamily="18" charset="0"/>
               </a:rPr>
-              <a:t>11x4</a:t>
+              <a:t>3x4</a:t>
             </a:r>
             <a:endParaRPr lang="zh-TW" altLang="en-US" sz="1200" dirty="0">
               <a:latin typeface="Times New Roman" panose="02020603050405020304" pitchFamily="18" charset="0"/>
@@ -5136,7 +5141,7 @@
         <p:spPr>
           <a:xfrm>
             <a:off x="-37956" y="5351271"/>
-            <a:ext cx="533400" cy="276999"/>
+            <a:ext cx="725366" cy="276999"/>
           </a:xfrm>
           <a:prstGeom prst="rect">
             <a:avLst/>
@@ -5154,7 +5159,7 @@
                 <a:latin typeface="Times New Roman" panose="02020603050405020304" pitchFamily="18" charset="0"/>
                 <a:cs typeface="Times New Roman" panose="02020603050405020304" pitchFamily="18" charset="0"/>
               </a:rPr>
-              <a:t>11x4</a:t>
+              <a:t>3*3*4</a:t>
             </a:r>
             <a:endParaRPr lang="zh-TW" altLang="en-US" sz="1200" dirty="0">
               <a:latin typeface="Times New Roman" panose="02020603050405020304" pitchFamily="18" charset="0"/>
@@ -5666,7 +5671,7 @@
         </p:nvSpPr>
         <p:spPr>
           <a:xfrm>
-            <a:off x="2555179" y="252012"/>
+            <a:off x="2154971" y="79647"/>
             <a:ext cx="1228154" cy="923330"/>
           </a:xfrm>
           <a:prstGeom prst="rect">
@@ -9475,7 +9480,7 @@
         </p:nvSpPr>
         <p:spPr>
           <a:xfrm>
-            <a:off x="4451641" y="-13140"/>
+            <a:off x="4241505" y="-114498"/>
             <a:ext cx="2373426" cy="923330"/>
           </a:xfrm>
           <a:prstGeom prst="rect">
@@ -9527,7 +9532,7 @@
         </p:nvSpPr>
         <p:spPr>
           <a:xfrm>
-            <a:off x="7538719" y="17256"/>
+            <a:off x="7518643" y="-130565"/>
             <a:ext cx="2373426" cy="923330"/>
           </a:xfrm>
           <a:prstGeom prst="rect">
@@ -11547,6 +11552,132 @@
                 <a:cs typeface="Times New Roman" panose="02020603050405020304" pitchFamily="18" charset="0"/>
               </a:rPr>
               <a:t>WR_interact_matrix_i</a:t>
+            </a:r>
+            <a:endParaRPr lang="zh-TW" altLang="en-US" sz="1200" dirty="0">
+              <a:latin typeface="Times New Roman" panose="02020603050405020304" pitchFamily="18" charset="0"/>
+              <a:cs typeface="Times New Roman" panose="02020603050405020304" pitchFamily="18" charset="0"/>
+            </a:endParaRPr>
+          </a:p>
+        </p:txBody>
+      </p:sp>
+      <p:sp>
+        <p:nvSpPr>
+          <p:cNvPr id="213" name="文字方塊 212">
+            <a:extLst>
+              <a:ext uri="{FF2B5EF4-FFF2-40B4-BE49-F238E27FC236}">
+                <a16:creationId xmlns:a16="http://schemas.microsoft.com/office/drawing/2014/main" id="{095BAE17-F939-4C0B-87EE-CF68C9274DA6}"/>
+              </a:ext>
+            </a:extLst>
+          </p:cNvPr>
+          <p:cNvSpPr txBox="1"/>
+          <p:nvPr/>
+        </p:nvSpPr>
+        <p:spPr>
+          <a:xfrm>
+            <a:off x="4725148" y="550178"/>
+            <a:ext cx="382312" cy="276999"/>
+          </a:xfrm>
+          <a:prstGeom prst="rect">
+            <a:avLst/>
+          </a:prstGeom>
+          <a:noFill/>
+        </p:spPr>
+        <p:txBody>
+          <a:bodyPr wrap="square" rtlCol="0">
+            <a:spAutoFit/>
+          </a:bodyPr>
+          <a:lstStyle/>
+          <a:p>
+            <a:r>
+              <a:rPr lang="en-US" altLang="zh-TW" sz="1200" dirty="0">
+                <a:latin typeface="Times New Roman" panose="02020603050405020304" pitchFamily="18" charset="0"/>
+                <a:cs typeface="Times New Roman" panose="02020603050405020304" pitchFamily="18" charset="0"/>
+              </a:rPr>
+              <a:t>lv1</a:t>
+            </a:r>
+            <a:endParaRPr lang="zh-TW" altLang="en-US" sz="1200" dirty="0">
+              <a:latin typeface="Times New Roman" panose="02020603050405020304" pitchFamily="18" charset="0"/>
+              <a:cs typeface="Times New Roman" panose="02020603050405020304" pitchFamily="18" charset="0"/>
+            </a:endParaRPr>
+          </a:p>
+        </p:txBody>
+      </p:sp>
+      <p:sp>
+        <p:nvSpPr>
+          <p:cNvPr id="214" name="文字方塊 213">
+            <a:extLst>
+              <a:ext uri="{FF2B5EF4-FFF2-40B4-BE49-F238E27FC236}">
+                <a16:creationId xmlns:a16="http://schemas.microsoft.com/office/drawing/2014/main" id="{E5B8BEFE-7933-4C2F-93CB-A66266D778C7}"/>
+              </a:ext>
+            </a:extLst>
+          </p:cNvPr>
+          <p:cNvSpPr txBox="1"/>
+          <p:nvPr/>
+        </p:nvSpPr>
+        <p:spPr>
+          <a:xfrm>
+            <a:off x="5391094" y="566191"/>
+            <a:ext cx="382312" cy="276999"/>
+          </a:xfrm>
+          <a:prstGeom prst="rect">
+            <a:avLst/>
+          </a:prstGeom>
+          <a:noFill/>
+        </p:spPr>
+        <p:txBody>
+          <a:bodyPr wrap="square" rtlCol="0">
+            <a:spAutoFit/>
+          </a:bodyPr>
+          <a:lstStyle/>
+          <a:p>
+            <a:r>
+              <a:rPr lang="en-US" altLang="zh-TW" sz="1200" dirty="0">
+                <a:latin typeface="Times New Roman" panose="02020603050405020304" pitchFamily="18" charset="0"/>
+                <a:cs typeface="Times New Roman" panose="02020603050405020304" pitchFamily="18" charset="0"/>
+              </a:rPr>
+              <a:t>lv2</a:t>
+            </a:r>
+            <a:endParaRPr lang="zh-TW" altLang="en-US" sz="1200" dirty="0">
+              <a:latin typeface="Times New Roman" panose="02020603050405020304" pitchFamily="18" charset="0"/>
+              <a:cs typeface="Times New Roman" panose="02020603050405020304" pitchFamily="18" charset="0"/>
+            </a:endParaRPr>
+          </a:p>
+        </p:txBody>
+      </p:sp>
+      <p:sp>
+        <p:nvSpPr>
+          <p:cNvPr id="215" name="文字方塊 214">
+            <a:extLst>
+              <a:ext uri="{FF2B5EF4-FFF2-40B4-BE49-F238E27FC236}">
+                <a16:creationId xmlns:a16="http://schemas.microsoft.com/office/drawing/2014/main" id="{795E3D47-3413-4842-8CF3-C5302BB589EF}"/>
+              </a:ext>
+            </a:extLst>
+          </p:cNvPr>
+          <p:cNvSpPr txBox="1"/>
+          <p:nvPr/>
+        </p:nvSpPr>
+        <p:spPr>
+          <a:xfrm>
+            <a:off x="5993808" y="563643"/>
+            <a:ext cx="382312" cy="276999"/>
+          </a:xfrm>
+          <a:prstGeom prst="rect">
+            <a:avLst/>
+          </a:prstGeom>
+          <a:noFill/>
+        </p:spPr>
+        <p:txBody>
+          <a:bodyPr wrap="square" rtlCol="0">
+            <a:spAutoFit/>
+          </a:bodyPr>
+          <a:lstStyle/>
+          <a:p>
+            <a:r>
+              <a:rPr lang="en-US" altLang="zh-TW" sz="1200" dirty="0">
+                <a:latin typeface="Times New Roman" panose="02020603050405020304" pitchFamily="18" charset="0"/>
+                <a:cs typeface="Times New Roman" panose="02020603050405020304" pitchFamily="18" charset="0"/>
+              </a:rPr>
+              <a:t>lv3</a:t>
             </a:r>
             <a:endParaRPr lang="zh-TW" altLang="en-US" sz="1200" dirty="0">
               <a:latin typeface="Times New Roman" panose="02020603050405020304" pitchFamily="18" charset="0"/>

--- a/EC_FINAL_PROJECT/EC_FINAL_PROJECT/verilog/fitness_evaluation/image/evaluate_fit_DP.pptx
+++ b/EC_FINAL_PROJECT/EC_FINAL_PROJECT/verilog/fitness_evaluation/image/evaluate_fit_DP.pptx
@@ -254,7 +254,7 @@
           <a:p>
             <a:fld id="{20D1ACE9-C6DD-4E59-A308-5666C47F0088}" type="datetimeFigureOut">
               <a:rPr lang="zh-TW" altLang="en-US" smtClean="0"/>
-              <a:t>2022/12/8</a:t>
+              <a:t>2022/12/9</a:t>
             </a:fld>
             <a:endParaRPr lang="zh-TW" altLang="en-US"/>
           </a:p>
@@ -424,7 +424,7 @@
           <a:p>
             <a:fld id="{20D1ACE9-C6DD-4E59-A308-5666C47F0088}" type="datetimeFigureOut">
               <a:rPr lang="zh-TW" altLang="en-US" smtClean="0"/>
-              <a:t>2022/12/8</a:t>
+              <a:t>2022/12/9</a:t>
             </a:fld>
             <a:endParaRPr lang="zh-TW" altLang="en-US"/>
           </a:p>
@@ -604,7 +604,7 @@
           <a:p>
             <a:fld id="{20D1ACE9-C6DD-4E59-A308-5666C47F0088}" type="datetimeFigureOut">
               <a:rPr lang="zh-TW" altLang="en-US" smtClean="0"/>
-              <a:t>2022/12/8</a:t>
+              <a:t>2022/12/9</a:t>
             </a:fld>
             <a:endParaRPr lang="zh-TW" altLang="en-US"/>
           </a:p>
@@ -774,7 +774,7 @@
           <a:p>
             <a:fld id="{20D1ACE9-C6DD-4E59-A308-5666C47F0088}" type="datetimeFigureOut">
               <a:rPr lang="zh-TW" altLang="en-US" smtClean="0"/>
-              <a:t>2022/12/8</a:t>
+              <a:t>2022/12/9</a:t>
             </a:fld>
             <a:endParaRPr lang="zh-TW" altLang="en-US"/>
           </a:p>
@@ -1025,7 +1025,7 @@
           <a:p>
             <a:fld id="{20D1ACE9-C6DD-4E59-A308-5666C47F0088}" type="datetimeFigureOut">
               <a:rPr lang="zh-TW" altLang="en-US" smtClean="0"/>
-              <a:t>2022/12/8</a:t>
+              <a:t>2022/12/9</a:t>
             </a:fld>
             <a:endParaRPr lang="zh-TW" altLang="en-US"/>
           </a:p>
@@ -1257,7 +1257,7 @@
           <a:p>
             <a:fld id="{20D1ACE9-C6DD-4E59-A308-5666C47F0088}" type="datetimeFigureOut">
               <a:rPr lang="zh-TW" altLang="en-US" smtClean="0"/>
-              <a:t>2022/12/8</a:t>
+              <a:t>2022/12/9</a:t>
             </a:fld>
             <a:endParaRPr lang="zh-TW" altLang="en-US"/>
           </a:p>
@@ -1604,7 +1604,7 @@
           <a:p>
             <a:fld id="{20D1ACE9-C6DD-4E59-A308-5666C47F0088}" type="datetimeFigureOut">
               <a:rPr lang="zh-TW" altLang="en-US" smtClean="0"/>
-              <a:t>2022/12/8</a:t>
+              <a:t>2022/12/9</a:t>
             </a:fld>
             <a:endParaRPr lang="zh-TW" altLang="en-US"/>
           </a:p>
@@ -1722,7 +1722,7 @@
           <a:p>
             <a:fld id="{20D1ACE9-C6DD-4E59-A308-5666C47F0088}" type="datetimeFigureOut">
               <a:rPr lang="zh-TW" altLang="en-US" smtClean="0"/>
-              <a:t>2022/12/8</a:t>
+              <a:t>2022/12/9</a:t>
             </a:fld>
             <a:endParaRPr lang="zh-TW" altLang="en-US"/>
           </a:p>
@@ -1840,7 +1840,7 @@
           <a:p>
             <a:fld id="{20D1ACE9-C6DD-4E59-A308-5666C47F0088}" type="datetimeFigureOut">
               <a:rPr lang="zh-TW" altLang="en-US" smtClean="0"/>
-              <a:t>2022/12/8</a:t>
+              <a:t>2022/12/9</a:t>
             </a:fld>
             <a:endParaRPr lang="zh-TW" altLang="en-US"/>
           </a:p>
@@ -2124,7 +2124,7 @@
           <a:p>
             <a:fld id="{20D1ACE9-C6DD-4E59-A308-5666C47F0088}" type="datetimeFigureOut">
               <a:rPr lang="zh-TW" altLang="en-US" smtClean="0"/>
-              <a:t>2022/12/8</a:t>
+              <a:t>2022/12/9</a:t>
             </a:fld>
             <a:endParaRPr lang="zh-TW" altLang="en-US"/>
           </a:p>
@@ -2388,7 +2388,7 @@
           <a:p>
             <a:fld id="{20D1ACE9-C6DD-4E59-A308-5666C47F0088}" type="datetimeFigureOut">
               <a:rPr lang="zh-TW" altLang="en-US" smtClean="0"/>
-              <a:t>2022/12/8</a:t>
+              <a:t>2022/12/9</a:t>
             </a:fld>
             <a:endParaRPr lang="zh-TW" altLang="en-US"/>
           </a:p>
@@ -2602,7 +2602,7 @@
           <a:p>
             <a:fld id="{20D1ACE9-C6DD-4E59-A308-5666C47F0088}" type="datetimeFigureOut">
               <a:rPr lang="zh-TW" altLang="en-US" smtClean="0"/>
-              <a:t>2022/12/8</a:t>
+              <a:t>2022/12/9</a:t>
             </a:fld>
             <a:endParaRPr lang="zh-TW" altLang="en-US"/>
           </a:p>
@@ -5350,10 +5350,10 @@
         </p:nvGrpSpPr>
         <p:grpSpPr>
           <a:xfrm>
-            <a:off x="1247306" y="5966225"/>
-            <a:ext cx="2948049" cy="742373"/>
-            <a:chOff x="-1700743" y="6027639"/>
-            <a:chExt cx="2948049" cy="742373"/>
+            <a:off x="1247306" y="5966222"/>
+            <a:ext cx="2948049" cy="810176"/>
+            <a:chOff x="-1700743" y="6027636"/>
+            <a:chExt cx="2948049" cy="810176"/>
           </a:xfrm>
         </p:grpSpPr>
         <p:grpSp>
@@ -5370,10 +5370,10 @@
           </p:nvGrpSpPr>
           <p:grpSpPr>
             <a:xfrm>
-              <a:off x="645811" y="6027639"/>
-              <a:ext cx="601495" cy="742373"/>
+              <a:off x="645811" y="6027636"/>
+              <a:ext cx="601495" cy="810176"/>
               <a:chOff x="2383389" y="3557589"/>
-              <a:chExt cx="258670" cy="443047"/>
+              <a:chExt cx="258670" cy="483512"/>
             </a:xfrm>
           </p:grpSpPr>
           <p:sp>
@@ -5391,7 +5391,7 @@
             <p:spPr>
               <a:xfrm>
                 <a:off x="2383389" y="3557589"/>
-                <a:ext cx="258670" cy="443047"/>
+                <a:ext cx="258670" cy="483512"/>
               </a:xfrm>
               <a:prstGeom prst="rect">
                 <a:avLst/>
@@ -7974,7 +7974,7 @@
         <p:grpSpPr>
           <a:xfrm>
             <a:off x="6524736" y="572393"/>
-            <a:ext cx="498047" cy="5002920"/>
+            <a:ext cx="498047" cy="4564005"/>
             <a:chOff x="2383389" y="3557589"/>
             <a:chExt cx="258672" cy="443047"/>
           </a:xfrm>
@@ -10772,10 +10772,10 @@
         </p:nvGrpSpPr>
         <p:grpSpPr>
           <a:xfrm>
-            <a:off x="7295383" y="4953258"/>
-            <a:ext cx="1199793" cy="816373"/>
+            <a:off x="7295383" y="4953257"/>
+            <a:ext cx="1199793" cy="816375"/>
             <a:chOff x="2966999" y="4387850"/>
-            <a:chExt cx="958135" cy="788987"/>
+            <a:chExt cx="958135" cy="788989"/>
           </a:xfrm>
         </p:grpSpPr>
         <p:sp>
@@ -10792,7 +10792,7 @@
           </p:nvSpPr>
           <p:spPr>
             <a:xfrm>
-              <a:off x="2966999" y="4387850"/>
+              <a:off x="2966999" y="4387852"/>
               <a:ext cx="958135" cy="788987"/>
             </a:xfrm>
             <a:prstGeom prst="rect">
@@ -11449,7 +11449,7 @@
         </p:nvSpPr>
         <p:spPr>
           <a:xfrm>
-            <a:off x="132530" y="372388"/>
+            <a:off x="615043" y="363370"/>
             <a:ext cx="1380190" cy="276999"/>
           </a:xfrm>
           <a:prstGeom prst="rect">
@@ -11468,7 +11468,7 @@
                 <a:latin typeface="Times New Roman" panose="02020603050405020304" pitchFamily="18" charset="0"/>
                 <a:cs typeface="Times New Roman" panose="02020603050405020304" pitchFamily="18" charset="0"/>
               </a:rPr>
-              <a:t>WR_self_energy_i</a:t>
+              <a:t>Set_Data_i</a:t>
             </a:r>
             <a:endParaRPr lang="zh-TW" altLang="en-US" sz="1200" dirty="0">
               <a:latin typeface="Times New Roman" panose="02020603050405020304" pitchFamily="18" charset="0"/>
@@ -11551,7 +11551,7 @@
                 <a:latin typeface="Times New Roman" panose="02020603050405020304" pitchFamily="18" charset="0"/>
                 <a:cs typeface="Times New Roman" panose="02020603050405020304" pitchFamily="18" charset="0"/>
               </a:rPr>
-              <a:t>WR_interact_matrix_i</a:t>
+              <a:t>Set_Data_i</a:t>
             </a:r>
             <a:endParaRPr lang="zh-TW" altLang="en-US" sz="1200" dirty="0">
               <a:latin typeface="Times New Roman" panose="02020603050405020304" pitchFamily="18" charset="0"/>
@@ -11678,6 +11678,421 @@
                 <a:cs typeface="Times New Roman" panose="02020603050405020304" pitchFamily="18" charset="0"/>
               </a:rPr>
               <a:t>lv3</a:t>
+            </a:r>
+            <a:endParaRPr lang="zh-TW" altLang="en-US" sz="1200" dirty="0">
+              <a:latin typeface="Times New Roman" panose="02020603050405020304" pitchFamily="18" charset="0"/>
+              <a:cs typeface="Times New Roman" panose="02020603050405020304" pitchFamily="18" charset="0"/>
+            </a:endParaRPr>
+          </a:p>
+        </p:txBody>
+      </p:sp>
+      <p:cxnSp>
+        <p:nvCxnSpPr>
+          <p:cNvPr id="217" name="直線單箭頭接點 216">
+            <a:extLst>
+              <a:ext uri="{FF2B5EF4-FFF2-40B4-BE49-F238E27FC236}">
+                <a16:creationId xmlns:a16="http://schemas.microsoft.com/office/drawing/2014/main" id="{7C12F0ED-2160-4730-B6B3-7E2154AD46E4}"/>
+              </a:ext>
+            </a:extLst>
+          </p:cNvPr>
+          <p:cNvCxnSpPr>
+            <a:cxnSpLocks/>
+          </p:cNvCxnSpPr>
+          <p:nvPr/>
+        </p:nvCxnSpPr>
+        <p:spPr>
+          <a:xfrm>
+            <a:off x="8641" y="6708598"/>
+            <a:ext cx="632172" cy="0"/>
+          </a:xfrm>
+          <a:prstGeom prst="straightConnector1">
+            <a:avLst/>
+          </a:prstGeom>
+          <a:ln>
+            <a:tailEnd type="triangle"/>
+          </a:ln>
+        </p:spPr>
+        <p:style>
+          <a:lnRef idx="3">
+            <a:schemeClr val="accent2"/>
+          </a:lnRef>
+          <a:fillRef idx="0">
+            <a:schemeClr val="accent2"/>
+          </a:fillRef>
+          <a:effectRef idx="2">
+            <a:schemeClr val="accent2"/>
+          </a:effectRef>
+          <a:fontRef idx="minor">
+            <a:schemeClr val="tx1"/>
+          </a:fontRef>
+        </p:style>
+      </p:cxnSp>
+      <p:sp>
+        <p:nvSpPr>
+          <p:cNvPr id="219" name="文字方塊 218">
+            <a:extLst>
+              <a:ext uri="{FF2B5EF4-FFF2-40B4-BE49-F238E27FC236}">
+                <a16:creationId xmlns:a16="http://schemas.microsoft.com/office/drawing/2014/main" id="{F0BF88D0-CEF0-4C5C-9786-BCC99F60B9AD}"/>
+              </a:ext>
+            </a:extLst>
+          </p:cNvPr>
+          <p:cNvSpPr txBox="1"/>
+          <p:nvPr/>
+        </p:nvSpPr>
+        <p:spPr>
+          <a:xfrm>
+            <a:off x="-106454" y="6405217"/>
+            <a:ext cx="1425079" cy="276999"/>
+          </a:xfrm>
+          <a:prstGeom prst="rect">
+            <a:avLst/>
+          </a:prstGeom>
+          <a:noFill/>
+        </p:spPr>
+        <p:txBody>
+          <a:bodyPr wrap="square" rtlCol="0">
+            <a:spAutoFit/>
+          </a:bodyPr>
+          <a:lstStyle/>
+          <a:p>
+            <a:r>
+              <a:rPr lang="en-US" altLang="zh-TW" sz="1200" dirty="0" err="1">
+                <a:latin typeface="Times New Roman" panose="02020603050405020304" pitchFamily="18" charset="0"/>
+                <a:cs typeface="Times New Roman" panose="02020603050405020304" pitchFamily="18" charset="0"/>
+              </a:rPr>
+              <a:t>Ind_idx_i</a:t>
+            </a:r>
+            <a:endParaRPr lang="zh-TW" altLang="en-US" sz="1200" dirty="0">
+              <a:latin typeface="Times New Roman" panose="02020603050405020304" pitchFamily="18" charset="0"/>
+              <a:cs typeface="Times New Roman" panose="02020603050405020304" pitchFamily="18" charset="0"/>
+            </a:endParaRPr>
+          </a:p>
+        </p:txBody>
+      </p:sp>
+      <p:cxnSp>
+        <p:nvCxnSpPr>
+          <p:cNvPr id="220" name="直線單箭頭接點 219">
+            <a:extLst>
+              <a:ext uri="{FF2B5EF4-FFF2-40B4-BE49-F238E27FC236}">
+                <a16:creationId xmlns:a16="http://schemas.microsoft.com/office/drawing/2014/main" id="{6698D617-DB90-46C6-8188-4D99EDE52932}"/>
+              </a:ext>
+            </a:extLst>
+          </p:cNvPr>
+          <p:cNvCxnSpPr>
+            <a:cxnSpLocks/>
+          </p:cNvCxnSpPr>
+          <p:nvPr/>
+        </p:nvCxnSpPr>
+        <p:spPr>
+          <a:xfrm flipV="1">
+            <a:off x="1239638" y="6683091"/>
+            <a:ext cx="2346554" cy="8717"/>
+          </a:xfrm>
+          <a:prstGeom prst="straightConnector1">
+            <a:avLst/>
+          </a:prstGeom>
+          <a:ln>
+            <a:tailEnd type="triangle"/>
+          </a:ln>
+        </p:spPr>
+        <p:style>
+          <a:lnRef idx="3">
+            <a:schemeClr val="accent1"/>
+          </a:lnRef>
+          <a:fillRef idx="0">
+            <a:schemeClr val="accent1"/>
+          </a:fillRef>
+          <a:effectRef idx="2">
+            <a:schemeClr val="accent1"/>
+          </a:effectRef>
+          <a:fontRef idx="minor">
+            <a:schemeClr val="tx1"/>
+          </a:fontRef>
+        </p:style>
+      </p:cxnSp>
+      <p:sp>
+        <p:nvSpPr>
+          <p:cNvPr id="225" name="文字方塊 224">
+            <a:extLst>
+              <a:ext uri="{FF2B5EF4-FFF2-40B4-BE49-F238E27FC236}">
+                <a16:creationId xmlns:a16="http://schemas.microsoft.com/office/drawing/2014/main" id="{1BB75CBC-B710-43F8-975D-145A9D23D7FF}"/>
+              </a:ext>
+            </a:extLst>
+          </p:cNvPr>
+          <p:cNvSpPr txBox="1"/>
+          <p:nvPr/>
+        </p:nvSpPr>
+        <p:spPr>
+          <a:xfrm>
+            <a:off x="1958046" y="6416823"/>
+            <a:ext cx="1425079" cy="276999"/>
+          </a:xfrm>
+          <a:prstGeom prst="rect">
+            <a:avLst/>
+          </a:prstGeom>
+          <a:noFill/>
+        </p:spPr>
+        <p:txBody>
+          <a:bodyPr wrap="square" rtlCol="0">
+            <a:spAutoFit/>
+          </a:bodyPr>
+          <a:lstStyle/>
+          <a:p>
+            <a:r>
+              <a:rPr lang="en-US" altLang="zh-TW" sz="1200" dirty="0" err="1">
+                <a:latin typeface="Times New Roman" panose="02020603050405020304" pitchFamily="18" charset="0"/>
+                <a:cs typeface="Times New Roman" panose="02020603050405020304" pitchFamily="18" charset="0"/>
+              </a:rPr>
+              <a:t>Ind_idx_DF</a:t>
+            </a:r>
+            <a:endParaRPr lang="zh-TW" altLang="en-US" sz="1200" dirty="0">
+              <a:latin typeface="Times New Roman" panose="02020603050405020304" pitchFamily="18" charset="0"/>
+              <a:cs typeface="Times New Roman" panose="02020603050405020304" pitchFamily="18" charset="0"/>
+            </a:endParaRPr>
+          </a:p>
+        </p:txBody>
+      </p:sp>
+      <p:cxnSp>
+        <p:nvCxnSpPr>
+          <p:cNvPr id="227" name="直線單箭頭接點 226">
+            <a:extLst>
+              <a:ext uri="{FF2B5EF4-FFF2-40B4-BE49-F238E27FC236}">
+                <a16:creationId xmlns:a16="http://schemas.microsoft.com/office/drawing/2014/main" id="{6849831A-96FA-4AE6-B3D0-D5E884E65F2A}"/>
+              </a:ext>
+            </a:extLst>
+          </p:cNvPr>
+          <p:cNvCxnSpPr>
+            <a:cxnSpLocks/>
+          </p:cNvCxnSpPr>
+          <p:nvPr/>
+        </p:nvCxnSpPr>
+        <p:spPr>
+          <a:xfrm flipV="1">
+            <a:off x="4210691" y="6676888"/>
+            <a:ext cx="2346554" cy="8717"/>
+          </a:xfrm>
+          <a:prstGeom prst="straightConnector1">
+            <a:avLst/>
+          </a:prstGeom>
+          <a:ln>
+            <a:tailEnd type="triangle"/>
+          </a:ln>
+        </p:spPr>
+        <p:style>
+          <a:lnRef idx="3">
+            <a:schemeClr val="accent1"/>
+          </a:lnRef>
+          <a:fillRef idx="0">
+            <a:schemeClr val="accent1"/>
+          </a:fillRef>
+          <a:effectRef idx="2">
+            <a:schemeClr val="accent1"/>
+          </a:effectRef>
+          <a:fontRef idx="minor">
+            <a:schemeClr val="tx1"/>
+          </a:fontRef>
+        </p:style>
+      </p:cxnSp>
+      <p:sp>
+        <p:nvSpPr>
+          <p:cNvPr id="229" name="文字方塊 228">
+            <a:extLst>
+              <a:ext uri="{FF2B5EF4-FFF2-40B4-BE49-F238E27FC236}">
+                <a16:creationId xmlns:a16="http://schemas.microsoft.com/office/drawing/2014/main" id="{602BB949-479C-48AB-A036-E1210234A4B7}"/>
+              </a:ext>
+            </a:extLst>
+          </p:cNvPr>
+          <p:cNvSpPr txBox="1"/>
+          <p:nvPr/>
+        </p:nvSpPr>
+        <p:spPr>
+          <a:xfrm>
+            <a:off x="4732802" y="6386280"/>
+            <a:ext cx="1425079" cy="276999"/>
+          </a:xfrm>
+          <a:prstGeom prst="rect">
+            <a:avLst/>
+          </a:prstGeom>
+          <a:noFill/>
+        </p:spPr>
+        <p:txBody>
+          <a:bodyPr wrap="square" rtlCol="0">
+            <a:spAutoFit/>
+          </a:bodyPr>
+          <a:lstStyle/>
+          <a:p>
+            <a:r>
+              <a:rPr lang="en-US" altLang="zh-TW" sz="1200" dirty="0">
+                <a:latin typeface="Times New Roman" panose="02020603050405020304" pitchFamily="18" charset="0"/>
+                <a:cs typeface="Times New Roman" panose="02020603050405020304" pitchFamily="18" charset="0"/>
+              </a:rPr>
+              <a:t>Ind_idx_ADD1</a:t>
+            </a:r>
+            <a:endParaRPr lang="zh-TW" altLang="en-US" sz="1200" dirty="0">
+              <a:latin typeface="Times New Roman" panose="02020603050405020304" pitchFamily="18" charset="0"/>
+              <a:cs typeface="Times New Roman" panose="02020603050405020304" pitchFamily="18" charset="0"/>
+            </a:endParaRPr>
+          </a:p>
+        </p:txBody>
+      </p:sp>
+      <p:cxnSp>
+        <p:nvCxnSpPr>
+          <p:cNvPr id="231" name="直線單箭頭接點 230">
+            <a:extLst>
+              <a:ext uri="{FF2B5EF4-FFF2-40B4-BE49-F238E27FC236}">
+                <a16:creationId xmlns:a16="http://schemas.microsoft.com/office/drawing/2014/main" id="{1FD1C32A-7BD2-4721-AFAB-E0CDA7BAC16A}"/>
+              </a:ext>
+            </a:extLst>
+          </p:cNvPr>
+          <p:cNvCxnSpPr>
+            <a:cxnSpLocks/>
+          </p:cNvCxnSpPr>
+          <p:nvPr/>
+        </p:nvCxnSpPr>
+        <p:spPr>
+          <a:xfrm>
+            <a:off x="7049055" y="6664952"/>
+            <a:ext cx="3088720" cy="0"/>
+          </a:xfrm>
+          <a:prstGeom prst="straightConnector1">
+            <a:avLst/>
+          </a:prstGeom>
+          <a:ln>
+            <a:tailEnd type="triangle"/>
+          </a:ln>
+        </p:spPr>
+        <p:style>
+          <a:lnRef idx="3">
+            <a:schemeClr val="accent1"/>
+          </a:lnRef>
+          <a:fillRef idx="0">
+            <a:schemeClr val="accent1"/>
+          </a:fillRef>
+          <a:effectRef idx="2">
+            <a:schemeClr val="accent1"/>
+          </a:effectRef>
+          <a:fontRef idx="minor">
+            <a:schemeClr val="tx1"/>
+          </a:fontRef>
+        </p:style>
+      </p:cxnSp>
+      <p:sp>
+        <p:nvSpPr>
+          <p:cNvPr id="232" name="文字方塊 231">
+            <a:extLst>
+              <a:ext uri="{FF2B5EF4-FFF2-40B4-BE49-F238E27FC236}">
+                <a16:creationId xmlns:a16="http://schemas.microsoft.com/office/drawing/2014/main" id="{09C9F4CD-5E9E-4000-A9A5-094DB89BA323}"/>
+              </a:ext>
+            </a:extLst>
+          </p:cNvPr>
+          <p:cNvSpPr txBox="1"/>
+          <p:nvPr/>
+        </p:nvSpPr>
+        <p:spPr>
+          <a:xfrm>
+            <a:off x="8054594" y="6358536"/>
+            <a:ext cx="1425079" cy="276999"/>
+          </a:xfrm>
+          <a:prstGeom prst="rect">
+            <a:avLst/>
+          </a:prstGeom>
+          <a:noFill/>
+        </p:spPr>
+        <p:txBody>
+          <a:bodyPr wrap="square" rtlCol="0">
+            <a:spAutoFit/>
+          </a:bodyPr>
+          <a:lstStyle/>
+          <a:p>
+            <a:r>
+              <a:rPr lang="en-US" altLang="zh-TW" sz="1200" dirty="0">
+                <a:latin typeface="Times New Roman" panose="02020603050405020304" pitchFamily="18" charset="0"/>
+                <a:cs typeface="Times New Roman" panose="02020603050405020304" pitchFamily="18" charset="0"/>
+              </a:rPr>
+              <a:t>Ind_idx_ADD2</a:t>
+            </a:r>
+            <a:endParaRPr lang="zh-TW" altLang="en-US" sz="1200" dirty="0">
+              <a:latin typeface="Times New Roman" panose="02020603050405020304" pitchFamily="18" charset="0"/>
+              <a:cs typeface="Times New Roman" panose="02020603050405020304" pitchFamily="18" charset="0"/>
+            </a:endParaRPr>
+          </a:p>
+        </p:txBody>
+      </p:sp>
+      <p:cxnSp>
+        <p:nvCxnSpPr>
+          <p:cNvPr id="233" name="直線單箭頭接點 232">
+            <a:extLst>
+              <a:ext uri="{FF2B5EF4-FFF2-40B4-BE49-F238E27FC236}">
+                <a16:creationId xmlns:a16="http://schemas.microsoft.com/office/drawing/2014/main" id="{CB00DE86-324C-49DD-B773-97C8469E1061}"/>
+              </a:ext>
+            </a:extLst>
+          </p:cNvPr>
+          <p:cNvCxnSpPr>
+            <a:cxnSpLocks/>
+          </p:cNvCxnSpPr>
+          <p:nvPr/>
+        </p:nvCxnSpPr>
+        <p:spPr>
+          <a:xfrm>
+            <a:off x="10662012" y="6635535"/>
+            <a:ext cx="991826" cy="0"/>
+          </a:xfrm>
+          <a:prstGeom prst="straightConnector1">
+            <a:avLst/>
+          </a:prstGeom>
+          <a:ln>
+            <a:tailEnd type="triangle"/>
+          </a:ln>
+        </p:spPr>
+        <p:style>
+          <a:lnRef idx="3">
+            <a:schemeClr val="accent2"/>
+          </a:lnRef>
+          <a:fillRef idx="0">
+            <a:schemeClr val="accent2"/>
+          </a:fillRef>
+          <a:effectRef idx="2">
+            <a:schemeClr val="accent2"/>
+          </a:effectRef>
+          <a:fontRef idx="minor">
+            <a:schemeClr val="tx1"/>
+          </a:fontRef>
+        </p:style>
+      </p:cxnSp>
+      <p:sp>
+        <p:nvSpPr>
+          <p:cNvPr id="234" name="文字方塊 233">
+            <a:extLst>
+              <a:ext uri="{FF2B5EF4-FFF2-40B4-BE49-F238E27FC236}">
+                <a16:creationId xmlns:a16="http://schemas.microsoft.com/office/drawing/2014/main" id="{8C0B5D86-51E6-458B-988B-A1B582DD4FEA}"/>
+              </a:ext>
+            </a:extLst>
+          </p:cNvPr>
+          <p:cNvSpPr txBox="1"/>
+          <p:nvPr/>
+        </p:nvSpPr>
+        <p:spPr>
+          <a:xfrm>
+            <a:off x="10600717" y="6344467"/>
+            <a:ext cx="1425079" cy="276999"/>
+          </a:xfrm>
+          <a:prstGeom prst="rect">
+            <a:avLst/>
+          </a:prstGeom>
+          <a:noFill/>
+        </p:spPr>
+        <p:txBody>
+          <a:bodyPr wrap="square" rtlCol="0">
+            <a:spAutoFit/>
+          </a:bodyPr>
+          <a:lstStyle/>
+          <a:p>
+            <a:r>
+              <a:rPr lang="en-US" altLang="zh-TW" sz="1200" dirty="0" err="1">
+                <a:latin typeface="Times New Roman" panose="02020603050405020304" pitchFamily="18" charset="0"/>
+                <a:cs typeface="Times New Roman" panose="02020603050405020304" pitchFamily="18" charset="0"/>
+              </a:rPr>
+              <a:t>Ind_WB_idx_o</a:t>
             </a:r>
             <a:endParaRPr lang="zh-TW" altLang="en-US" sz="1200" dirty="0">
               <a:latin typeface="Times New Roman" panose="02020603050405020304" pitchFamily="18" charset="0"/>

--- a/EC_FINAL_PROJECT/EC_FINAL_PROJECT/verilog/fitness_evaluation/image/evaluate_fit_DP.pptx
+++ b/EC_FINAL_PROJECT/EC_FINAL_PROJECT/verilog/fitness_evaluation/image/evaluate_fit_DP.pptx
@@ -3533,8 +3533,8 @@
         </p:nvGrpSpPr>
         <p:grpSpPr>
           <a:xfrm>
-            <a:off x="3613994" y="822121"/>
-            <a:ext cx="601495" cy="1728134"/>
+            <a:off x="3613994" y="822120"/>
+            <a:ext cx="601495" cy="2026267"/>
             <a:chOff x="2383389" y="3557589"/>
             <a:chExt cx="258671" cy="443047"/>
           </a:xfrm>
@@ -7563,14 +7563,14 @@
           </p:cNvPr>
           <p:cNvCxnSpPr>
             <a:cxnSpLocks/>
-            <a:endCxn id="196" idx="3"/>
+            <a:endCxn id="235" idx="2"/>
           </p:cNvCxnSpPr>
           <p:nvPr/>
         </p:nvCxnSpPr>
         <p:spPr>
-          <a:xfrm flipV="1">
-            <a:off x="4220200" y="2528997"/>
-            <a:ext cx="1178043" cy="2955"/>
+          <a:xfrm>
+            <a:off x="4229843" y="2733236"/>
+            <a:ext cx="397001" cy="0"/>
           </a:xfrm>
           <a:prstGeom prst="straightConnector1">
             <a:avLst/>
@@ -8566,13 +8566,14 @@
           </p:cNvPr>
           <p:cNvCxnSpPr>
             <a:cxnSpLocks/>
+            <a:stCxn id="237" idx="6"/>
           </p:cNvCxnSpPr>
           <p:nvPr/>
         </p:nvCxnSpPr>
         <p:spPr>
           <a:xfrm flipV="1">
-            <a:off x="5107984" y="2632527"/>
-            <a:ext cx="988016" cy="1341678"/>
+            <a:off x="5793430" y="2676074"/>
+            <a:ext cx="357654" cy="1285754"/>
           </a:xfrm>
           <a:prstGeom prst="straightConnector1">
             <a:avLst/>
@@ -9139,14 +9140,15 @@
           </p:cNvPr>
           <p:cNvCxnSpPr>
             <a:cxnSpLocks/>
+            <a:stCxn id="239" idx="0"/>
             <a:endCxn id="268" idx="3"/>
           </p:cNvCxnSpPr>
           <p:nvPr/>
         </p:nvCxnSpPr>
         <p:spPr>
           <a:xfrm flipV="1">
-            <a:off x="7010688" y="2488335"/>
-            <a:ext cx="1105263" cy="2345582"/>
+            <a:off x="7567682" y="2488335"/>
+            <a:ext cx="548269" cy="492174"/>
           </a:xfrm>
           <a:prstGeom prst="straightConnector1">
             <a:avLst/>
@@ -12093,6 +12095,368 @@
                 <a:cs typeface="Times New Roman" panose="02020603050405020304" pitchFamily="18" charset="0"/>
               </a:rPr>
               <a:t>Ind_WB_idx_o</a:t>
+            </a:r>
+            <a:endParaRPr lang="zh-TW" altLang="en-US" sz="1200" dirty="0">
+              <a:latin typeface="Times New Roman" panose="02020603050405020304" pitchFamily="18" charset="0"/>
+              <a:cs typeface="Times New Roman" panose="02020603050405020304" pitchFamily="18" charset="0"/>
+            </a:endParaRPr>
+          </a:p>
+        </p:txBody>
+      </p:sp>
+      <p:sp>
+        <p:nvSpPr>
+          <p:cNvPr id="235" name="流程圖: 接點 234">
+            <a:extLst>
+              <a:ext uri="{FF2B5EF4-FFF2-40B4-BE49-F238E27FC236}">
+                <a16:creationId xmlns:a16="http://schemas.microsoft.com/office/drawing/2014/main" id="{6CD35FD4-C152-4175-94B7-58DA54A7E7E8}"/>
+              </a:ext>
+            </a:extLst>
+          </p:cNvPr>
+          <p:cNvSpPr/>
+          <p:nvPr/>
+        </p:nvSpPr>
+        <p:spPr>
+          <a:xfrm>
+            <a:off x="4626844" y="2556828"/>
+            <a:ext cx="512358" cy="352816"/>
+          </a:xfrm>
+          <a:prstGeom prst="flowChartConnector">
+            <a:avLst/>
+          </a:prstGeom>
+        </p:spPr>
+        <p:style>
+          <a:lnRef idx="2">
+            <a:schemeClr val="accent4">
+              <a:shade val="50000"/>
+            </a:schemeClr>
+          </a:lnRef>
+          <a:fillRef idx="1">
+            <a:schemeClr val="accent4"/>
+          </a:fillRef>
+          <a:effectRef idx="0">
+            <a:schemeClr val="accent4"/>
+          </a:effectRef>
+          <a:fontRef idx="minor">
+            <a:schemeClr val="lt1"/>
+          </a:fontRef>
+        </p:style>
+        <p:txBody>
+          <a:bodyPr rtlCol="0" anchor="ctr"/>
+          <a:lstStyle/>
+          <a:p>
+            <a:pPr algn="ctr"/>
+            <a:r>
+              <a:rPr lang="en-US" altLang="zh-TW" sz="1400" dirty="0"/>
+              <a:t>SE</a:t>
+            </a:r>
+            <a:endParaRPr lang="zh-TW" altLang="en-US" sz="1400" dirty="0"/>
+          </a:p>
+        </p:txBody>
+      </p:sp>
+      <p:cxnSp>
+        <p:nvCxnSpPr>
+          <p:cNvPr id="236" name="直線單箭頭接點 235">
+            <a:extLst>
+              <a:ext uri="{FF2B5EF4-FFF2-40B4-BE49-F238E27FC236}">
+                <a16:creationId xmlns:a16="http://schemas.microsoft.com/office/drawing/2014/main" id="{8ECBAF54-D030-4BD9-84ED-EBCC86AFF04E}"/>
+              </a:ext>
+            </a:extLst>
+          </p:cNvPr>
+          <p:cNvCxnSpPr>
+            <a:cxnSpLocks/>
+            <a:stCxn id="235" idx="6"/>
+            <a:endCxn id="196" idx="3"/>
+          </p:cNvCxnSpPr>
+          <p:nvPr/>
+        </p:nvCxnSpPr>
+        <p:spPr>
+          <a:xfrm flipV="1">
+            <a:off x="5139202" y="2528997"/>
+            <a:ext cx="259041" cy="204239"/>
+          </a:xfrm>
+          <a:prstGeom prst="straightConnector1">
+            <a:avLst/>
+          </a:prstGeom>
+          <a:ln>
+            <a:tailEnd type="triangle"/>
+          </a:ln>
+        </p:spPr>
+        <p:style>
+          <a:lnRef idx="3">
+            <a:schemeClr val="accent1"/>
+          </a:lnRef>
+          <a:fillRef idx="0">
+            <a:schemeClr val="accent1"/>
+          </a:fillRef>
+          <a:effectRef idx="2">
+            <a:schemeClr val="accent1"/>
+          </a:effectRef>
+          <a:fontRef idx="minor">
+            <a:schemeClr val="tx1"/>
+          </a:fontRef>
+        </p:style>
+      </p:cxnSp>
+      <p:sp>
+        <p:nvSpPr>
+          <p:cNvPr id="237" name="流程圖: 接點 236">
+            <a:extLst>
+              <a:ext uri="{FF2B5EF4-FFF2-40B4-BE49-F238E27FC236}">
+                <a16:creationId xmlns:a16="http://schemas.microsoft.com/office/drawing/2014/main" id="{347E63EA-62F0-4CC5-9F2B-74ED0F9F2F1D}"/>
+              </a:ext>
+            </a:extLst>
+          </p:cNvPr>
+          <p:cNvSpPr/>
+          <p:nvPr/>
+        </p:nvSpPr>
+        <p:spPr>
+          <a:xfrm>
+            <a:off x="5281072" y="3785420"/>
+            <a:ext cx="512358" cy="352816"/>
+          </a:xfrm>
+          <a:prstGeom prst="flowChartConnector">
+            <a:avLst/>
+          </a:prstGeom>
+        </p:spPr>
+        <p:style>
+          <a:lnRef idx="2">
+            <a:schemeClr val="accent4">
+              <a:shade val="50000"/>
+            </a:schemeClr>
+          </a:lnRef>
+          <a:fillRef idx="1">
+            <a:schemeClr val="accent4"/>
+          </a:fillRef>
+          <a:effectRef idx="0">
+            <a:schemeClr val="accent4"/>
+          </a:effectRef>
+          <a:fontRef idx="minor">
+            <a:schemeClr val="lt1"/>
+          </a:fontRef>
+        </p:style>
+        <p:txBody>
+          <a:bodyPr rtlCol="0" anchor="ctr"/>
+          <a:lstStyle/>
+          <a:p>
+            <a:pPr algn="ctr"/>
+            <a:r>
+              <a:rPr lang="en-US" altLang="zh-TW" sz="1400" dirty="0"/>
+              <a:t>SE</a:t>
+            </a:r>
+            <a:endParaRPr lang="zh-TW" altLang="en-US" sz="1400" dirty="0"/>
+          </a:p>
+        </p:txBody>
+      </p:sp>
+      <p:cxnSp>
+        <p:nvCxnSpPr>
+          <p:cNvPr id="238" name="直線單箭頭接點 237">
+            <a:extLst>
+              <a:ext uri="{FF2B5EF4-FFF2-40B4-BE49-F238E27FC236}">
+                <a16:creationId xmlns:a16="http://schemas.microsoft.com/office/drawing/2014/main" id="{B485167B-B263-45F0-8248-09985BB640F8}"/>
+              </a:ext>
+            </a:extLst>
+          </p:cNvPr>
+          <p:cNvCxnSpPr>
+            <a:cxnSpLocks/>
+            <a:stCxn id="159" idx="6"/>
+            <a:endCxn id="237" idx="2"/>
+          </p:cNvCxnSpPr>
+          <p:nvPr/>
+        </p:nvCxnSpPr>
+        <p:spPr>
+          <a:xfrm flipV="1">
+            <a:off x="5101870" y="3961828"/>
+            <a:ext cx="179202" cy="4"/>
+          </a:xfrm>
+          <a:prstGeom prst="straightConnector1">
+            <a:avLst/>
+          </a:prstGeom>
+          <a:ln>
+            <a:tailEnd type="triangle"/>
+          </a:ln>
+        </p:spPr>
+        <p:style>
+          <a:lnRef idx="3">
+            <a:schemeClr val="accent1"/>
+          </a:lnRef>
+          <a:fillRef idx="0">
+            <a:schemeClr val="accent1"/>
+          </a:fillRef>
+          <a:effectRef idx="2">
+            <a:schemeClr val="accent1"/>
+          </a:effectRef>
+          <a:fontRef idx="minor">
+            <a:schemeClr val="tx1"/>
+          </a:fontRef>
+        </p:style>
+      </p:cxnSp>
+      <p:sp>
+        <p:nvSpPr>
+          <p:cNvPr id="239" name="流程圖: 接點 238">
+            <a:extLst>
+              <a:ext uri="{FF2B5EF4-FFF2-40B4-BE49-F238E27FC236}">
+                <a16:creationId xmlns:a16="http://schemas.microsoft.com/office/drawing/2014/main" id="{E6321D38-AE76-4253-AEAB-2D6E8C218B01}"/>
+              </a:ext>
+            </a:extLst>
+          </p:cNvPr>
+          <p:cNvSpPr/>
+          <p:nvPr/>
+        </p:nvSpPr>
+        <p:spPr>
+          <a:xfrm>
+            <a:off x="7311503" y="2980509"/>
+            <a:ext cx="512358" cy="352816"/>
+          </a:xfrm>
+          <a:prstGeom prst="flowChartConnector">
+            <a:avLst/>
+          </a:prstGeom>
+        </p:spPr>
+        <p:style>
+          <a:lnRef idx="2">
+            <a:schemeClr val="accent4">
+              <a:shade val="50000"/>
+            </a:schemeClr>
+          </a:lnRef>
+          <a:fillRef idx="1">
+            <a:schemeClr val="accent4"/>
+          </a:fillRef>
+          <a:effectRef idx="0">
+            <a:schemeClr val="accent4"/>
+          </a:effectRef>
+          <a:fontRef idx="minor">
+            <a:schemeClr val="lt1"/>
+          </a:fontRef>
+        </p:style>
+        <p:txBody>
+          <a:bodyPr rtlCol="0" anchor="ctr"/>
+          <a:lstStyle/>
+          <a:p>
+            <a:pPr algn="ctr"/>
+            <a:r>
+              <a:rPr lang="en-US" altLang="zh-TW" sz="1400" dirty="0"/>
+              <a:t>SE</a:t>
+            </a:r>
+            <a:endParaRPr lang="zh-TW" altLang="en-US" sz="1400" dirty="0"/>
+          </a:p>
+        </p:txBody>
+      </p:sp>
+      <p:cxnSp>
+        <p:nvCxnSpPr>
+          <p:cNvPr id="241" name="直線單箭頭接點 240">
+            <a:extLst>
+              <a:ext uri="{FF2B5EF4-FFF2-40B4-BE49-F238E27FC236}">
+                <a16:creationId xmlns:a16="http://schemas.microsoft.com/office/drawing/2014/main" id="{58BFAA3C-B6FF-476A-99F9-14F121F8DC72}"/>
+              </a:ext>
+            </a:extLst>
+          </p:cNvPr>
+          <p:cNvCxnSpPr>
+            <a:cxnSpLocks/>
+            <a:endCxn id="239" idx="3"/>
+          </p:cNvCxnSpPr>
+          <p:nvPr/>
+        </p:nvCxnSpPr>
+        <p:spPr>
+          <a:xfrm flipV="1">
+            <a:off x="7045463" y="3281656"/>
+            <a:ext cx="341073" cy="1581252"/>
+          </a:xfrm>
+          <a:prstGeom prst="straightConnector1">
+            <a:avLst/>
+          </a:prstGeom>
+          <a:ln>
+            <a:tailEnd type="triangle"/>
+          </a:ln>
+        </p:spPr>
+        <p:style>
+          <a:lnRef idx="3">
+            <a:schemeClr val="accent1"/>
+          </a:lnRef>
+          <a:fillRef idx="0">
+            <a:schemeClr val="accent1"/>
+          </a:fillRef>
+          <a:effectRef idx="2">
+            <a:schemeClr val="accent1"/>
+          </a:effectRef>
+          <a:fontRef idx="minor">
+            <a:schemeClr val="tx1"/>
+          </a:fontRef>
+        </p:style>
+      </p:cxnSp>
+      <p:sp>
+        <p:nvSpPr>
+          <p:cNvPr id="252" name="文字方塊 251">
+            <a:extLst>
+              <a:ext uri="{FF2B5EF4-FFF2-40B4-BE49-F238E27FC236}">
+                <a16:creationId xmlns:a16="http://schemas.microsoft.com/office/drawing/2014/main" id="{C067D8AA-DF8E-4C7A-98D2-10B749B89D8F}"/>
+              </a:ext>
+            </a:extLst>
+          </p:cNvPr>
+          <p:cNvSpPr txBox="1"/>
+          <p:nvPr/>
+        </p:nvSpPr>
+        <p:spPr>
+          <a:xfrm>
+            <a:off x="7371781" y="578099"/>
+            <a:ext cx="382312" cy="276999"/>
+          </a:xfrm>
+          <a:prstGeom prst="rect">
+            <a:avLst/>
+          </a:prstGeom>
+          <a:noFill/>
+        </p:spPr>
+        <p:txBody>
+          <a:bodyPr wrap="square" rtlCol="0">
+            <a:spAutoFit/>
+          </a:bodyPr>
+          <a:lstStyle/>
+          <a:p>
+            <a:r>
+              <a:rPr lang="en-US" altLang="zh-TW" sz="1200" dirty="0">
+                <a:latin typeface="Times New Roman" panose="02020603050405020304" pitchFamily="18" charset="0"/>
+                <a:cs typeface="Times New Roman" panose="02020603050405020304" pitchFamily="18" charset="0"/>
+              </a:rPr>
+              <a:t>lv4</a:t>
+            </a:r>
+            <a:endParaRPr lang="zh-TW" altLang="en-US" sz="1200" dirty="0">
+              <a:latin typeface="Times New Roman" panose="02020603050405020304" pitchFamily="18" charset="0"/>
+              <a:cs typeface="Times New Roman" panose="02020603050405020304" pitchFamily="18" charset="0"/>
+            </a:endParaRPr>
+          </a:p>
+        </p:txBody>
+      </p:sp>
+      <p:sp>
+        <p:nvSpPr>
+          <p:cNvPr id="254" name="文字方塊 253">
+            <a:extLst>
+              <a:ext uri="{FF2B5EF4-FFF2-40B4-BE49-F238E27FC236}">
+                <a16:creationId xmlns:a16="http://schemas.microsoft.com/office/drawing/2014/main" id="{7C2DAB49-816F-48E1-8BB4-31704C664B3A}"/>
+              </a:ext>
+            </a:extLst>
+          </p:cNvPr>
+          <p:cNvSpPr txBox="1"/>
+          <p:nvPr/>
+        </p:nvSpPr>
+        <p:spPr>
+          <a:xfrm>
+            <a:off x="8112864" y="578684"/>
+            <a:ext cx="382312" cy="276999"/>
+          </a:xfrm>
+          <a:prstGeom prst="rect">
+            <a:avLst/>
+          </a:prstGeom>
+          <a:noFill/>
+        </p:spPr>
+        <p:txBody>
+          <a:bodyPr wrap="square" rtlCol="0">
+            <a:spAutoFit/>
+          </a:bodyPr>
+          <a:lstStyle/>
+          <a:p>
+            <a:r>
+              <a:rPr lang="en-US" altLang="zh-TW" sz="1200" dirty="0">
+                <a:latin typeface="Times New Roman" panose="02020603050405020304" pitchFamily="18" charset="0"/>
+                <a:cs typeface="Times New Roman" panose="02020603050405020304" pitchFamily="18" charset="0"/>
+              </a:rPr>
+              <a:t>lv5</a:t>
             </a:r>
             <a:endParaRPr lang="zh-TW" altLang="en-US" sz="1200" dirty="0">
               <a:latin typeface="Times New Roman" panose="02020603050405020304" pitchFamily="18" charset="0"/>

--- a/EC_FINAL_PROJECT/EC_FINAL_PROJECT/verilog/fitness_evaluation/image/evaluate_fit_DP.pptx
+++ b/EC_FINAL_PROJECT/EC_FINAL_PROJECT/verilog/fitness_evaluation/image/evaluate_fit_DP.pptx
@@ -254,7 +254,7 @@
           <a:p>
             <a:fld id="{20D1ACE9-C6DD-4E59-A308-5666C47F0088}" type="datetimeFigureOut">
               <a:rPr lang="zh-TW" altLang="en-US" smtClean="0"/>
-              <a:t>2022/12/9</a:t>
+              <a:t>2022/12/13</a:t>
             </a:fld>
             <a:endParaRPr lang="zh-TW" altLang="en-US"/>
           </a:p>
@@ -424,7 +424,7 @@
           <a:p>
             <a:fld id="{20D1ACE9-C6DD-4E59-A308-5666C47F0088}" type="datetimeFigureOut">
               <a:rPr lang="zh-TW" altLang="en-US" smtClean="0"/>
-              <a:t>2022/12/9</a:t>
+              <a:t>2022/12/13</a:t>
             </a:fld>
             <a:endParaRPr lang="zh-TW" altLang="en-US"/>
           </a:p>
@@ -604,7 +604,7 @@
           <a:p>
             <a:fld id="{20D1ACE9-C6DD-4E59-A308-5666C47F0088}" type="datetimeFigureOut">
               <a:rPr lang="zh-TW" altLang="en-US" smtClean="0"/>
-              <a:t>2022/12/9</a:t>
+              <a:t>2022/12/13</a:t>
             </a:fld>
             <a:endParaRPr lang="zh-TW" altLang="en-US"/>
           </a:p>
@@ -774,7 +774,7 @@
           <a:p>
             <a:fld id="{20D1ACE9-C6DD-4E59-A308-5666C47F0088}" type="datetimeFigureOut">
               <a:rPr lang="zh-TW" altLang="en-US" smtClean="0"/>
-              <a:t>2022/12/9</a:t>
+              <a:t>2022/12/13</a:t>
             </a:fld>
             <a:endParaRPr lang="zh-TW" altLang="en-US"/>
           </a:p>
@@ -1025,7 +1025,7 @@
           <a:p>
             <a:fld id="{20D1ACE9-C6DD-4E59-A308-5666C47F0088}" type="datetimeFigureOut">
               <a:rPr lang="zh-TW" altLang="en-US" smtClean="0"/>
-              <a:t>2022/12/9</a:t>
+              <a:t>2022/12/13</a:t>
             </a:fld>
             <a:endParaRPr lang="zh-TW" altLang="en-US"/>
           </a:p>
@@ -1257,7 +1257,7 @@
           <a:p>
             <a:fld id="{20D1ACE9-C6DD-4E59-A308-5666C47F0088}" type="datetimeFigureOut">
               <a:rPr lang="zh-TW" altLang="en-US" smtClean="0"/>
-              <a:t>2022/12/9</a:t>
+              <a:t>2022/12/13</a:t>
             </a:fld>
             <a:endParaRPr lang="zh-TW" altLang="en-US"/>
           </a:p>
@@ -1604,7 +1604,7 @@
           <a:p>
             <a:fld id="{20D1ACE9-C6DD-4E59-A308-5666C47F0088}" type="datetimeFigureOut">
               <a:rPr lang="zh-TW" altLang="en-US" smtClean="0"/>
-              <a:t>2022/12/9</a:t>
+              <a:t>2022/12/13</a:t>
             </a:fld>
             <a:endParaRPr lang="zh-TW" altLang="en-US"/>
           </a:p>
@@ -1722,7 +1722,7 @@
           <a:p>
             <a:fld id="{20D1ACE9-C6DD-4E59-A308-5666C47F0088}" type="datetimeFigureOut">
               <a:rPr lang="zh-TW" altLang="en-US" smtClean="0"/>
-              <a:t>2022/12/9</a:t>
+              <a:t>2022/12/13</a:t>
             </a:fld>
             <a:endParaRPr lang="zh-TW" altLang="en-US"/>
           </a:p>
@@ -1840,7 +1840,7 @@
           <a:p>
             <a:fld id="{20D1ACE9-C6DD-4E59-A308-5666C47F0088}" type="datetimeFigureOut">
               <a:rPr lang="zh-TW" altLang="en-US" smtClean="0"/>
-              <a:t>2022/12/9</a:t>
+              <a:t>2022/12/13</a:t>
             </a:fld>
             <a:endParaRPr lang="zh-TW" altLang="en-US"/>
           </a:p>
@@ -2124,7 +2124,7 @@
           <a:p>
             <a:fld id="{20D1ACE9-C6DD-4E59-A308-5666C47F0088}" type="datetimeFigureOut">
               <a:rPr lang="zh-TW" altLang="en-US" smtClean="0"/>
-              <a:t>2022/12/9</a:t>
+              <a:t>2022/12/13</a:t>
             </a:fld>
             <a:endParaRPr lang="zh-TW" altLang="en-US"/>
           </a:p>
@@ -2388,7 +2388,7 @@
           <a:p>
             <a:fld id="{20D1ACE9-C6DD-4E59-A308-5666C47F0088}" type="datetimeFigureOut">
               <a:rPr lang="zh-TW" altLang="en-US" smtClean="0"/>
-              <a:t>2022/12/9</a:t>
+              <a:t>2022/12/13</a:t>
             </a:fld>
             <a:endParaRPr lang="zh-TW" altLang="en-US"/>
           </a:p>
@@ -2602,7 +2602,7 @@
           <a:p>
             <a:fld id="{20D1ACE9-C6DD-4E59-A308-5666C47F0088}" type="datetimeFigureOut">
               <a:rPr lang="zh-TW" altLang="en-US" smtClean="0"/>
-              <a:t>2022/12/9</a:t>
+              <a:t>2022/12/13</a:t>
             </a:fld>
             <a:endParaRPr lang="zh-TW" altLang="en-US"/>
           </a:p>
@@ -3039,15 +3039,15 @@
           </p:spPr>
           <p:style>
             <a:lnRef idx="2">
-              <a:schemeClr val="accent5">
+              <a:schemeClr val="accent2">
                 <a:shade val="50000"/>
               </a:schemeClr>
             </a:lnRef>
             <a:fillRef idx="1">
-              <a:schemeClr val="accent5"/>
+              <a:schemeClr val="accent2"/>
             </a:fillRef>
             <a:effectRef idx="0">
-              <a:schemeClr val="accent5"/>
+              <a:schemeClr val="accent2"/>
             </a:effectRef>
             <a:fontRef idx="minor">
               <a:schemeClr val="lt1"/>
@@ -3102,17 +3102,19 @@
             </a:prstGeom>
           </p:spPr>
           <p:style>
-            <a:lnRef idx="3">
-              <a:schemeClr val="dk1"/>
+            <a:lnRef idx="2">
+              <a:schemeClr val="accent2">
+                <a:shade val="50000"/>
+              </a:schemeClr>
             </a:lnRef>
-            <a:fillRef idx="0">
-              <a:schemeClr val="dk1"/>
+            <a:fillRef idx="1">
+              <a:schemeClr val="accent2"/>
             </a:fillRef>
-            <a:effectRef idx="2">
-              <a:schemeClr val="dk1"/>
+            <a:effectRef idx="0">
+              <a:schemeClr val="accent2"/>
             </a:effectRef>
             <a:fontRef idx="minor">
-              <a:schemeClr val="tx1"/>
+              <a:schemeClr val="lt1"/>
             </a:fontRef>
           </p:style>
         </p:cxnSp>
@@ -3140,17 +3142,19 @@
             </a:prstGeom>
           </p:spPr>
           <p:style>
-            <a:lnRef idx="3">
-              <a:schemeClr val="dk1"/>
+            <a:lnRef idx="2">
+              <a:schemeClr val="accent2">
+                <a:shade val="50000"/>
+              </a:schemeClr>
             </a:lnRef>
-            <a:fillRef idx="0">
-              <a:schemeClr val="dk1"/>
+            <a:fillRef idx="1">
+              <a:schemeClr val="accent2"/>
             </a:fillRef>
-            <a:effectRef idx="2">
-              <a:schemeClr val="dk1"/>
+            <a:effectRef idx="0">
+              <a:schemeClr val="accent2"/>
             </a:effectRef>
             <a:fontRef idx="minor">
-              <a:schemeClr val="tx1"/>
+              <a:schemeClr val="lt1"/>
             </a:fontRef>
           </p:style>
         </p:cxnSp>
@@ -3729,44 +3733,6 @@
           </a:p>
         </p:txBody>
       </p:sp>
-      <p:cxnSp>
-        <p:nvCxnSpPr>
-          <p:cNvPr id="33" name="直線接點 32">
-            <a:extLst>
-              <a:ext uri="{FF2B5EF4-FFF2-40B4-BE49-F238E27FC236}">
-                <a16:creationId xmlns:a16="http://schemas.microsoft.com/office/drawing/2014/main" id="{178C65DB-6E78-4B65-BF64-BE51F4E255F2}"/>
-              </a:ext>
-            </a:extLst>
-          </p:cNvPr>
-          <p:cNvCxnSpPr>
-            <a:cxnSpLocks/>
-          </p:cNvCxnSpPr>
-          <p:nvPr/>
-        </p:nvCxnSpPr>
-        <p:spPr>
-          <a:xfrm>
-            <a:off x="1375260" y="2923109"/>
-            <a:ext cx="172795" cy="566666"/>
-          </a:xfrm>
-          <a:prstGeom prst="line">
-            <a:avLst/>
-          </a:prstGeom>
-        </p:spPr>
-        <p:style>
-          <a:lnRef idx="3">
-            <a:schemeClr val="dk1"/>
-          </a:lnRef>
-          <a:fillRef idx="0">
-            <a:schemeClr val="dk1"/>
-          </a:fillRef>
-          <a:effectRef idx="2">
-            <a:schemeClr val="dk1"/>
-          </a:effectRef>
-          <a:fontRef idx="minor">
-            <a:schemeClr val="tx1"/>
-          </a:fontRef>
-        </p:style>
-      </p:cxnSp>
       <p:sp>
         <p:nvSpPr>
           <p:cNvPr id="38" name="文字方塊 37">
@@ -3781,7 +3747,7 @@
         </p:nvSpPr>
         <p:spPr>
           <a:xfrm>
-            <a:off x="1779006" y="3094988"/>
+            <a:off x="1752454" y="2893336"/>
             <a:ext cx="1425079" cy="276999"/>
           </a:xfrm>
           <a:prstGeom prst="rect">
@@ -3800,7 +3766,7 @@
                 <a:latin typeface="Times New Roman" panose="02020603050405020304" pitchFamily="18" charset="0"/>
                 <a:cs typeface="Times New Roman" panose="02020603050405020304" pitchFamily="18" charset="0"/>
               </a:rPr>
-              <a:t>ind_energy_access</a:t>
+              <a:t>Ind_vec_DF</a:t>
             </a:r>
             <a:endParaRPr lang="zh-TW" altLang="en-US" sz="1200" dirty="0">
               <a:latin typeface="Times New Roman" panose="02020603050405020304" pitchFamily="18" charset="0"/>
@@ -3809,48 +3775,107 @@
           </a:p>
         </p:txBody>
       </p:sp>
-      <p:sp>
-        <p:nvSpPr>
-          <p:cNvPr id="39" name="文字方塊 38">
-            <a:extLst>
-              <a:ext uri="{FF2B5EF4-FFF2-40B4-BE49-F238E27FC236}">
-                <a16:creationId xmlns:a16="http://schemas.microsoft.com/office/drawing/2014/main" id="{5237C950-49F5-4468-A7F2-AA744DC0F7D4}"/>
-              </a:ext>
-            </a:extLst>
-          </p:cNvPr>
-          <p:cNvSpPr txBox="1"/>
-          <p:nvPr/>
-        </p:nvSpPr>
-        <p:spPr>
+      <p:grpSp>
+        <p:nvGrpSpPr>
+          <p:cNvPr id="46" name="群組 45">
+            <a:extLst>
+              <a:ext uri="{FF2B5EF4-FFF2-40B4-BE49-F238E27FC236}">
+                <a16:creationId xmlns:a16="http://schemas.microsoft.com/office/drawing/2014/main" id="{26A5F84F-041C-465D-9CBB-9909BCF6CA06}"/>
+              </a:ext>
+            </a:extLst>
+          </p:cNvPr>
+          <p:cNvGrpSpPr/>
+          <p:nvPr/>
+        </p:nvGrpSpPr>
+        <p:grpSpPr>
           <a:xfrm>
             <a:off x="1187830" y="2706527"/>
-            <a:ext cx="533400" cy="276999"/>
-          </a:xfrm>
-          <a:prstGeom prst="rect">
-            <a:avLst/>
-          </a:prstGeom>
-          <a:noFill/>
-        </p:spPr>
-        <p:txBody>
-          <a:bodyPr wrap="square" rtlCol="0">
-            <a:spAutoFit/>
-          </a:bodyPr>
-          <a:lstStyle/>
-          <a:p>
-            <a:r>
-              <a:rPr lang="en-US" altLang="zh-TW" sz="1200" dirty="0">
+            <a:ext cx="533400" cy="783248"/>
+            <a:chOff x="1187830" y="2706527"/>
+            <a:chExt cx="533400" cy="783248"/>
+          </a:xfrm>
+        </p:grpSpPr>
+        <p:cxnSp>
+          <p:nvCxnSpPr>
+            <p:cNvPr id="33" name="直線接點 32">
+              <a:extLst>
+                <a:ext uri="{FF2B5EF4-FFF2-40B4-BE49-F238E27FC236}">
+                  <a16:creationId xmlns:a16="http://schemas.microsoft.com/office/drawing/2014/main" id="{178C65DB-6E78-4B65-BF64-BE51F4E255F2}"/>
+                </a:ext>
+              </a:extLst>
+            </p:cNvPr>
+            <p:cNvCxnSpPr>
+              <a:cxnSpLocks/>
+            </p:cNvCxnSpPr>
+            <p:nvPr/>
+          </p:nvCxnSpPr>
+          <p:spPr>
+            <a:xfrm>
+              <a:off x="1375260" y="2923109"/>
+              <a:ext cx="172795" cy="566666"/>
+            </a:xfrm>
+            <a:prstGeom prst="line">
+              <a:avLst/>
+            </a:prstGeom>
+          </p:spPr>
+          <p:style>
+            <a:lnRef idx="3">
+              <a:schemeClr val="dk1"/>
+            </a:lnRef>
+            <a:fillRef idx="0">
+              <a:schemeClr val="dk1"/>
+            </a:fillRef>
+            <a:effectRef idx="2">
+              <a:schemeClr val="dk1"/>
+            </a:effectRef>
+            <a:fontRef idx="minor">
+              <a:schemeClr val="tx1"/>
+            </a:fontRef>
+          </p:style>
+        </p:cxnSp>
+        <p:sp>
+          <p:nvSpPr>
+            <p:cNvPr id="39" name="文字方塊 38">
+              <a:extLst>
+                <a:ext uri="{FF2B5EF4-FFF2-40B4-BE49-F238E27FC236}">
+                  <a16:creationId xmlns:a16="http://schemas.microsoft.com/office/drawing/2014/main" id="{5237C950-49F5-4468-A7F2-AA744DC0F7D4}"/>
+                </a:ext>
+              </a:extLst>
+            </p:cNvPr>
+            <p:cNvSpPr txBox="1"/>
+            <p:nvPr/>
+          </p:nvSpPr>
+          <p:spPr>
+            <a:xfrm>
+              <a:off x="1187830" y="2706527"/>
+              <a:ext cx="533400" cy="276999"/>
+            </a:xfrm>
+            <a:prstGeom prst="rect">
+              <a:avLst/>
+            </a:prstGeom>
+            <a:noFill/>
+          </p:spPr>
+          <p:txBody>
+            <a:bodyPr wrap="square" rtlCol="0">
+              <a:spAutoFit/>
+            </a:bodyPr>
+            <a:lstStyle/>
+            <a:p>
+              <a:r>
+                <a:rPr lang="en-US" altLang="zh-TW" sz="1200" dirty="0">
+                  <a:latin typeface="Times New Roman" panose="02020603050405020304" pitchFamily="18" charset="0"/>
+                  <a:cs typeface="Times New Roman" panose="02020603050405020304" pitchFamily="18" charset="0"/>
+                </a:rPr>
+                <a:t>11x2</a:t>
+              </a:r>
+              <a:endParaRPr lang="zh-TW" altLang="en-US" sz="1200" dirty="0">
                 <a:latin typeface="Times New Roman" panose="02020603050405020304" pitchFamily="18" charset="0"/>
                 <a:cs typeface="Times New Roman" panose="02020603050405020304" pitchFamily="18" charset="0"/>
-              </a:rPr>
-              <a:t>11x2</a:t>
-            </a:r>
-            <a:endParaRPr lang="zh-TW" altLang="en-US" sz="1200" dirty="0">
-              <a:latin typeface="Times New Roman" panose="02020603050405020304" pitchFamily="18" charset="0"/>
-              <a:cs typeface="Times New Roman" panose="02020603050405020304" pitchFamily="18" charset="0"/>
-            </a:endParaRPr>
-          </a:p>
-        </p:txBody>
-      </p:sp>
+              </a:endParaRPr>
+            </a:p>
+          </p:txBody>
+        </p:sp>
+      </p:grpSp>
       <p:sp>
         <p:nvSpPr>
           <p:cNvPr id="40" name="箭號: 向右 39">
@@ -4581,10 +4606,10 @@
       </p:sp>
       <p:grpSp>
         <p:nvGrpSpPr>
-          <p:cNvPr id="99" name="群組 98">
-            <a:extLst>
-              <a:ext uri="{FF2B5EF4-FFF2-40B4-BE49-F238E27FC236}">
-                <a16:creationId xmlns:a16="http://schemas.microsoft.com/office/drawing/2014/main" id="{9756FCE2-E0FC-4603-87E5-064F41A57878}"/>
+          <p:cNvPr id="77" name="群組 76">
+            <a:extLst>
+              <a:ext uri="{FF2B5EF4-FFF2-40B4-BE49-F238E27FC236}">
+                <a16:creationId xmlns:a16="http://schemas.microsoft.com/office/drawing/2014/main" id="{DC581624-0741-4EE3-A641-DD93E6FF3667}"/>
               </a:ext>
             </a:extLst>
           </p:cNvPr>
@@ -4593,195 +4618,98 @@
         </p:nvGrpSpPr>
         <p:grpSpPr>
           <a:xfrm>
-            <a:off x="-91118" y="6034031"/>
-            <a:ext cx="1425079" cy="742373"/>
-            <a:chOff x="-91121" y="6027639"/>
-            <a:chExt cx="1425079" cy="742373"/>
+            <a:off x="645814" y="6034031"/>
+            <a:ext cx="601495" cy="742373"/>
+            <a:chOff x="2383389" y="3557589"/>
+            <a:chExt cx="258670" cy="443047"/>
           </a:xfrm>
         </p:grpSpPr>
-        <p:grpSp>
-          <p:nvGrpSpPr>
-            <p:cNvPr id="77" name="群組 76">
+        <p:sp>
+          <p:nvSpPr>
+            <p:cNvPr id="78" name="矩形 77">
               <a:extLst>
                 <a:ext uri="{FF2B5EF4-FFF2-40B4-BE49-F238E27FC236}">
-                  <a16:creationId xmlns:a16="http://schemas.microsoft.com/office/drawing/2014/main" id="{DC581624-0741-4EE3-A641-DD93E6FF3667}"/>
+                  <a16:creationId xmlns:a16="http://schemas.microsoft.com/office/drawing/2014/main" id="{A401FB62-E5C6-4015-B0CF-2AD9ECF1C166}"/>
                 </a:ext>
               </a:extLst>
             </p:cNvPr>
-            <p:cNvGrpSpPr/>
+            <p:cNvSpPr/>
             <p:nvPr/>
-          </p:nvGrpSpPr>
-          <p:grpSpPr>
+          </p:nvSpPr>
+          <p:spPr>
             <a:xfrm>
-              <a:off x="645811" y="6027639"/>
-              <a:ext cx="601495" cy="742373"/>
-              <a:chOff x="2383389" y="3557589"/>
-              <a:chExt cx="258670" cy="443047"/>
+              <a:off x="2383389" y="3557589"/>
+              <a:ext cx="258670" cy="443047"/>
             </a:xfrm>
-          </p:grpSpPr>
-          <p:sp>
-            <p:nvSpPr>
-              <p:cNvPr id="78" name="矩形 77">
-                <a:extLst>
-                  <a:ext uri="{FF2B5EF4-FFF2-40B4-BE49-F238E27FC236}">
-                    <a16:creationId xmlns:a16="http://schemas.microsoft.com/office/drawing/2014/main" id="{A401FB62-E5C6-4015-B0CF-2AD9ECF1C166}"/>
-                  </a:ext>
-                </a:extLst>
-              </p:cNvPr>
-              <p:cNvSpPr/>
-              <p:nvPr/>
-            </p:nvSpPr>
-            <p:spPr>
-              <a:xfrm>
-                <a:off x="2383389" y="3557589"/>
-                <a:ext cx="258670" cy="443047"/>
-              </a:xfrm>
-              <a:prstGeom prst="rect">
-                <a:avLst/>
-              </a:prstGeom>
-            </p:spPr>
-            <p:style>
-              <a:lnRef idx="2">
-                <a:schemeClr val="accent5">
-                  <a:shade val="50000"/>
-                </a:schemeClr>
-              </a:lnRef>
-              <a:fillRef idx="1">
-                <a:schemeClr val="accent5"/>
-              </a:fillRef>
-              <a:effectRef idx="0">
-                <a:schemeClr val="accent5"/>
-              </a:effectRef>
-              <a:fontRef idx="minor">
-                <a:schemeClr val="lt1"/>
-              </a:fontRef>
-            </p:style>
-            <p:txBody>
-              <a:bodyPr rtlCol="0" anchor="ctr"/>
-              <a:lstStyle/>
-              <a:p>
-                <a:endParaRPr lang="en-US" altLang="zh-TW" sz="800" dirty="0"/>
-              </a:p>
-              <a:p>
-                <a:endParaRPr lang="en-US" altLang="zh-TW" sz="800" dirty="0"/>
-              </a:p>
-              <a:p>
-                <a:endParaRPr lang="en-US" altLang="zh-TW" sz="800" dirty="0"/>
-              </a:p>
-              <a:p>
-                <a:endParaRPr lang="en-US" altLang="zh-TW" sz="800" dirty="0"/>
-              </a:p>
-              <a:p>
-                <a:r>
-                  <a:rPr lang="en-US" altLang="zh-TW" sz="800" dirty="0"/>
-                  <a:t>In</a:t>
-                </a:r>
-              </a:p>
-              <a:p>
-                <a:r>
-                  <a:rPr lang="en-US" altLang="zh-TW" sz="800" dirty="0"/>
-                  <a:t>Valid</a:t>
-                </a:r>
-              </a:p>
-              <a:p>
-                <a:r>
-                  <a:rPr lang="en-US" altLang="zh-TW" sz="800" dirty="0" err="1"/>
-                  <a:t>buf</a:t>
-                </a:r>
-                <a:endParaRPr lang="en-US" altLang="zh-TW" sz="800" dirty="0"/>
-              </a:p>
-              <a:p>
-                <a:endParaRPr lang="zh-TW" altLang="en-US" sz="800" dirty="0"/>
-              </a:p>
-              <a:p>
-                <a:pPr algn="ctr"/>
-                <a:endParaRPr lang="zh-TW" altLang="en-US" dirty="0"/>
-              </a:p>
-            </p:txBody>
-          </p:sp>
-          <p:cxnSp>
-            <p:nvCxnSpPr>
-              <p:cNvPr id="79" name="直線接點 78">
-                <a:extLst>
-                  <a:ext uri="{FF2B5EF4-FFF2-40B4-BE49-F238E27FC236}">
-                    <a16:creationId xmlns:a16="http://schemas.microsoft.com/office/drawing/2014/main" id="{94F838E4-4482-446A-AC40-18D7EAD4133B}"/>
-                  </a:ext>
-                </a:extLst>
-              </p:cNvPr>
-              <p:cNvCxnSpPr>
-                <a:cxnSpLocks/>
-              </p:cNvCxnSpPr>
-              <p:nvPr/>
-            </p:nvCxnSpPr>
-            <p:spPr>
-              <a:xfrm>
-                <a:off x="2383389" y="3557589"/>
-                <a:ext cx="129335" cy="132980"/>
-              </a:xfrm>
-              <a:prstGeom prst="line">
-                <a:avLst/>
-              </a:prstGeom>
-            </p:spPr>
-            <p:style>
-              <a:lnRef idx="3">
-                <a:schemeClr val="dk1"/>
-              </a:lnRef>
-              <a:fillRef idx="0">
-                <a:schemeClr val="dk1"/>
-              </a:fillRef>
-              <a:effectRef idx="2">
-                <a:schemeClr val="dk1"/>
-              </a:effectRef>
-              <a:fontRef idx="minor">
-                <a:schemeClr val="tx1"/>
-              </a:fontRef>
-            </p:style>
-          </p:cxnSp>
-          <p:cxnSp>
-            <p:nvCxnSpPr>
-              <p:cNvPr id="80" name="直線接點 79">
-                <a:extLst>
-                  <a:ext uri="{FF2B5EF4-FFF2-40B4-BE49-F238E27FC236}">
-                    <a16:creationId xmlns:a16="http://schemas.microsoft.com/office/drawing/2014/main" id="{0D0DB800-B708-4CBA-B968-BDFB42E0FEC8}"/>
-                  </a:ext>
-                </a:extLst>
-              </p:cNvPr>
-              <p:cNvCxnSpPr>
-                <a:cxnSpLocks/>
-              </p:cNvCxnSpPr>
-              <p:nvPr/>
-            </p:nvCxnSpPr>
-            <p:spPr>
-              <a:xfrm flipV="1">
-                <a:off x="2512724" y="3557589"/>
-                <a:ext cx="129334" cy="132980"/>
-              </a:xfrm>
-              <a:prstGeom prst="line">
-                <a:avLst/>
-              </a:prstGeom>
-            </p:spPr>
-            <p:style>
-              <a:lnRef idx="3">
-                <a:schemeClr val="dk1"/>
-              </a:lnRef>
-              <a:fillRef idx="0">
-                <a:schemeClr val="dk1"/>
-              </a:fillRef>
-              <a:effectRef idx="2">
-                <a:schemeClr val="dk1"/>
-              </a:effectRef>
-              <a:fontRef idx="minor">
-                <a:schemeClr val="tx1"/>
-              </a:fontRef>
-            </p:style>
-          </p:cxnSp>
-        </p:grpSp>
+            <a:prstGeom prst="rect">
+              <a:avLst/>
+            </a:prstGeom>
+          </p:spPr>
+          <p:style>
+            <a:lnRef idx="2">
+              <a:schemeClr val="accent2">
+                <a:shade val="50000"/>
+              </a:schemeClr>
+            </a:lnRef>
+            <a:fillRef idx="1">
+              <a:schemeClr val="accent2"/>
+            </a:fillRef>
+            <a:effectRef idx="0">
+              <a:schemeClr val="accent2"/>
+            </a:effectRef>
+            <a:fontRef idx="minor">
+              <a:schemeClr val="lt1"/>
+            </a:fontRef>
+          </p:style>
+          <p:txBody>
+            <a:bodyPr rtlCol="0" anchor="ctr"/>
+            <a:lstStyle/>
+            <a:p>
+              <a:endParaRPr lang="en-US" altLang="zh-TW" sz="800" dirty="0"/>
+            </a:p>
+            <a:p>
+              <a:endParaRPr lang="en-US" altLang="zh-TW" sz="800" dirty="0"/>
+            </a:p>
+            <a:p>
+              <a:endParaRPr lang="en-US" altLang="zh-TW" sz="800" dirty="0"/>
+            </a:p>
+            <a:p>
+              <a:endParaRPr lang="en-US" altLang="zh-TW" sz="800" dirty="0"/>
+            </a:p>
+            <a:p>
+              <a:r>
+                <a:rPr lang="en-US" altLang="zh-TW" sz="800" dirty="0"/>
+                <a:t>In</a:t>
+              </a:r>
+            </a:p>
+            <a:p>
+              <a:r>
+                <a:rPr lang="en-US" altLang="zh-TW" sz="800" dirty="0"/>
+                <a:t>Valid</a:t>
+              </a:r>
+            </a:p>
+            <a:p>
+              <a:r>
+                <a:rPr lang="en-US" altLang="zh-TW" sz="800" dirty="0" err="1"/>
+                <a:t>buf</a:t>
+              </a:r>
+              <a:endParaRPr lang="en-US" altLang="zh-TW" sz="800" dirty="0"/>
+            </a:p>
+            <a:p>
+              <a:endParaRPr lang="zh-TW" altLang="en-US" sz="800" dirty="0"/>
+            </a:p>
+            <a:p>
+              <a:pPr algn="ctr"/>
+              <a:endParaRPr lang="zh-TW" altLang="en-US" dirty="0"/>
+            </a:p>
+          </p:txBody>
+        </p:sp>
         <p:cxnSp>
           <p:nvCxnSpPr>
-            <p:cNvPr id="82" name="直線單箭頭接點 81">
+            <p:cNvPr id="79" name="直線接點 78">
               <a:extLst>
                 <a:ext uri="{FF2B5EF4-FFF2-40B4-BE49-F238E27FC236}">
-                  <a16:creationId xmlns:a16="http://schemas.microsoft.com/office/drawing/2014/main" id="{DDAF59CC-0D60-45EC-81D2-136013E2339C}"/>
+                  <a16:creationId xmlns:a16="http://schemas.microsoft.com/office/drawing/2014/main" id="{94F838E4-4482-446A-AC40-18D7EAD4133B}"/>
                 </a:ext>
               </a:extLst>
             </p:cNvPr>
@@ -4792,74 +4720,154 @@
           </p:nvCxnSpPr>
           <p:spPr>
             <a:xfrm>
-              <a:off x="13639" y="6398825"/>
-              <a:ext cx="632172" cy="0"/>
+              <a:off x="2383389" y="3557589"/>
+              <a:ext cx="129335" cy="132980"/>
             </a:xfrm>
-            <a:prstGeom prst="straightConnector1">
+            <a:prstGeom prst="line">
               <a:avLst/>
             </a:prstGeom>
-            <a:ln>
-              <a:tailEnd type="triangle"/>
-            </a:ln>
           </p:spPr>
           <p:style>
-            <a:lnRef idx="3">
-              <a:schemeClr val="accent2"/>
+            <a:lnRef idx="2">
+              <a:schemeClr val="accent2">
+                <a:shade val="50000"/>
+              </a:schemeClr>
             </a:lnRef>
-            <a:fillRef idx="0">
+            <a:fillRef idx="1">
               <a:schemeClr val="accent2"/>
             </a:fillRef>
-            <a:effectRef idx="2">
+            <a:effectRef idx="0">
               <a:schemeClr val="accent2"/>
             </a:effectRef>
             <a:fontRef idx="minor">
-              <a:schemeClr val="tx1"/>
+              <a:schemeClr val="lt1"/>
             </a:fontRef>
           </p:style>
         </p:cxnSp>
-        <p:sp>
-          <p:nvSpPr>
-            <p:cNvPr id="87" name="文字方塊 86">
+        <p:cxnSp>
+          <p:nvCxnSpPr>
+            <p:cNvPr id="80" name="直線接點 79">
               <a:extLst>
                 <a:ext uri="{FF2B5EF4-FFF2-40B4-BE49-F238E27FC236}">
-                  <a16:creationId xmlns:a16="http://schemas.microsoft.com/office/drawing/2014/main" id="{A2302F63-0D81-43E0-9756-CF292738B554}"/>
+                  <a16:creationId xmlns:a16="http://schemas.microsoft.com/office/drawing/2014/main" id="{0D0DB800-B708-4CBA-B968-BDFB42E0FEC8}"/>
                 </a:ext>
               </a:extLst>
             </p:cNvPr>
-            <p:cNvSpPr txBox="1"/>
+            <p:cNvCxnSpPr>
+              <a:cxnSpLocks/>
+            </p:cNvCxnSpPr>
             <p:nvPr/>
-          </p:nvSpPr>
+          </p:nvCxnSpPr>
           <p:spPr>
-            <a:xfrm>
-              <a:off x="-91121" y="6121826"/>
-              <a:ext cx="1425079" cy="276999"/>
+            <a:xfrm flipV="1">
+              <a:off x="2512724" y="3557589"/>
+              <a:ext cx="129334" cy="132980"/>
             </a:xfrm>
-            <a:prstGeom prst="rect">
+            <a:prstGeom prst="line">
               <a:avLst/>
             </a:prstGeom>
-            <a:noFill/>
           </p:spPr>
-          <p:txBody>
-            <a:bodyPr wrap="square" rtlCol="0">
-              <a:spAutoFit/>
-            </a:bodyPr>
-            <a:lstStyle/>
-            <a:p>
-              <a:r>
-                <a:rPr lang="en-US" altLang="zh-TW" sz="1200" dirty="0" err="1">
-                  <a:latin typeface="Times New Roman" panose="02020603050405020304" pitchFamily="18" charset="0"/>
-                  <a:cs typeface="Times New Roman" panose="02020603050405020304" pitchFamily="18" charset="0"/>
-                </a:rPr>
-                <a:t>In_valid_i</a:t>
-              </a:r>
-              <a:endParaRPr lang="zh-TW" altLang="en-US" sz="1200" dirty="0">
+          <p:style>
+            <a:lnRef idx="2">
+              <a:schemeClr val="accent2">
+                <a:shade val="50000"/>
+              </a:schemeClr>
+            </a:lnRef>
+            <a:fillRef idx="1">
+              <a:schemeClr val="accent2"/>
+            </a:fillRef>
+            <a:effectRef idx="0">
+              <a:schemeClr val="accent2"/>
+            </a:effectRef>
+            <a:fontRef idx="minor">
+              <a:schemeClr val="lt1"/>
+            </a:fontRef>
+          </p:style>
+        </p:cxnSp>
+      </p:grpSp>
+      <p:cxnSp>
+        <p:nvCxnSpPr>
+          <p:cNvPr id="82" name="直線單箭頭接點 81">
+            <a:extLst>
+              <a:ext uri="{FF2B5EF4-FFF2-40B4-BE49-F238E27FC236}">
+                <a16:creationId xmlns:a16="http://schemas.microsoft.com/office/drawing/2014/main" id="{DDAF59CC-0D60-45EC-81D2-136013E2339C}"/>
+              </a:ext>
+            </a:extLst>
+          </p:cNvPr>
+          <p:cNvCxnSpPr>
+            <a:cxnSpLocks/>
+          </p:cNvCxnSpPr>
+          <p:nvPr/>
+        </p:nvCxnSpPr>
+        <p:spPr>
+          <a:xfrm>
+            <a:off x="13642" y="6405217"/>
+            <a:ext cx="632172" cy="0"/>
+          </a:xfrm>
+          <a:prstGeom prst="straightConnector1">
+            <a:avLst/>
+          </a:prstGeom>
+          <a:ln>
+            <a:tailEnd type="triangle"/>
+          </a:ln>
+        </p:spPr>
+        <p:style>
+          <a:lnRef idx="3">
+            <a:schemeClr val="accent2"/>
+          </a:lnRef>
+          <a:fillRef idx="0">
+            <a:schemeClr val="accent2"/>
+          </a:fillRef>
+          <a:effectRef idx="2">
+            <a:schemeClr val="accent2"/>
+          </a:effectRef>
+          <a:fontRef idx="minor">
+            <a:schemeClr val="tx1"/>
+          </a:fontRef>
+        </p:style>
+      </p:cxnSp>
+      <p:sp>
+        <p:nvSpPr>
+          <p:cNvPr id="87" name="文字方塊 86">
+            <a:extLst>
+              <a:ext uri="{FF2B5EF4-FFF2-40B4-BE49-F238E27FC236}">
+                <a16:creationId xmlns:a16="http://schemas.microsoft.com/office/drawing/2014/main" id="{A2302F63-0D81-43E0-9756-CF292738B554}"/>
+              </a:ext>
+            </a:extLst>
+          </p:cNvPr>
+          <p:cNvSpPr txBox="1"/>
+          <p:nvPr/>
+        </p:nvSpPr>
+        <p:spPr>
+          <a:xfrm>
+            <a:off x="-91118" y="6128218"/>
+            <a:ext cx="1425079" cy="276999"/>
+          </a:xfrm>
+          <a:prstGeom prst="rect">
+            <a:avLst/>
+          </a:prstGeom>
+          <a:noFill/>
+        </p:spPr>
+        <p:txBody>
+          <a:bodyPr wrap="square" rtlCol="0">
+            <a:spAutoFit/>
+          </a:bodyPr>
+          <a:lstStyle/>
+          <a:p>
+            <a:r>
+              <a:rPr lang="en-US" altLang="zh-TW" sz="1200" dirty="0" err="1">
                 <a:latin typeface="Times New Roman" panose="02020603050405020304" pitchFamily="18" charset="0"/>
                 <a:cs typeface="Times New Roman" panose="02020603050405020304" pitchFamily="18" charset="0"/>
-              </a:endParaRPr>
-            </a:p>
-          </p:txBody>
-        </p:sp>
-      </p:grpSp>
+              </a:rPr>
+              <a:t>In_valid_i</a:t>
+            </a:r>
+            <a:endParaRPr lang="zh-TW" altLang="en-US" sz="1200" dirty="0">
+              <a:latin typeface="Times New Roman" panose="02020603050405020304" pitchFamily="18" charset="0"/>
+              <a:cs typeface="Times New Roman" panose="02020603050405020304" pitchFamily="18" charset="0"/>
+            </a:endParaRPr>
+          </a:p>
+        </p:txBody>
+      </p:sp>
       <p:cxnSp>
         <p:nvCxnSpPr>
           <p:cNvPr id="88" name="直線接點 87">
@@ -5117,7 +5125,7 @@
                 <a:latin typeface="Times New Roman" panose="02020603050405020304" pitchFamily="18" charset="0"/>
                 <a:cs typeface="Times New Roman" panose="02020603050405020304" pitchFamily="18" charset="0"/>
               </a:rPr>
-              <a:t>3x4</a:t>
+              <a:t>4</a:t>
             </a:r>
             <a:endParaRPr lang="zh-TW" altLang="en-US" sz="1200" dirty="0">
               <a:latin typeface="Times New Roman" panose="02020603050405020304" pitchFamily="18" charset="0"/>
@@ -5140,7 +5148,7 @@
         </p:nvSpPr>
         <p:spPr>
           <a:xfrm>
-            <a:off x="-37956" y="5351271"/>
+            <a:off x="108843" y="5439105"/>
             <a:ext cx="725366" cy="276999"/>
           </a:xfrm>
           <a:prstGeom prst="rect">
@@ -5159,7 +5167,7 @@
                 <a:latin typeface="Times New Roman" panose="02020603050405020304" pitchFamily="18" charset="0"/>
                 <a:cs typeface="Times New Roman" panose="02020603050405020304" pitchFamily="18" charset="0"/>
               </a:rPr>
-              <a:t>3*3*4</a:t>
+              <a:t>4</a:t>
             </a:r>
             <a:endParaRPr lang="zh-TW" altLang="en-US" sz="1200" dirty="0">
               <a:latin typeface="Times New Roman" panose="02020603050405020304" pitchFamily="18" charset="0"/>
@@ -5285,7 +5293,7 @@
                 <a:latin typeface="Times New Roman" panose="02020603050405020304" pitchFamily="18" charset="0"/>
                 <a:cs typeface="Times New Roman" panose="02020603050405020304" pitchFamily="18" charset="0"/>
               </a:rPr>
-              <a:t>Self_energy_vec_i</a:t>
+              <a:t>Self_energy_i</a:t>
             </a:r>
             <a:endParaRPr lang="zh-TW" altLang="en-US" sz="1200" dirty="0">
               <a:latin typeface="Times New Roman" panose="02020603050405020304" pitchFamily="18" charset="0"/>
@@ -5327,7 +5335,7 @@
                 <a:latin typeface="Times New Roman" panose="02020603050405020304" pitchFamily="18" charset="0"/>
                 <a:cs typeface="Times New Roman" panose="02020603050405020304" pitchFamily="18" charset="0"/>
               </a:rPr>
-              <a:t>Interaction_matrix_i</a:t>
+              <a:t>Interact_energy_i</a:t>
             </a:r>
             <a:endParaRPr lang="zh-TW" altLang="en-US" sz="1200" dirty="0">
               <a:latin typeface="Times New Roman" panose="02020603050405020304" pitchFamily="18" charset="0"/>
@@ -8959,7 +8967,7 @@
         </p:nvSpPr>
         <p:spPr>
           <a:xfrm>
-            <a:off x="7317093" y="1804828"/>
+            <a:off x="7331798" y="1119860"/>
             <a:ext cx="413173" cy="314772"/>
           </a:xfrm>
           <a:prstGeom prst="flowChartConnector">
@@ -9009,7 +9017,7 @@
         </p:nvSpPr>
         <p:spPr>
           <a:xfrm>
-            <a:off x="8055443" y="2219660"/>
+            <a:off x="8070148" y="1534692"/>
             <a:ext cx="413173" cy="314772"/>
           </a:xfrm>
           <a:prstGeom prst="flowChartConnector">
@@ -9061,9 +9069,9 @@
           <p:nvPr/>
         </p:nvCxnSpPr>
         <p:spPr>
-          <a:xfrm flipV="1">
-            <a:off x="7025101" y="2073503"/>
-            <a:ext cx="352500" cy="432448"/>
+          <a:xfrm>
+            <a:off x="7035146" y="1388535"/>
+            <a:ext cx="357160" cy="0"/>
           </a:xfrm>
           <a:prstGeom prst="straightConnector1">
             <a:avLst/>
@@ -9104,8 +9112,8 @@
         </p:nvCxnSpPr>
         <p:spPr>
           <a:xfrm>
-            <a:off x="7018601" y="1425774"/>
-            <a:ext cx="359000" cy="425151"/>
+            <a:off x="7048977" y="1165957"/>
+            <a:ext cx="343329" cy="0"/>
           </a:xfrm>
           <a:prstGeom prst="straightConnector1">
             <a:avLst/>
@@ -9140,15 +9148,14 @@
           </p:cNvPr>
           <p:cNvCxnSpPr>
             <a:cxnSpLocks/>
-            <a:stCxn id="239" idx="0"/>
             <a:endCxn id="268" idx="3"/>
           </p:cNvCxnSpPr>
           <p:nvPr/>
         </p:nvCxnSpPr>
         <p:spPr>
           <a:xfrm flipV="1">
-            <a:off x="7567682" y="2488335"/>
-            <a:ext cx="548269" cy="492174"/>
+            <a:off x="7821123" y="1803367"/>
+            <a:ext cx="309533" cy="330661"/>
           </a:xfrm>
           <a:prstGeom prst="straightConnector1">
             <a:avLst/>
@@ -9190,220 +9197,8 @@
         </p:nvCxnSpPr>
         <p:spPr>
           <a:xfrm>
-            <a:off x="7730266" y="1962214"/>
+            <a:off x="7744971" y="1277246"/>
             <a:ext cx="385685" cy="303543"/>
-          </a:xfrm>
-          <a:prstGeom prst="straightConnector1">
-            <a:avLst/>
-          </a:prstGeom>
-          <a:ln>
-            <a:tailEnd type="triangle"/>
-          </a:ln>
-        </p:spPr>
-        <p:style>
-          <a:lnRef idx="3">
-            <a:schemeClr val="accent1"/>
-          </a:lnRef>
-          <a:fillRef idx="0">
-            <a:schemeClr val="accent1"/>
-          </a:fillRef>
-          <a:effectRef idx="2">
-            <a:schemeClr val="accent1"/>
-          </a:effectRef>
-          <a:fontRef idx="minor">
-            <a:schemeClr val="tx1"/>
-          </a:fontRef>
-        </p:style>
-      </p:cxnSp>
-      <p:grpSp>
-        <p:nvGrpSpPr>
-          <p:cNvPr id="278" name="群組 277">
-            <a:extLst>
-              <a:ext uri="{FF2B5EF4-FFF2-40B4-BE49-F238E27FC236}">
-                <a16:creationId xmlns:a16="http://schemas.microsoft.com/office/drawing/2014/main" id="{8AFE0613-31D5-400F-A28A-5B4DD307295A}"/>
-              </a:ext>
-            </a:extLst>
-          </p:cNvPr>
-          <p:cNvGrpSpPr/>
-          <p:nvPr/>
-        </p:nvGrpSpPr>
-        <p:grpSpPr>
-          <a:xfrm>
-            <a:off x="10163970" y="1415280"/>
-            <a:ext cx="498047" cy="1766854"/>
-            <a:chOff x="2383389" y="3557589"/>
-            <a:chExt cx="258672" cy="443047"/>
-          </a:xfrm>
-        </p:grpSpPr>
-        <p:sp>
-          <p:nvSpPr>
-            <p:cNvPr id="279" name="矩形 278">
-              <a:extLst>
-                <a:ext uri="{FF2B5EF4-FFF2-40B4-BE49-F238E27FC236}">
-                  <a16:creationId xmlns:a16="http://schemas.microsoft.com/office/drawing/2014/main" id="{9D5A11AB-6C52-4622-8C5A-8B74F033E80C}"/>
-                </a:ext>
-              </a:extLst>
-            </p:cNvPr>
-            <p:cNvSpPr/>
-            <p:nvPr/>
-          </p:nvSpPr>
-          <p:spPr>
-            <a:xfrm>
-              <a:off x="2383391" y="3557589"/>
-              <a:ext cx="258670" cy="443047"/>
-            </a:xfrm>
-            <a:prstGeom prst="rect">
-              <a:avLst/>
-            </a:prstGeom>
-          </p:spPr>
-          <p:style>
-            <a:lnRef idx="2">
-              <a:schemeClr val="accent5">
-                <a:shade val="50000"/>
-              </a:schemeClr>
-            </a:lnRef>
-            <a:fillRef idx="1">
-              <a:schemeClr val="accent5"/>
-            </a:fillRef>
-            <a:effectRef idx="0">
-              <a:schemeClr val="accent5"/>
-            </a:effectRef>
-            <a:fontRef idx="minor">
-              <a:schemeClr val="lt1"/>
-            </a:fontRef>
-          </p:style>
-          <p:txBody>
-            <a:bodyPr rtlCol="0" anchor="ctr"/>
-            <a:lstStyle/>
-            <a:p>
-              <a:endParaRPr lang="en-US" altLang="zh-TW" sz="800" dirty="0"/>
-            </a:p>
-            <a:p>
-              <a:endParaRPr lang="en-US" altLang="zh-TW" sz="800" dirty="0"/>
-            </a:p>
-            <a:p>
-              <a:endParaRPr lang="en-US" altLang="zh-TW" sz="800" dirty="0"/>
-            </a:p>
-            <a:p>
-              <a:endParaRPr lang="en-US" altLang="zh-TW" sz="800" dirty="0"/>
-            </a:p>
-            <a:p>
-              <a:r>
-                <a:rPr lang="en-US" altLang="zh-TW" sz="800" dirty="0"/>
-                <a:t>Total</a:t>
-              </a:r>
-            </a:p>
-            <a:p>
-              <a:r>
-                <a:rPr lang="en-US" altLang="zh-TW" sz="800" dirty="0" err="1"/>
-                <a:t>Energy_ff_o</a:t>
-              </a:r>
-              <a:endParaRPr lang="en-US" altLang="zh-TW" sz="800" dirty="0"/>
-            </a:p>
-            <a:p>
-              <a:endParaRPr lang="zh-TW" altLang="en-US" sz="800" dirty="0"/>
-            </a:p>
-            <a:p>
-              <a:pPr algn="ctr"/>
-              <a:endParaRPr lang="zh-TW" altLang="en-US" dirty="0"/>
-            </a:p>
-          </p:txBody>
-        </p:sp>
-        <p:cxnSp>
-          <p:nvCxnSpPr>
-            <p:cNvPr id="280" name="直線接點 279">
-              <a:extLst>
-                <a:ext uri="{FF2B5EF4-FFF2-40B4-BE49-F238E27FC236}">
-                  <a16:creationId xmlns:a16="http://schemas.microsoft.com/office/drawing/2014/main" id="{B43A3914-6461-475B-8DC4-A8F6634BB38E}"/>
-                </a:ext>
-              </a:extLst>
-            </p:cNvPr>
-            <p:cNvCxnSpPr>
-              <a:cxnSpLocks/>
-            </p:cNvCxnSpPr>
-            <p:nvPr/>
-          </p:nvCxnSpPr>
-          <p:spPr>
-            <a:xfrm>
-              <a:off x="2383389" y="3557589"/>
-              <a:ext cx="129335" cy="132980"/>
-            </a:xfrm>
-            <a:prstGeom prst="line">
-              <a:avLst/>
-            </a:prstGeom>
-          </p:spPr>
-          <p:style>
-            <a:lnRef idx="3">
-              <a:schemeClr val="dk1"/>
-            </a:lnRef>
-            <a:fillRef idx="0">
-              <a:schemeClr val="dk1"/>
-            </a:fillRef>
-            <a:effectRef idx="2">
-              <a:schemeClr val="dk1"/>
-            </a:effectRef>
-            <a:fontRef idx="minor">
-              <a:schemeClr val="tx1"/>
-            </a:fontRef>
-          </p:style>
-        </p:cxnSp>
-        <p:cxnSp>
-          <p:nvCxnSpPr>
-            <p:cNvPr id="281" name="直線接點 280">
-              <a:extLst>
-                <a:ext uri="{FF2B5EF4-FFF2-40B4-BE49-F238E27FC236}">
-                  <a16:creationId xmlns:a16="http://schemas.microsoft.com/office/drawing/2014/main" id="{7B79EE59-94B8-4A19-9458-ED3047CF957F}"/>
-                </a:ext>
-              </a:extLst>
-            </p:cNvPr>
-            <p:cNvCxnSpPr>
-              <a:cxnSpLocks/>
-            </p:cNvCxnSpPr>
-            <p:nvPr/>
-          </p:nvCxnSpPr>
-          <p:spPr>
-            <a:xfrm flipV="1">
-              <a:off x="2512724" y="3557589"/>
-              <a:ext cx="129334" cy="132980"/>
-            </a:xfrm>
-            <a:prstGeom prst="line">
-              <a:avLst/>
-            </a:prstGeom>
-          </p:spPr>
-          <p:style>
-            <a:lnRef idx="3">
-              <a:schemeClr val="dk1"/>
-            </a:lnRef>
-            <a:fillRef idx="0">
-              <a:schemeClr val="dk1"/>
-            </a:fillRef>
-            <a:effectRef idx="2">
-              <a:schemeClr val="dk1"/>
-            </a:effectRef>
-            <a:fontRef idx="minor">
-              <a:schemeClr val="tx1"/>
-            </a:fontRef>
-          </p:style>
-        </p:cxnSp>
-      </p:grpSp>
-      <p:cxnSp>
-        <p:nvCxnSpPr>
-          <p:cNvPr id="282" name="直線單箭頭接點 281">
-            <a:extLst>
-              <a:ext uri="{FF2B5EF4-FFF2-40B4-BE49-F238E27FC236}">
-                <a16:creationId xmlns:a16="http://schemas.microsoft.com/office/drawing/2014/main" id="{C77D7553-7AA9-415B-86E9-72CF29617838}"/>
-              </a:ext>
-            </a:extLst>
-          </p:cNvPr>
-          <p:cNvCxnSpPr>
-            <a:cxnSpLocks/>
-          </p:cNvCxnSpPr>
-          <p:nvPr/>
-        </p:nvCxnSpPr>
-        <p:spPr>
-          <a:xfrm>
-            <a:off x="8477199" y="2366245"/>
-            <a:ext cx="1660576" cy="0"/>
           </a:xfrm>
           <a:prstGeom prst="straightConnector1">
             <a:avLst/>
@@ -9429,10 +9224,10 @@
       </p:cxnSp>
       <p:cxnSp>
         <p:nvCxnSpPr>
-          <p:cNvPr id="286" name="直線單箭頭接點 285">
-            <a:extLst>
-              <a:ext uri="{FF2B5EF4-FFF2-40B4-BE49-F238E27FC236}">
-                <a16:creationId xmlns:a16="http://schemas.microsoft.com/office/drawing/2014/main" id="{09C5A3B6-014A-4051-B16E-89984D1819B8}"/>
+          <p:cNvPr id="282" name="直線單箭頭接點 281">
+            <a:extLst>
+              <a:ext uri="{FF2B5EF4-FFF2-40B4-BE49-F238E27FC236}">
+                <a16:creationId xmlns:a16="http://schemas.microsoft.com/office/drawing/2014/main" id="{C77D7553-7AA9-415B-86E9-72CF29617838}"/>
               </a:ext>
             </a:extLst>
           </p:cNvPr>
@@ -9443,8 +9238,8 @@
         </p:nvCxnSpPr>
         <p:spPr>
           <a:xfrm>
-            <a:off x="10662012" y="2377046"/>
-            <a:ext cx="991826" cy="0"/>
+            <a:off x="8491904" y="1681277"/>
+            <a:ext cx="1660576" cy="0"/>
           </a:xfrm>
           <a:prstGeom prst="straightConnector1">
             <a:avLst/>
@@ -9455,13 +9250,13 @@
         </p:spPr>
         <p:style>
           <a:lnRef idx="3">
-            <a:schemeClr val="accent2"/>
+            <a:schemeClr val="accent1"/>
           </a:lnRef>
           <a:fillRef idx="0">
-            <a:schemeClr val="accent2"/>
+            <a:schemeClr val="accent1"/>
           </a:fillRef>
           <a:effectRef idx="2">
-            <a:schemeClr val="accent2"/>
+            <a:schemeClr val="accent1"/>
           </a:effectRef>
           <a:fontRef idx="minor">
             <a:schemeClr val="tx1"/>
@@ -9740,15 +9535,15 @@
           </p:spPr>
           <p:style>
             <a:lnRef idx="2">
-              <a:schemeClr val="accent5">
+              <a:schemeClr val="accent2">
                 <a:shade val="50000"/>
               </a:schemeClr>
             </a:lnRef>
             <a:fillRef idx="1">
-              <a:schemeClr val="accent5"/>
+              <a:schemeClr val="accent2"/>
             </a:fillRef>
             <a:effectRef idx="0">
-              <a:schemeClr val="accent5"/>
+              <a:schemeClr val="accent2"/>
             </a:effectRef>
             <a:fontRef idx="minor">
               <a:schemeClr val="lt1"/>
@@ -9821,17 +9616,19 @@
             </a:prstGeom>
           </p:spPr>
           <p:style>
-            <a:lnRef idx="3">
-              <a:schemeClr val="dk1"/>
+            <a:lnRef idx="2">
+              <a:schemeClr val="accent2">
+                <a:shade val="50000"/>
+              </a:schemeClr>
             </a:lnRef>
-            <a:fillRef idx="0">
-              <a:schemeClr val="dk1"/>
+            <a:fillRef idx="1">
+              <a:schemeClr val="accent2"/>
             </a:fillRef>
-            <a:effectRef idx="2">
-              <a:schemeClr val="dk1"/>
+            <a:effectRef idx="0">
+              <a:schemeClr val="accent2"/>
             </a:effectRef>
             <a:fontRef idx="minor">
-              <a:schemeClr val="tx1"/>
+              <a:schemeClr val="lt1"/>
             </a:fontRef>
           </p:style>
         </p:cxnSp>
@@ -9859,17 +9656,19 @@
             </a:prstGeom>
           </p:spPr>
           <p:style>
-            <a:lnRef idx="3">
-              <a:schemeClr val="dk1"/>
+            <a:lnRef idx="2">
+              <a:schemeClr val="accent2">
+                <a:shade val="50000"/>
+              </a:schemeClr>
             </a:lnRef>
-            <a:fillRef idx="0">
-              <a:schemeClr val="dk1"/>
+            <a:fillRef idx="1">
+              <a:schemeClr val="accent2"/>
             </a:fillRef>
-            <a:effectRef idx="2">
-              <a:schemeClr val="dk1"/>
+            <a:effectRef idx="0">
+              <a:schemeClr val="accent2"/>
             </a:effectRef>
             <a:fontRef idx="minor">
-              <a:schemeClr val="tx1"/>
+              <a:schemeClr val="lt1"/>
             </a:fontRef>
           </p:style>
         </p:cxnSp>
@@ -9957,48 +9756,6 @@
           </a:p>
         </p:txBody>
       </p:sp>
-      <p:sp>
-        <p:nvSpPr>
-          <p:cNvPr id="307" name="文字方塊 306">
-            <a:extLst>
-              <a:ext uri="{FF2B5EF4-FFF2-40B4-BE49-F238E27FC236}">
-                <a16:creationId xmlns:a16="http://schemas.microsoft.com/office/drawing/2014/main" id="{74305590-A584-4D06-8F17-22116A4FB225}"/>
-              </a:ext>
-            </a:extLst>
-          </p:cNvPr>
-          <p:cNvSpPr txBox="1"/>
-          <p:nvPr/>
-        </p:nvSpPr>
-        <p:spPr>
-          <a:xfrm>
-            <a:off x="10626408" y="2404456"/>
-            <a:ext cx="1425079" cy="276999"/>
-          </a:xfrm>
-          <a:prstGeom prst="rect">
-            <a:avLst/>
-          </a:prstGeom>
-          <a:noFill/>
-        </p:spPr>
-        <p:txBody>
-          <a:bodyPr wrap="square" rtlCol="0">
-            <a:spAutoFit/>
-          </a:bodyPr>
-          <a:lstStyle/>
-          <a:p>
-            <a:r>
-              <a:rPr lang="en-US" altLang="zh-TW" sz="1200" dirty="0" err="1">
-                <a:latin typeface="Times New Roman" panose="02020603050405020304" pitchFamily="18" charset="0"/>
-                <a:cs typeface="Times New Roman" panose="02020603050405020304" pitchFamily="18" charset="0"/>
-              </a:rPr>
-              <a:t>Total_Energy_o</a:t>
-            </a:r>
-            <a:endParaRPr lang="zh-TW" altLang="en-US" sz="1200" dirty="0">
-              <a:latin typeface="Times New Roman" panose="02020603050405020304" pitchFamily="18" charset="0"/>
-              <a:cs typeface="Times New Roman" panose="02020603050405020304" pitchFamily="18" charset="0"/>
-            </a:endParaRPr>
-          </a:p>
-        </p:txBody>
-      </p:sp>
       <p:cxnSp>
         <p:nvCxnSpPr>
           <p:cNvPr id="308" name="直線接點 307">
@@ -10415,7 +10172,7 @@
         </p:nvCxnSpPr>
         <p:spPr>
           <a:xfrm flipH="1">
-            <a:off x="7161981" y="1513699"/>
+            <a:off x="7146655" y="1072854"/>
             <a:ext cx="16372" cy="165182"/>
           </a:xfrm>
           <a:prstGeom prst="line">
@@ -10451,7 +10208,7 @@
         </p:nvSpPr>
         <p:spPr>
           <a:xfrm>
-            <a:off x="7048977" y="1285553"/>
+            <a:off x="7007294" y="842534"/>
             <a:ext cx="533400" cy="276999"/>
           </a:xfrm>
           <a:prstGeom prst="rect">
@@ -10495,7 +10252,7 @@
         </p:nvCxnSpPr>
         <p:spPr>
           <a:xfrm>
-            <a:off x="7875639" y="1983334"/>
+            <a:off x="7890344" y="1298366"/>
             <a:ext cx="39283" cy="189884"/>
           </a:xfrm>
           <a:prstGeom prst="line">
@@ -10531,7 +10288,7 @@
         </p:nvSpPr>
         <p:spPr>
           <a:xfrm>
-            <a:off x="7756465" y="1720083"/>
+            <a:off x="7771170" y="1035115"/>
             <a:ext cx="533400" cy="276999"/>
           </a:xfrm>
           <a:prstGeom prst="rect">
@@ -10575,7 +10332,7 @@
         </p:nvCxnSpPr>
         <p:spPr>
           <a:xfrm>
-            <a:off x="8920163" y="2289727"/>
+            <a:off x="8934868" y="1604759"/>
             <a:ext cx="121090" cy="171460"/>
           </a:xfrm>
           <a:prstGeom prst="line">
@@ -10611,7 +10368,7 @@
         </p:nvSpPr>
         <p:spPr>
           <a:xfrm>
-            <a:off x="8846853" y="2078213"/>
+            <a:off x="8861558" y="1393245"/>
             <a:ext cx="533400" cy="276999"/>
           </a:xfrm>
           <a:prstGeom prst="rect">
@@ -10639,6 +10396,264 @@
           </a:p>
         </p:txBody>
       </p:sp>
+      <p:grpSp>
+        <p:nvGrpSpPr>
+          <p:cNvPr id="278" name="群組 277">
+            <a:extLst>
+              <a:ext uri="{FF2B5EF4-FFF2-40B4-BE49-F238E27FC236}">
+                <a16:creationId xmlns:a16="http://schemas.microsoft.com/office/drawing/2014/main" id="{8AFE0613-31D5-400F-A28A-5B4DD307295A}"/>
+              </a:ext>
+            </a:extLst>
+          </p:cNvPr>
+          <p:cNvGrpSpPr/>
+          <p:nvPr/>
+        </p:nvGrpSpPr>
+        <p:grpSpPr>
+          <a:xfrm>
+            <a:off x="10163765" y="622297"/>
+            <a:ext cx="498047" cy="1766854"/>
+            <a:chOff x="2383389" y="3557589"/>
+            <a:chExt cx="258672" cy="443047"/>
+          </a:xfrm>
+        </p:grpSpPr>
+        <p:sp>
+          <p:nvSpPr>
+            <p:cNvPr id="279" name="矩形 278">
+              <a:extLst>
+                <a:ext uri="{FF2B5EF4-FFF2-40B4-BE49-F238E27FC236}">
+                  <a16:creationId xmlns:a16="http://schemas.microsoft.com/office/drawing/2014/main" id="{9D5A11AB-6C52-4622-8C5A-8B74F033E80C}"/>
+                </a:ext>
+              </a:extLst>
+            </p:cNvPr>
+            <p:cNvSpPr/>
+            <p:nvPr/>
+          </p:nvSpPr>
+          <p:spPr>
+            <a:xfrm>
+              <a:off x="2383391" y="3557589"/>
+              <a:ext cx="258670" cy="443047"/>
+            </a:xfrm>
+            <a:prstGeom prst="rect">
+              <a:avLst/>
+            </a:prstGeom>
+          </p:spPr>
+          <p:style>
+            <a:lnRef idx="2">
+              <a:schemeClr val="accent2">
+                <a:shade val="50000"/>
+              </a:schemeClr>
+            </a:lnRef>
+            <a:fillRef idx="1">
+              <a:schemeClr val="accent2"/>
+            </a:fillRef>
+            <a:effectRef idx="0">
+              <a:schemeClr val="accent2"/>
+            </a:effectRef>
+            <a:fontRef idx="minor">
+              <a:schemeClr val="lt1"/>
+            </a:fontRef>
+          </p:style>
+          <p:txBody>
+            <a:bodyPr rtlCol="0" anchor="ctr"/>
+            <a:lstStyle/>
+            <a:p>
+              <a:endParaRPr lang="en-US" altLang="zh-TW" sz="800" dirty="0"/>
+            </a:p>
+            <a:p>
+              <a:endParaRPr lang="en-US" altLang="zh-TW" sz="800" dirty="0"/>
+            </a:p>
+            <a:p>
+              <a:endParaRPr lang="en-US" altLang="zh-TW" sz="800" dirty="0"/>
+            </a:p>
+            <a:p>
+              <a:endParaRPr lang="en-US" altLang="zh-TW" sz="800" dirty="0"/>
+            </a:p>
+            <a:p>
+              <a:r>
+                <a:rPr lang="en-US" altLang="zh-TW" sz="800" dirty="0"/>
+                <a:t>Total</a:t>
+              </a:r>
+            </a:p>
+            <a:p>
+              <a:r>
+                <a:rPr lang="en-US" altLang="zh-TW" sz="800" dirty="0" err="1"/>
+                <a:t>Energy_ff_o</a:t>
+              </a:r>
+              <a:endParaRPr lang="en-US" altLang="zh-TW" sz="800" dirty="0"/>
+            </a:p>
+            <a:p>
+              <a:endParaRPr lang="zh-TW" altLang="en-US" sz="800" dirty="0"/>
+            </a:p>
+            <a:p>
+              <a:pPr algn="ctr"/>
+              <a:endParaRPr lang="zh-TW" altLang="en-US" dirty="0"/>
+            </a:p>
+          </p:txBody>
+        </p:sp>
+        <p:cxnSp>
+          <p:nvCxnSpPr>
+            <p:cNvPr id="280" name="直線接點 279">
+              <a:extLst>
+                <a:ext uri="{FF2B5EF4-FFF2-40B4-BE49-F238E27FC236}">
+                  <a16:creationId xmlns:a16="http://schemas.microsoft.com/office/drawing/2014/main" id="{B43A3914-6461-475B-8DC4-A8F6634BB38E}"/>
+                </a:ext>
+              </a:extLst>
+            </p:cNvPr>
+            <p:cNvCxnSpPr>
+              <a:cxnSpLocks/>
+            </p:cNvCxnSpPr>
+            <p:nvPr/>
+          </p:nvCxnSpPr>
+          <p:spPr>
+            <a:xfrm>
+              <a:off x="2383389" y="3557589"/>
+              <a:ext cx="129335" cy="132980"/>
+            </a:xfrm>
+            <a:prstGeom prst="line">
+              <a:avLst/>
+            </a:prstGeom>
+          </p:spPr>
+          <p:style>
+            <a:lnRef idx="2">
+              <a:schemeClr val="accent2">
+                <a:shade val="50000"/>
+              </a:schemeClr>
+            </a:lnRef>
+            <a:fillRef idx="1">
+              <a:schemeClr val="accent2"/>
+            </a:fillRef>
+            <a:effectRef idx="0">
+              <a:schemeClr val="accent2"/>
+            </a:effectRef>
+            <a:fontRef idx="minor">
+              <a:schemeClr val="lt1"/>
+            </a:fontRef>
+          </p:style>
+        </p:cxnSp>
+        <p:cxnSp>
+          <p:nvCxnSpPr>
+            <p:cNvPr id="281" name="直線接點 280">
+              <a:extLst>
+                <a:ext uri="{FF2B5EF4-FFF2-40B4-BE49-F238E27FC236}">
+                  <a16:creationId xmlns:a16="http://schemas.microsoft.com/office/drawing/2014/main" id="{7B79EE59-94B8-4A19-9458-ED3047CF957F}"/>
+                </a:ext>
+              </a:extLst>
+            </p:cNvPr>
+            <p:cNvCxnSpPr>
+              <a:cxnSpLocks/>
+            </p:cNvCxnSpPr>
+            <p:nvPr/>
+          </p:nvCxnSpPr>
+          <p:spPr>
+            <a:xfrm flipV="1">
+              <a:off x="2512724" y="3557589"/>
+              <a:ext cx="129334" cy="132980"/>
+            </a:xfrm>
+            <a:prstGeom prst="line">
+              <a:avLst/>
+            </a:prstGeom>
+          </p:spPr>
+          <p:style>
+            <a:lnRef idx="2">
+              <a:schemeClr val="accent2">
+                <a:shade val="50000"/>
+              </a:schemeClr>
+            </a:lnRef>
+            <a:fillRef idx="1">
+              <a:schemeClr val="accent2"/>
+            </a:fillRef>
+            <a:effectRef idx="0">
+              <a:schemeClr val="accent2"/>
+            </a:effectRef>
+            <a:fontRef idx="minor">
+              <a:schemeClr val="lt1"/>
+            </a:fontRef>
+          </p:style>
+        </p:cxnSp>
+      </p:grpSp>
+      <p:cxnSp>
+        <p:nvCxnSpPr>
+          <p:cNvPr id="286" name="直線單箭頭接點 285">
+            <a:extLst>
+              <a:ext uri="{FF2B5EF4-FFF2-40B4-BE49-F238E27FC236}">
+                <a16:creationId xmlns:a16="http://schemas.microsoft.com/office/drawing/2014/main" id="{09C5A3B6-014A-4051-B16E-89984D1819B8}"/>
+              </a:ext>
+            </a:extLst>
+          </p:cNvPr>
+          <p:cNvCxnSpPr>
+            <a:cxnSpLocks/>
+          </p:cNvCxnSpPr>
+          <p:nvPr/>
+        </p:nvCxnSpPr>
+        <p:spPr>
+          <a:xfrm>
+            <a:off x="10661807" y="1584063"/>
+            <a:ext cx="991826" cy="0"/>
+          </a:xfrm>
+          <a:prstGeom prst="straightConnector1">
+            <a:avLst/>
+          </a:prstGeom>
+          <a:ln>
+            <a:tailEnd type="triangle"/>
+          </a:ln>
+        </p:spPr>
+        <p:style>
+          <a:lnRef idx="3">
+            <a:schemeClr val="accent2"/>
+          </a:lnRef>
+          <a:fillRef idx="0">
+            <a:schemeClr val="accent2"/>
+          </a:fillRef>
+          <a:effectRef idx="2">
+            <a:schemeClr val="accent2"/>
+          </a:effectRef>
+          <a:fontRef idx="minor">
+            <a:schemeClr val="tx1"/>
+          </a:fontRef>
+        </p:style>
+      </p:cxnSp>
+      <p:sp>
+        <p:nvSpPr>
+          <p:cNvPr id="307" name="文字方塊 306">
+            <a:extLst>
+              <a:ext uri="{FF2B5EF4-FFF2-40B4-BE49-F238E27FC236}">
+                <a16:creationId xmlns:a16="http://schemas.microsoft.com/office/drawing/2014/main" id="{74305590-A584-4D06-8F17-22116A4FB225}"/>
+              </a:ext>
+            </a:extLst>
+          </p:cNvPr>
+          <p:cNvSpPr txBox="1"/>
+          <p:nvPr/>
+        </p:nvSpPr>
+        <p:spPr>
+          <a:xfrm>
+            <a:off x="10626203" y="1611473"/>
+            <a:ext cx="1425079" cy="276999"/>
+          </a:xfrm>
+          <a:prstGeom prst="rect">
+            <a:avLst/>
+          </a:prstGeom>
+          <a:noFill/>
+        </p:spPr>
+        <p:txBody>
+          <a:bodyPr wrap="square" rtlCol="0">
+            <a:spAutoFit/>
+          </a:bodyPr>
+          <a:lstStyle/>
+          <a:p>
+            <a:r>
+              <a:rPr lang="en-US" altLang="zh-TW" sz="1200" dirty="0" err="1">
+                <a:latin typeface="Times New Roman" panose="02020603050405020304" pitchFamily="18" charset="0"/>
+                <a:cs typeface="Times New Roman" panose="02020603050405020304" pitchFamily="18" charset="0"/>
+              </a:rPr>
+              <a:t>Total_Energy_o</a:t>
+            </a:r>
+            <a:endParaRPr lang="zh-TW" altLang="en-US" sz="1200" dirty="0">
+              <a:latin typeface="Times New Roman" panose="02020603050405020304" pitchFamily="18" charset="0"/>
+              <a:cs typeface="Times New Roman" panose="02020603050405020304" pitchFamily="18" charset="0"/>
+            </a:endParaRPr>
+          </a:p>
+        </p:txBody>
+      </p:sp>
       <p:cxnSp>
         <p:nvCxnSpPr>
           <p:cNvPr id="331" name="直線接點 330">
@@ -10655,7 +10670,7 @@
         </p:nvCxnSpPr>
         <p:spPr>
           <a:xfrm>
-            <a:off x="11075611" y="2298707"/>
+            <a:off x="11075406" y="1505724"/>
             <a:ext cx="121090" cy="171460"/>
           </a:xfrm>
           <a:prstGeom prst="line">
@@ -10691,7 +10706,7 @@
         </p:nvSpPr>
         <p:spPr>
           <a:xfrm>
-            <a:off x="10978739" y="2078213"/>
+            <a:off x="10978534" y="1285230"/>
             <a:ext cx="533400" cy="276999"/>
           </a:xfrm>
           <a:prstGeom prst="rect">
@@ -10969,15 +10984,15 @@
           </p:spPr>
           <p:style>
             <a:lnRef idx="2">
-              <a:schemeClr val="accent5">
+              <a:schemeClr val="accent2">
                 <a:shade val="50000"/>
               </a:schemeClr>
             </a:lnRef>
             <a:fillRef idx="1">
-              <a:schemeClr val="accent5"/>
+              <a:schemeClr val="accent2"/>
             </a:fillRef>
             <a:effectRef idx="0">
-              <a:schemeClr val="accent5"/>
+              <a:schemeClr val="accent2"/>
             </a:effectRef>
             <a:fontRef idx="minor">
               <a:schemeClr val="lt1"/>
@@ -11044,17 +11059,19 @@
             </a:prstGeom>
           </p:spPr>
           <p:style>
-            <a:lnRef idx="3">
-              <a:schemeClr val="dk1"/>
+            <a:lnRef idx="2">
+              <a:schemeClr val="accent2">
+                <a:shade val="50000"/>
+              </a:schemeClr>
             </a:lnRef>
-            <a:fillRef idx="0">
-              <a:schemeClr val="dk1"/>
+            <a:fillRef idx="1">
+              <a:schemeClr val="accent2"/>
             </a:fillRef>
-            <a:effectRef idx="2">
-              <a:schemeClr val="dk1"/>
+            <a:effectRef idx="0">
+              <a:schemeClr val="accent2"/>
             </a:effectRef>
             <a:fontRef idx="minor">
-              <a:schemeClr val="tx1"/>
+              <a:schemeClr val="lt1"/>
             </a:fontRef>
           </p:style>
         </p:cxnSp>
@@ -11082,17 +11099,19 @@
             </a:prstGeom>
           </p:spPr>
           <p:style>
-            <a:lnRef idx="3">
-              <a:schemeClr val="dk1"/>
+            <a:lnRef idx="2">
+              <a:schemeClr val="accent2">
+                <a:shade val="50000"/>
+              </a:schemeClr>
             </a:lnRef>
-            <a:fillRef idx="0">
-              <a:schemeClr val="dk1"/>
+            <a:fillRef idx="1">
+              <a:schemeClr val="accent2"/>
             </a:fillRef>
-            <a:effectRef idx="2">
-              <a:schemeClr val="dk1"/>
+            <a:effectRef idx="0">
+              <a:schemeClr val="accent2"/>
             </a:effectRef>
             <a:fontRef idx="minor">
-              <a:schemeClr val="tx1"/>
+              <a:schemeClr val="lt1"/>
             </a:fontRef>
           </p:style>
         </p:cxnSp>
@@ -11451,8 +11470,8 @@
         </p:nvSpPr>
         <p:spPr>
           <a:xfrm>
-            <a:off x="615043" y="363370"/>
-            <a:ext cx="1380190" cy="276999"/>
+            <a:off x="79028" y="345298"/>
+            <a:ext cx="1594462" cy="276999"/>
           </a:xfrm>
           <a:prstGeom prst="rect">
             <a:avLst/>
@@ -11470,7 +11489,7 @@
                 <a:latin typeface="Times New Roman" panose="02020603050405020304" pitchFamily="18" charset="0"/>
                 <a:cs typeface="Times New Roman" panose="02020603050405020304" pitchFamily="18" charset="0"/>
               </a:rPr>
-              <a:t>Set_Data_i</a:t>
+              <a:t>wrSelfEnergyValid_i</a:t>
             </a:r>
             <a:endParaRPr lang="zh-TW" altLang="en-US" sz="1200" dirty="0">
               <a:latin typeface="Times New Roman" panose="02020603050405020304" pitchFamily="18" charset="0"/>
@@ -11534,8 +11553,8 @@
         </p:nvSpPr>
         <p:spPr>
           <a:xfrm>
-            <a:off x="2042050" y="5663110"/>
-            <a:ext cx="1618118" cy="276999"/>
+            <a:off x="2042049" y="5663110"/>
+            <a:ext cx="1744879" cy="276999"/>
           </a:xfrm>
           <a:prstGeom prst="rect">
             <a:avLst/>
@@ -11553,7 +11572,7 @@
                 <a:latin typeface="Times New Roman" panose="02020603050405020304" pitchFamily="18" charset="0"/>
                 <a:cs typeface="Times New Roman" panose="02020603050405020304" pitchFamily="18" charset="0"/>
               </a:rPr>
-              <a:t>Set_Data_i</a:t>
+              <a:t>wrInteractMatrixValid_i</a:t>
             </a:r>
             <a:endParaRPr lang="zh-TW" altLang="en-US" sz="1200" dirty="0">
               <a:latin typeface="Times New Roman" panose="02020603050405020304" pitchFamily="18" charset="0"/>
@@ -12303,7 +12322,7 @@
         </p:nvSpPr>
         <p:spPr>
           <a:xfrm>
-            <a:off x="7311503" y="2980509"/>
+            <a:off x="7300600" y="1966804"/>
             <a:ext cx="512358" cy="352816"/>
           </a:xfrm>
           <a:prstGeom prst="flowChartConnector">
@@ -12350,14 +12369,14 @@
           </p:cNvPr>
           <p:cNvCxnSpPr>
             <a:cxnSpLocks/>
-            <a:endCxn id="239" idx="3"/>
+            <a:endCxn id="239" idx="2"/>
           </p:cNvCxnSpPr>
           <p:nvPr/>
         </p:nvCxnSpPr>
         <p:spPr>
-          <a:xfrm flipV="1">
-            <a:off x="7045463" y="3281656"/>
-            <a:ext cx="341073" cy="1581252"/>
+          <a:xfrm>
+            <a:off x="7014198" y="2141430"/>
+            <a:ext cx="286402" cy="1782"/>
           </a:xfrm>
           <a:prstGeom prst="straightConnector1">
             <a:avLst/>
@@ -12465,6 +12484,2283 @@
           </a:p>
         </p:txBody>
       </p:sp>
+      <p:sp>
+        <p:nvSpPr>
+          <p:cNvPr id="240" name="文字方塊 239">
+            <a:extLst>
+              <a:ext uri="{FF2B5EF4-FFF2-40B4-BE49-F238E27FC236}">
+                <a16:creationId xmlns:a16="http://schemas.microsoft.com/office/drawing/2014/main" id="{9D3AF643-68BD-4C89-B254-0FBFBB557386}"/>
+              </a:ext>
+            </a:extLst>
+          </p:cNvPr>
+          <p:cNvSpPr txBox="1"/>
+          <p:nvPr/>
+        </p:nvSpPr>
+        <p:spPr>
+          <a:xfrm>
+            <a:off x="5699803" y="5261676"/>
+            <a:ext cx="1744879" cy="276999"/>
+          </a:xfrm>
+          <a:prstGeom prst="rect">
+            <a:avLst/>
+          </a:prstGeom>
+          <a:noFill/>
+        </p:spPr>
+        <p:txBody>
+          <a:bodyPr wrap="square" rtlCol="0">
+            <a:spAutoFit/>
+          </a:bodyPr>
+          <a:lstStyle/>
+          <a:p>
+            <a:r>
+              <a:rPr lang="en-US" altLang="zh-TW" sz="1200" dirty="0" err="1">
+                <a:latin typeface="Times New Roman" panose="02020603050405020304" pitchFamily="18" charset="0"/>
+                <a:cs typeface="Times New Roman" panose="02020603050405020304" pitchFamily="18" charset="0"/>
+              </a:rPr>
+              <a:t>inInteractMatrixValid_i</a:t>
+            </a:r>
+            <a:endParaRPr lang="zh-TW" altLang="en-US" sz="1200" dirty="0">
+              <a:latin typeface="Times New Roman" panose="02020603050405020304" pitchFamily="18" charset="0"/>
+              <a:cs typeface="Times New Roman" panose="02020603050405020304" pitchFamily="18" charset="0"/>
+            </a:endParaRPr>
+          </a:p>
+        </p:txBody>
+      </p:sp>
+      <p:sp>
+        <p:nvSpPr>
+          <p:cNvPr id="242" name="文字方塊 241">
+            <a:extLst>
+              <a:ext uri="{FF2B5EF4-FFF2-40B4-BE49-F238E27FC236}">
+                <a16:creationId xmlns:a16="http://schemas.microsoft.com/office/drawing/2014/main" id="{D58C4DF0-C5FA-49B7-83DA-9AB6C331CD12}"/>
+              </a:ext>
+            </a:extLst>
+          </p:cNvPr>
+          <p:cNvSpPr txBox="1"/>
+          <p:nvPr/>
+        </p:nvSpPr>
+        <p:spPr>
+          <a:xfrm>
+            <a:off x="5852016" y="5611668"/>
+            <a:ext cx="1594462" cy="276999"/>
+          </a:xfrm>
+          <a:prstGeom prst="rect">
+            <a:avLst/>
+          </a:prstGeom>
+          <a:noFill/>
+        </p:spPr>
+        <p:txBody>
+          <a:bodyPr wrap="square" rtlCol="0">
+            <a:spAutoFit/>
+          </a:bodyPr>
+          <a:lstStyle/>
+          <a:p>
+            <a:r>
+              <a:rPr lang="en-US" altLang="zh-TW" sz="1200" dirty="0" err="1">
+                <a:latin typeface="Times New Roman" panose="02020603050405020304" pitchFamily="18" charset="0"/>
+                <a:cs typeface="Times New Roman" panose="02020603050405020304" pitchFamily="18" charset="0"/>
+              </a:rPr>
+              <a:t>inSelfEnergyValid_i</a:t>
+            </a:r>
+            <a:endParaRPr lang="zh-TW" altLang="en-US" sz="1200" dirty="0">
+              <a:latin typeface="Times New Roman" panose="02020603050405020304" pitchFamily="18" charset="0"/>
+              <a:cs typeface="Times New Roman" panose="02020603050405020304" pitchFamily="18" charset="0"/>
+            </a:endParaRPr>
+          </a:p>
+        </p:txBody>
+      </p:sp>
+      <p:cxnSp>
+        <p:nvCxnSpPr>
+          <p:cNvPr id="243" name="直線單箭頭接點 242">
+            <a:extLst>
+              <a:ext uri="{FF2B5EF4-FFF2-40B4-BE49-F238E27FC236}">
+                <a16:creationId xmlns:a16="http://schemas.microsoft.com/office/drawing/2014/main" id="{6A79BFFC-E178-4306-ADFE-18C90218E1AC}"/>
+              </a:ext>
+            </a:extLst>
+          </p:cNvPr>
+          <p:cNvCxnSpPr>
+            <a:cxnSpLocks/>
+          </p:cNvCxnSpPr>
+          <p:nvPr/>
+        </p:nvCxnSpPr>
+        <p:spPr>
+          <a:xfrm>
+            <a:off x="6756425" y="5248967"/>
+            <a:ext cx="524352" cy="0"/>
+          </a:xfrm>
+          <a:prstGeom prst="straightConnector1">
+            <a:avLst/>
+          </a:prstGeom>
+          <a:ln>
+            <a:tailEnd type="triangle"/>
+          </a:ln>
+        </p:spPr>
+        <p:style>
+          <a:lnRef idx="3">
+            <a:schemeClr val="accent2"/>
+          </a:lnRef>
+          <a:fillRef idx="0">
+            <a:schemeClr val="accent2"/>
+          </a:fillRef>
+          <a:effectRef idx="2">
+            <a:schemeClr val="accent2"/>
+          </a:effectRef>
+          <a:fontRef idx="minor">
+            <a:schemeClr val="tx1"/>
+          </a:fontRef>
+        </p:style>
+      </p:cxnSp>
+      <p:cxnSp>
+        <p:nvCxnSpPr>
+          <p:cNvPr id="244" name="直線單箭頭接點 243">
+            <a:extLst>
+              <a:ext uri="{FF2B5EF4-FFF2-40B4-BE49-F238E27FC236}">
+                <a16:creationId xmlns:a16="http://schemas.microsoft.com/office/drawing/2014/main" id="{C23F687A-4C24-4A25-8309-78DBE41ED9BF}"/>
+              </a:ext>
+            </a:extLst>
+          </p:cNvPr>
+          <p:cNvCxnSpPr>
+            <a:cxnSpLocks/>
+          </p:cNvCxnSpPr>
+          <p:nvPr/>
+        </p:nvCxnSpPr>
+        <p:spPr>
+          <a:xfrm>
+            <a:off x="6756425" y="5607387"/>
+            <a:ext cx="524352" cy="0"/>
+          </a:xfrm>
+          <a:prstGeom prst="straightConnector1">
+            <a:avLst/>
+          </a:prstGeom>
+          <a:ln>
+            <a:tailEnd type="triangle"/>
+          </a:ln>
+        </p:spPr>
+        <p:style>
+          <a:lnRef idx="3">
+            <a:schemeClr val="accent2"/>
+          </a:lnRef>
+          <a:fillRef idx="0">
+            <a:schemeClr val="accent2"/>
+          </a:fillRef>
+          <a:effectRef idx="2">
+            <a:schemeClr val="accent2"/>
+          </a:effectRef>
+          <a:fontRef idx="minor">
+            <a:schemeClr val="tx1"/>
+          </a:fontRef>
+        </p:style>
+      </p:cxnSp>
+      <p:grpSp>
+        <p:nvGrpSpPr>
+          <p:cNvPr id="47" name="群組 46">
+            <a:extLst>
+              <a:ext uri="{FF2B5EF4-FFF2-40B4-BE49-F238E27FC236}">
+                <a16:creationId xmlns:a16="http://schemas.microsoft.com/office/drawing/2014/main" id="{4AA40219-8B28-47BD-81C8-82C53FD93BAD}"/>
+              </a:ext>
+            </a:extLst>
+          </p:cNvPr>
+          <p:cNvGrpSpPr/>
+          <p:nvPr/>
+        </p:nvGrpSpPr>
+        <p:grpSpPr>
+          <a:xfrm>
+            <a:off x="7237898" y="4371648"/>
+            <a:ext cx="2060146" cy="578717"/>
+            <a:chOff x="7237898" y="4371648"/>
+            <a:chExt cx="2060146" cy="578717"/>
+          </a:xfrm>
+        </p:grpSpPr>
+        <p:cxnSp>
+          <p:nvCxnSpPr>
+            <p:cNvPr id="245" name="直線單箭頭接點 244">
+              <a:extLst>
+                <a:ext uri="{FF2B5EF4-FFF2-40B4-BE49-F238E27FC236}">
+                  <a16:creationId xmlns:a16="http://schemas.microsoft.com/office/drawing/2014/main" id="{53966709-EF00-43D5-BB81-9012CDE270D0}"/>
+                </a:ext>
+              </a:extLst>
+            </p:cNvPr>
+            <p:cNvCxnSpPr>
+              <a:cxnSpLocks/>
+            </p:cNvCxnSpPr>
+            <p:nvPr/>
+          </p:nvCxnSpPr>
+          <p:spPr>
+            <a:xfrm flipV="1">
+              <a:off x="8155039" y="4554680"/>
+              <a:ext cx="0" cy="395685"/>
+            </a:xfrm>
+            <a:prstGeom prst="straightConnector1">
+              <a:avLst/>
+            </a:prstGeom>
+            <a:ln>
+              <a:tailEnd type="triangle"/>
+            </a:ln>
+          </p:spPr>
+          <p:style>
+            <a:lnRef idx="3">
+              <a:schemeClr val="accent1"/>
+            </a:lnRef>
+            <a:fillRef idx="0">
+              <a:schemeClr val="accent1"/>
+            </a:fillRef>
+            <a:effectRef idx="2">
+              <a:schemeClr val="accent1"/>
+            </a:effectRef>
+            <a:fontRef idx="minor">
+              <a:schemeClr val="tx1"/>
+            </a:fontRef>
+          </p:style>
+        </p:cxnSp>
+        <p:cxnSp>
+          <p:nvCxnSpPr>
+            <p:cNvPr id="246" name="直線單箭頭接點 245">
+              <a:extLst>
+                <a:ext uri="{FF2B5EF4-FFF2-40B4-BE49-F238E27FC236}">
+                  <a16:creationId xmlns:a16="http://schemas.microsoft.com/office/drawing/2014/main" id="{7ABDC162-4692-470E-83F6-3D8BA5DC7D4C}"/>
+                </a:ext>
+              </a:extLst>
+            </p:cNvPr>
+            <p:cNvCxnSpPr>
+              <a:cxnSpLocks/>
+            </p:cNvCxnSpPr>
+            <p:nvPr/>
+          </p:nvCxnSpPr>
+          <p:spPr>
+            <a:xfrm flipV="1">
+              <a:off x="8409039" y="4553749"/>
+              <a:ext cx="0" cy="396616"/>
+            </a:xfrm>
+            <a:prstGeom prst="straightConnector1">
+              <a:avLst/>
+            </a:prstGeom>
+            <a:ln>
+              <a:tailEnd type="triangle"/>
+            </a:ln>
+          </p:spPr>
+          <p:style>
+            <a:lnRef idx="3">
+              <a:schemeClr val="accent1"/>
+            </a:lnRef>
+            <a:fillRef idx="0">
+              <a:schemeClr val="accent1"/>
+            </a:fillRef>
+            <a:effectRef idx="2">
+              <a:schemeClr val="accent1"/>
+            </a:effectRef>
+            <a:fontRef idx="minor">
+              <a:schemeClr val="tx1"/>
+            </a:fontRef>
+          </p:style>
+        </p:cxnSp>
+        <p:sp>
+          <p:nvSpPr>
+            <p:cNvPr id="247" name="文字方塊 246">
+              <a:extLst>
+                <a:ext uri="{FF2B5EF4-FFF2-40B4-BE49-F238E27FC236}">
+                  <a16:creationId xmlns:a16="http://schemas.microsoft.com/office/drawing/2014/main" id="{5EEA998D-DD53-488D-BA92-3B7C736A58E7}"/>
+                </a:ext>
+              </a:extLst>
+            </p:cNvPr>
+            <p:cNvSpPr txBox="1"/>
+            <p:nvPr/>
+          </p:nvSpPr>
+          <p:spPr>
+            <a:xfrm>
+              <a:off x="7237898" y="4371648"/>
+              <a:ext cx="938628" cy="276999"/>
+            </a:xfrm>
+            <a:prstGeom prst="rect">
+              <a:avLst/>
+            </a:prstGeom>
+            <a:noFill/>
+          </p:spPr>
+          <p:txBody>
+            <a:bodyPr wrap="square" rtlCol="0">
+              <a:spAutoFit/>
+            </a:bodyPr>
+            <a:lstStyle/>
+            <a:p>
+              <a:r>
+                <a:rPr lang="en-US" altLang="zh-TW" sz="1200" dirty="0" err="1">
+                  <a:latin typeface="Times New Roman" panose="02020603050405020304" pitchFamily="18" charset="0"/>
+                  <a:cs typeface="Times New Roman" panose="02020603050405020304" pitchFamily="18" charset="0"/>
+                </a:rPr>
+                <a:t>IM_row_ptr</a:t>
+              </a:r>
+              <a:endParaRPr lang="zh-TW" altLang="en-US" sz="1200" dirty="0">
+                <a:latin typeface="Times New Roman" panose="02020603050405020304" pitchFamily="18" charset="0"/>
+                <a:cs typeface="Times New Roman" panose="02020603050405020304" pitchFamily="18" charset="0"/>
+              </a:endParaRPr>
+            </a:p>
+          </p:txBody>
+        </p:sp>
+        <p:sp>
+          <p:nvSpPr>
+            <p:cNvPr id="248" name="文字方塊 247">
+              <a:extLst>
+                <a:ext uri="{FF2B5EF4-FFF2-40B4-BE49-F238E27FC236}">
+                  <a16:creationId xmlns:a16="http://schemas.microsoft.com/office/drawing/2014/main" id="{D7153DBF-5DDA-40FF-84AC-77F24C60081E}"/>
+                </a:ext>
+              </a:extLst>
+            </p:cNvPr>
+            <p:cNvSpPr txBox="1"/>
+            <p:nvPr/>
+          </p:nvSpPr>
+          <p:spPr>
+            <a:xfrm>
+              <a:off x="8359416" y="4376165"/>
+              <a:ext cx="938628" cy="276999"/>
+            </a:xfrm>
+            <a:prstGeom prst="rect">
+              <a:avLst/>
+            </a:prstGeom>
+            <a:noFill/>
+          </p:spPr>
+          <p:txBody>
+            <a:bodyPr wrap="square" rtlCol="0">
+              <a:spAutoFit/>
+            </a:bodyPr>
+            <a:lstStyle/>
+            <a:p>
+              <a:r>
+                <a:rPr lang="en-US" altLang="zh-TW" sz="1200" dirty="0" err="1">
+                  <a:latin typeface="Times New Roman" panose="02020603050405020304" pitchFamily="18" charset="0"/>
+                  <a:cs typeface="Times New Roman" panose="02020603050405020304" pitchFamily="18" charset="0"/>
+                </a:rPr>
+                <a:t>IM_col_ptr</a:t>
+              </a:r>
+              <a:endParaRPr lang="zh-TW" altLang="en-US" sz="1200" dirty="0">
+                <a:latin typeface="Times New Roman" panose="02020603050405020304" pitchFamily="18" charset="0"/>
+                <a:cs typeface="Times New Roman" panose="02020603050405020304" pitchFamily="18" charset="0"/>
+              </a:endParaRPr>
+            </a:p>
+          </p:txBody>
+        </p:sp>
+        <p:cxnSp>
+          <p:nvCxnSpPr>
+            <p:cNvPr id="249" name="直線接點 248">
+              <a:extLst>
+                <a:ext uri="{FF2B5EF4-FFF2-40B4-BE49-F238E27FC236}">
+                  <a16:creationId xmlns:a16="http://schemas.microsoft.com/office/drawing/2014/main" id="{6A8CF499-B2DE-45B5-B8DE-BA14AE83D615}"/>
+                </a:ext>
+              </a:extLst>
+            </p:cNvPr>
+            <p:cNvCxnSpPr>
+              <a:cxnSpLocks/>
+            </p:cNvCxnSpPr>
+            <p:nvPr/>
+          </p:nvCxnSpPr>
+          <p:spPr>
+            <a:xfrm>
+              <a:off x="8103773" y="4663145"/>
+              <a:ext cx="121090" cy="171460"/>
+            </a:xfrm>
+            <a:prstGeom prst="line">
+              <a:avLst/>
+            </a:prstGeom>
+          </p:spPr>
+          <p:style>
+            <a:lnRef idx="3">
+              <a:schemeClr val="dk1"/>
+            </a:lnRef>
+            <a:fillRef idx="0">
+              <a:schemeClr val="dk1"/>
+            </a:fillRef>
+            <a:effectRef idx="2">
+              <a:schemeClr val="dk1"/>
+            </a:effectRef>
+            <a:fontRef idx="minor">
+              <a:schemeClr val="tx1"/>
+            </a:fontRef>
+          </p:style>
+        </p:cxnSp>
+        <p:cxnSp>
+          <p:nvCxnSpPr>
+            <p:cNvPr id="250" name="直線接點 249">
+              <a:extLst>
+                <a:ext uri="{FF2B5EF4-FFF2-40B4-BE49-F238E27FC236}">
+                  <a16:creationId xmlns:a16="http://schemas.microsoft.com/office/drawing/2014/main" id="{BE8D9B6B-AAF6-4464-8D59-6A0143FC2D4F}"/>
+                </a:ext>
+              </a:extLst>
+            </p:cNvPr>
+            <p:cNvCxnSpPr>
+              <a:cxnSpLocks/>
+            </p:cNvCxnSpPr>
+            <p:nvPr/>
+          </p:nvCxnSpPr>
+          <p:spPr>
+            <a:xfrm>
+              <a:off x="8354329" y="4670349"/>
+              <a:ext cx="121090" cy="171460"/>
+            </a:xfrm>
+            <a:prstGeom prst="line">
+              <a:avLst/>
+            </a:prstGeom>
+          </p:spPr>
+          <p:style>
+            <a:lnRef idx="3">
+              <a:schemeClr val="dk1"/>
+            </a:lnRef>
+            <a:fillRef idx="0">
+              <a:schemeClr val="dk1"/>
+            </a:fillRef>
+            <a:effectRef idx="2">
+              <a:schemeClr val="dk1"/>
+            </a:effectRef>
+            <a:fontRef idx="minor">
+              <a:schemeClr val="tx1"/>
+            </a:fontRef>
+          </p:style>
+        </p:cxnSp>
+        <p:sp>
+          <p:nvSpPr>
+            <p:cNvPr id="257" name="文字方塊 256">
+              <a:extLst>
+                <a:ext uri="{FF2B5EF4-FFF2-40B4-BE49-F238E27FC236}">
+                  <a16:creationId xmlns:a16="http://schemas.microsoft.com/office/drawing/2014/main" id="{CE097B0F-0508-4B7F-BCD1-621D358B18F6}"/>
+                </a:ext>
+              </a:extLst>
+            </p:cNvPr>
+            <p:cNvSpPr txBox="1"/>
+            <p:nvPr/>
+          </p:nvSpPr>
+          <p:spPr>
+            <a:xfrm>
+              <a:off x="7882580" y="4546315"/>
+              <a:ext cx="533400" cy="276999"/>
+            </a:xfrm>
+            <a:prstGeom prst="rect">
+              <a:avLst/>
+            </a:prstGeom>
+            <a:noFill/>
+          </p:spPr>
+          <p:txBody>
+            <a:bodyPr wrap="square" rtlCol="0">
+              <a:spAutoFit/>
+            </a:bodyPr>
+            <a:lstStyle/>
+            <a:p>
+              <a:r>
+                <a:rPr lang="en-US" altLang="zh-TW" sz="1200" dirty="0">
+                  <a:latin typeface="Times New Roman" panose="02020603050405020304" pitchFamily="18" charset="0"/>
+                  <a:cs typeface="Times New Roman" panose="02020603050405020304" pitchFamily="18" charset="0"/>
+                </a:rPr>
+                <a:t>2</a:t>
+              </a:r>
+              <a:endParaRPr lang="zh-TW" altLang="en-US" sz="1200" dirty="0">
+                <a:latin typeface="Times New Roman" panose="02020603050405020304" pitchFamily="18" charset="0"/>
+                <a:cs typeface="Times New Roman" panose="02020603050405020304" pitchFamily="18" charset="0"/>
+              </a:endParaRPr>
+            </a:p>
+          </p:txBody>
+        </p:sp>
+        <p:sp>
+          <p:nvSpPr>
+            <p:cNvPr id="259" name="文字方塊 258">
+              <a:extLst>
+                <a:ext uri="{FF2B5EF4-FFF2-40B4-BE49-F238E27FC236}">
+                  <a16:creationId xmlns:a16="http://schemas.microsoft.com/office/drawing/2014/main" id="{7D6EBA9A-16BA-4A34-8AA4-87D5F6FA1390}"/>
+                </a:ext>
+              </a:extLst>
+            </p:cNvPr>
+            <p:cNvSpPr txBox="1"/>
+            <p:nvPr/>
+          </p:nvSpPr>
+          <p:spPr>
+            <a:xfrm>
+              <a:off x="8184192" y="4572013"/>
+              <a:ext cx="533400" cy="276999"/>
+            </a:xfrm>
+            <a:prstGeom prst="rect">
+              <a:avLst/>
+            </a:prstGeom>
+            <a:noFill/>
+          </p:spPr>
+          <p:txBody>
+            <a:bodyPr wrap="square" rtlCol="0">
+              <a:spAutoFit/>
+            </a:bodyPr>
+            <a:lstStyle/>
+            <a:p>
+              <a:r>
+                <a:rPr lang="en-US" altLang="zh-TW" sz="1200" dirty="0">
+                  <a:latin typeface="Times New Roman" panose="02020603050405020304" pitchFamily="18" charset="0"/>
+                  <a:cs typeface="Times New Roman" panose="02020603050405020304" pitchFamily="18" charset="0"/>
+                </a:rPr>
+                <a:t>2</a:t>
+              </a:r>
+              <a:endParaRPr lang="zh-TW" altLang="en-US" sz="1200" dirty="0">
+                <a:latin typeface="Times New Roman" panose="02020603050405020304" pitchFamily="18" charset="0"/>
+                <a:cs typeface="Times New Roman" panose="02020603050405020304" pitchFamily="18" charset="0"/>
+              </a:endParaRPr>
+            </a:p>
+          </p:txBody>
+        </p:sp>
+      </p:grpSp>
+      <p:cxnSp>
+        <p:nvCxnSpPr>
+          <p:cNvPr id="270" name="直線接點 269">
+            <a:extLst>
+              <a:ext uri="{FF2B5EF4-FFF2-40B4-BE49-F238E27FC236}">
+                <a16:creationId xmlns:a16="http://schemas.microsoft.com/office/drawing/2014/main" id="{886A30D6-729C-432F-BAE9-6763A5243441}"/>
+              </a:ext>
+            </a:extLst>
+          </p:cNvPr>
+          <p:cNvCxnSpPr>
+            <a:cxnSpLocks/>
+          </p:cNvCxnSpPr>
+          <p:nvPr/>
+        </p:nvCxnSpPr>
+        <p:spPr>
+          <a:xfrm>
+            <a:off x="8636098" y="5260528"/>
+            <a:ext cx="107212" cy="201831"/>
+          </a:xfrm>
+          <a:prstGeom prst="line">
+            <a:avLst/>
+          </a:prstGeom>
+        </p:spPr>
+        <p:style>
+          <a:lnRef idx="3">
+            <a:schemeClr val="dk1"/>
+          </a:lnRef>
+          <a:fillRef idx="0">
+            <a:schemeClr val="dk1"/>
+          </a:fillRef>
+          <a:effectRef idx="2">
+            <a:schemeClr val="dk1"/>
+          </a:effectRef>
+          <a:fontRef idx="minor">
+            <a:schemeClr val="tx1"/>
+          </a:fontRef>
+        </p:style>
+      </p:cxnSp>
+      <p:sp>
+        <p:nvSpPr>
+          <p:cNvPr id="272" name="文字方塊 271">
+            <a:extLst>
+              <a:ext uri="{FF2B5EF4-FFF2-40B4-BE49-F238E27FC236}">
+                <a16:creationId xmlns:a16="http://schemas.microsoft.com/office/drawing/2014/main" id="{0ADA9B42-5061-41CE-A71F-EF04E2098C5E}"/>
+              </a:ext>
+            </a:extLst>
+          </p:cNvPr>
+          <p:cNvSpPr txBox="1"/>
+          <p:nvPr/>
+        </p:nvSpPr>
+        <p:spPr>
+          <a:xfrm>
+            <a:off x="8550861" y="5070411"/>
+            <a:ext cx="533400" cy="276999"/>
+          </a:xfrm>
+          <a:prstGeom prst="rect">
+            <a:avLst/>
+          </a:prstGeom>
+          <a:noFill/>
+        </p:spPr>
+        <p:txBody>
+          <a:bodyPr wrap="square" rtlCol="0">
+            <a:spAutoFit/>
+          </a:bodyPr>
+          <a:lstStyle/>
+          <a:p>
+            <a:r>
+              <a:rPr lang="en-US" altLang="zh-TW" sz="1200" dirty="0">
+                <a:latin typeface="Times New Roman" panose="02020603050405020304" pitchFamily="18" charset="0"/>
+                <a:cs typeface="Times New Roman" panose="02020603050405020304" pitchFamily="18" charset="0"/>
+              </a:rPr>
+              <a:t>8</a:t>
+            </a:r>
+            <a:endParaRPr lang="zh-TW" altLang="en-US" sz="1200" dirty="0">
+              <a:latin typeface="Times New Roman" panose="02020603050405020304" pitchFamily="18" charset="0"/>
+              <a:cs typeface="Times New Roman" panose="02020603050405020304" pitchFamily="18" charset="0"/>
+            </a:endParaRPr>
+          </a:p>
+        </p:txBody>
+      </p:sp>
+      <p:grpSp>
+        <p:nvGrpSpPr>
+          <p:cNvPr id="48" name="群組 47">
+            <a:extLst>
+              <a:ext uri="{FF2B5EF4-FFF2-40B4-BE49-F238E27FC236}">
+                <a16:creationId xmlns:a16="http://schemas.microsoft.com/office/drawing/2014/main" id="{5765A969-B548-4EB9-892B-01E0B80C0514}"/>
+              </a:ext>
+            </a:extLst>
+          </p:cNvPr>
+          <p:cNvGrpSpPr/>
+          <p:nvPr/>
+        </p:nvGrpSpPr>
+        <p:grpSpPr>
+          <a:xfrm>
+            <a:off x="8490129" y="5524610"/>
+            <a:ext cx="1325261" cy="428617"/>
+            <a:chOff x="8490129" y="5524610"/>
+            <a:chExt cx="1325261" cy="428617"/>
+          </a:xfrm>
+        </p:grpSpPr>
+        <p:cxnSp>
+          <p:nvCxnSpPr>
+            <p:cNvPr id="260" name="直線單箭頭接點 259">
+              <a:extLst>
+                <a:ext uri="{FF2B5EF4-FFF2-40B4-BE49-F238E27FC236}">
+                  <a16:creationId xmlns:a16="http://schemas.microsoft.com/office/drawing/2014/main" id="{A55F9810-A335-4066-B205-16568FCA2F4F}"/>
+                </a:ext>
+              </a:extLst>
+            </p:cNvPr>
+            <p:cNvCxnSpPr>
+              <a:cxnSpLocks/>
+            </p:cNvCxnSpPr>
+            <p:nvPr/>
+          </p:nvCxnSpPr>
+          <p:spPr>
+            <a:xfrm flipV="1">
+              <a:off x="8490129" y="5665805"/>
+              <a:ext cx="471210" cy="1"/>
+            </a:xfrm>
+            <a:prstGeom prst="straightConnector1">
+              <a:avLst/>
+            </a:prstGeom>
+            <a:ln>
+              <a:tailEnd type="triangle"/>
+            </a:ln>
+          </p:spPr>
+          <p:style>
+            <a:lnRef idx="3">
+              <a:schemeClr val="accent1"/>
+            </a:lnRef>
+            <a:fillRef idx="0">
+              <a:schemeClr val="accent1"/>
+            </a:fillRef>
+            <a:effectRef idx="2">
+              <a:schemeClr val="accent1"/>
+            </a:effectRef>
+            <a:fontRef idx="minor">
+              <a:schemeClr val="tx1"/>
+            </a:fontRef>
+          </p:style>
+        </p:cxnSp>
+        <p:sp>
+          <p:nvSpPr>
+            <p:cNvPr id="264" name="文字方塊 263">
+              <a:extLst>
+                <a:ext uri="{FF2B5EF4-FFF2-40B4-BE49-F238E27FC236}">
+                  <a16:creationId xmlns:a16="http://schemas.microsoft.com/office/drawing/2014/main" id="{60421ECD-3903-4372-8CF4-E9C2D561D2F1}"/>
+                </a:ext>
+              </a:extLst>
+            </p:cNvPr>
+            <p:cNvSpPr txBox="1"/>
+            <p:nvPr/>
+          </p:nvSpPr>
+          <p:spPr>
+            <a:xfrm>
+              <a:off x="8543784" y="5676228"/>
+              <a:ext cx="533400" cy="276999"/>
+            </a:xfrm>
+            <a:prstGeom prst="rect">
+              <a:avLst/>
+            </a:prstGeom>
+            <a:noFill/>
+          </p:spPr>
+          <p:txBody>
+            <a:bodyPr wrap="square" rtlCol="0">
+              <a:spAutoFit/>
+            </a:bodyPr>
+            <a:lstStyle/>
+            <a:p>
+              <a:r>
+                <a:rPr lang="en-US" altLang="zh-TW" sz="1200" dirty="0">
+                  <a:latin typeface="Times New Roman" panose="02020603050405020304" pitchFamily="18" charset="0"/>
+                  <a:cs typeface="Times New Roman" panose="02020603050405020304" pitchFamily="18" charset="0"/>
+                </a:rPr>
+                <a:t>2</a:t>
+              </a:r>
+              <a:endParaRPr lang="zh-TW" altLang="en-US" sz="1200" dirty="0">
+                <a:latin typeface="Times New Roman" panose="02020603050405020304" pitchFamily="18" charset="0"/>
+                <a:cs typeface="Times New Roman" panose="02020603050405020304" pitchFamily="18" charset="0"/>
+              </a:endParaRPr>
+            </a:p>
+          </p:txBody>
+        </p:sp>
+        <p:cxnSp>
+          <p:nvCxnSpPr>
+            <p:cNvPr id="266" name="直線接點 265">
+              <a:extLst>
+                <a:ext uri="{FF2B5EF4-FFF2-40B4-BE49-F238E27FC236}">
+                  <a16:creationId xmlns:a16="http://schemas.microsoft.com/office/drawing/2014/main" id="{073AF3CC-A9E7-4B8B-95B9-D8F27C8D72C4}"/>
+                </a:ext>
+              </a:extLst>
+            </p:cNvPr>
+            <p:cNvCxnSpPr>
+              <a:cxnSpLocks/>
+            </p:cNvCxnSpPr>
+            <p:nvPr/>
+          </p:nvCxnSpPr>
+          <p:spPr>
+            <a:xfrm>
+              <a:off x="8610380" y="5575313"/>
+              <a:ext cx="107212" cy="201831"/>
+            </a:xfrm>
+            <a:prstGeom prst="line">
+              <a:avLst/>
+            </a:prstGeom>
+          </p:spPr>
+          <p:style>
+            <a:lnRef idx="3">
+              <a:schemeClr val="dk1"/>
+            </a:lnRef>
+            <a:fillRef idx="0">
+              <a:schemeClr val="dk1"/>
+            </a:fillRef>
+            <a:effectRef idx="2">
+              <a:schemeClr val="dk1"/>
+            </a:effectRef>
+            <a:fontRef idx="minor">
+              <a:schemeClr val="tx1"/>
+            </a:fontRef>
+          </p:style>
+        </p:cxnSp>
+        <p:sp>
+          <p:nvSpPr>
+            <p:cNvPr id="274" name="文字方塊 273">
+              <a:extLst>
+                <a:ext uri="{FF2B5EF4-FFF2-40B4-BE49-F238E27FC236}">
+                  <a16:creationId xmlns:a16="http://schemas.microsoft.com/office/drawing/2014/main" id="{FF6038B5-B3E5-483B-B8D8-7AE8C6DA2B81}"/>
+                </a:ext>
+              </a:extLst>
+            </p:cNvPr>
+            <p:cNvSpPr txBox="1"/>
+            <p:nvPr/>
+          </p:nvSpPr>
+          <p:spPr>
+            <a:xfrm>
+              <a:off x="8876762" y="5524610"/>
+              <a:ext cx="938628" cy="276999"/>
+            </a:xfrm>
+            <a:prstGeom prst="rect">
+              <a:avLst/>
+            </a:prstGeom>
+            <a:noFill/>
+          </p:spPr>
+          <p:txBody>
+            <a:bodyPr wrap="square" rtlCol="0">
+              <a:spAutoFit/>
+            </a:bodyPr>
+            <a:lstStyle/>
+            <a:p>
+              <a:r>
+                <a:rPr lang="en-US" altLang="zh-TW" sz="1200" dirty="0" err="1">
+                  <a:latin typeface="Times New Roman" panose="02020603050405020304" pitchFamily="18" charset="0"/>
+                  <a:cs typeface="Times New Roman" panose="02020603050405020304" pitchFamily="18" charset="0"/>
+                </a:rPr>
+                <a:t>SE_ptr</a:t>
+              </a:r>
+              <a:endParaRPr lang="zh-TW" altLang="en-US" sz="1200" dirty="0">
+                <a:latin typeface="Times New Roman" panose="02020603050405020304" pitchFamily="18" charset="0"/>
+                <a:cs typeface="Times New Roman" panose="02020603050405020304" pitchFamily="18" charset="0"/>
+              </a:endParaRPr>
+            </a:p>
+          </p:txBody>
+        </p:sp>
+      </p:grpSp>
+      <p:grpSp>
+        <p:nvGrpSpPr>
+          <p:cNvPr id="277" name="群組 276">
+            <a:extLst>
+              <a:ext uri="{FF2B5EF4-FFF2-40B4-BE49-F238E27FC236}">
+                <a16:creationId xmlns:a16="http://schemas.microsoft.com/office/drawing/2014/main" id="{69BE13B7-A38B-4A7D-99EC-D6CC32A164CC}"/>
+              </a:ext>
+            </a:extLst>
+          </p:cNvPr>
+          <p:cNvGrpSpPr/>
+          <p:nvPr/>
+        </p:nvGrpSpPr>
+        <p:grpSpPr>
+          <a:xfrm>
+            <a:off x="3614436" y="2869212"/>
+            <a:ext cx="601497" cy="930319"/>
+            <a:chOff x="2383389" y="3557589"/>
+            <a:chExt cx="258671" cy="443047"/>
+          </a:xfrm>
+        </p:grpSpPr>
+        <p:sp>
+          <p:nvSpPr>
+            <p:cNvPr id="283" name="矩形 282">
+              <a:extLst>
+                <a:ext uri="{FF2B5EF4-FFF2-40B4-BE49-F238E27FC236}">
+                  <a16:creationId xmlns:a16="http://schemas.microsoft.com/office/drawing/2014/main" id="{183C34AE-2309-443A-8383-716D7309B626}"/>
+                </a:ext>
+              </a:extLst>
+            </p:cNvPr>
+            <p:cNvSpPr/>
+            <p:nvPr/>
+          </p:nvSpPr>
+          <p:spPr>
+            <a:xfrm>
+              <a:off x="2383390" y="3557589"/>
+              <a:ext cx="258670" cy="443047"/>
+            </a:xfrm>
+            <a:prstGeom prst="rect">
+              <a:avLst/>
+            </a:prstGeom>
+          </p:spPr>
+          <p:style>
+            <a:lnRef idx="2">
+              <a:schemeClr val="accent5">
+                <a:shade val="50000"/>
+              </a:schemeClr>
+            </a:lnRef>
+            <a:fillRef idx="1">
+              <a:schemeClr val="accent5"/>
+            </a:fillRef>
+            <a:effectRef idx="0">
+              <a:schemeClr val="accent5"/>
+            </a:effectRef>
+            <a:fontRef idx="minor">
+              <a:schemeClr val="lt1"/>
+            </a:fontRef>
+          </p:style>
+          <p:txBody>
+            <a:bodyPr rtlCol="0" anchor="ctr"/>
+            <a:lstStyle/>
+            <a:p>
+              <a:endParaRPr lang="en-US" altLang="zh-TW" sz="800" dirty="0"/>
+            </a:p>
+            <a:p>
+              <a:endParaRPr lang="en-US" altLang="zh-TW" sz="800" dirty="0"/>
+            </a:p>
+            <a:p>
+              <a:endParaRPr lang="en-US" altLang="zh-TW" sz="800" dirty="0"/>
+            </a:p>
+            <a:p>
+              <a:endParaRPr lang="en-US" altLang="zh-TW" sz="800" dirty="0"/>
+            </a:p>
+            <a:p>
+              <a:r>
+                <a:rPr lang="en-US" altLang="zh-TW" sz="800" dirty="0"/>
+                <a:t>Ind</a:t>
+              </a:r>
+            </a:p>
+            <a:p>
+              <a:r>
+                <a:rPr lang="en-US" altLang="zh-TW" sz="800" dirty="0"/>
+                <a:t>Pipe</a:t>
+              </a:r>
+            </a:p>
+            <a:p>
+              <a:r>
+                <a:rPr lang="en-US" altLang="zh-TW" sz="800" dirty="0"/>
+                <a:t>DF_ADD1</a:t>
+              </a:r>
+            </a:p>
+            <a:p>
+              <a:endParaRPr lang="zh-TW" altLang="en-US" sz="800" dirty="0"/>
+            </a:p>
+            <a:p>
+              <a:pPr algn="ctr"/>
+              <a:endParaRPr lang="zh-TW" altLang="en-US" dirty="0"/>
+            </a:p>
+          </p:txBody>
+        </p:sp>
+        <p:cxnSp>
+          <p:nvCxnSpPr>
+            <p:cNvPr id="284" name="直線接點 283">
+              <a:extLst>
+                <a:ext uri="{FF2B5EF4-FFF2-40B4-BE49-F238E27FC236}">
+                  <a16:creationId xmlns:a16="http://schemas.microsoft.com/office/drawing/2014/main" id="{6F19BD89-4972-4357-B42C-6125A9F5A7A4}"/>
+                </a:ext>
+              </a:extLst>
+            </p:cNvPr>
+            <p:cNvCxnSpPr>
+              <a:cxnSpLocks/>
+            </p:cNvCxnSpPr>
+            <p:nvPr/>
+          </p:nvCxnSpPr>
+          <p:spPr>
+            <a:xfrm>
+              <a:off x="2383389" y="3557589"/>
+              <a:ext cx="136907" cy="108822"/>
+            </a:xfrm>
+            <a:prstGeom prst="line">
+              <a:avLst/>
+            </a:prstGeom>
+          </p:spPr>
+          <p:style>
+            <a:lnRef idx="3">
+              <a:schemeClr val="dk1"/>
+            </a:lnRef>
+            <a:fillRef idx="0">
+              <a:schemeClr val="dk1"/>
+            </a:fillRef>
+            <a:effectRef idx="2">
+              <a:schemeClr val="dk1"/>
+            </a:effectRef>
+            <a:fontRef idx="minor">
+              <a:schemeClr val="tx1"/>
+            </a:fontRef>
+          </p:style>
+        </p:cxnSp>
+        <p:cxnSp>
+          <p:nvCxnSpPr>
+            <p:cNvPr id="285" name="直線接點 284">
+              <a:extLst>
+                <a:ext uri="{FF2B5EF4-FFF2-40B4-BE49-F238E27FC236}">
+                  <a16:creationId xmlns:a16="http://schemas.microsoft.com/office/drawing/2014/main" id="{01531C53-9926-47A2-AB46-D387A5A394CA}"/>
+                </a:ext>
+              </a:extLst>
+            </p:cNvPr>
+            <p:cNvCxnSpPr>
+              <a:cxnSpLocks/>
+            </p:cNvCxnSpPr>
+            <p:nvPr/>
+          </p:nvCxnSpPr>
+          <p:spPr>
+            <a:xfrm flipV="1">
+              <a:off x="2525408" y="3557589"/>
+              <a:ext cx="116650" cy="106846"/>
+            </a:xfrm>
+            <a:prstGeom prst="line">
+              <a:avLst/>
+            </a:prstGeom>
+          </p:spPr>
+          <p:style>
+            <a:lnRef idx="3">
+              <a:schemeClr val="dk1"/>
+            </a:lnRef>
+            <a:fillRef idx="0">
+              <a:schemeClr val="dk1"/>
+            </a:fillRef>
+            <a:effectRef idx="2">
+              <a:schemeClr val="dk1"/>
+            </a:effectRef>
+            <a:fontRef idx="minor">
+              <a:schemeClr val="tx1"/>
+            </a:fontRef>
+          </p:style>
+        </p:cxnSp>
+      </p:grpSp>
+      <p:sp>
+        <p:nvSpPr>
+          <p:cNvPr id="287" name="箭號: 向右 286">
+            <a:extLst>
+              <a:ext uri="{FF2B5EF4-FFF2-40B4-BE49-F238E27FC236}">
+                <a16:creationId xmlns:a16="http://schemas.microsoft.com/office/drawing/2014/main" id="{D7E9DCF5-6F61-4136-8208-EF10EDC607C8}"/>
+              </a:ext>
+            </a:extLst>
+          </p:cNvPr>
+          <p:cNvSpPr/>
+          <p:nvPr/>
+        </p:nvSpPr>
+        <p:spPr>
+          <a:xfrm>
+            <a:off x="1808756" y="3081675"/>
+            <a:ext cx="1777435" cy="312535"/>
+          </a:xfrm>
+          <a:prstGeom prst="rightArrow">
+            <a:avLst/>
+          </a:prstGeom>
+        </p:spPr>
+        <p:style>
+          <a:lnRef idx="2">
+            <a:schemeClr val="accent1">
+              <a:shade val="50000"/>
+            </a:schemeClr>
+          </a:lnRef>
+          <a:fillRef idx="1">
+            <a:schemeClr val="accent1"/>
+          </a:fillRef>
+          <a:effectRef idx="0">
+            <a:schemeClr val="accent1"/>
+          </a:effectRef>
+          <a:fontRef idx="minor">
+            <a:schemeClr val="lt1"/>
+          </a:fontRef>
+        </p:style>
+        <p:txBody>
+          <a:bodyPr rtlCol="0" anchor="ctr"/>
+          <a:lstStyle/>
+          <a:p>
+            <a:pPr algn="ctr"/>
+            <a:endParaRPr lang="zh-TW" altLang="en-US"/>
+          </a:p>
+        </p:txBody>
+      </p:sp>
+      <p:sp>
+        <p:nvSpPr>
+          <p:cNvPr id="293" name="箭號: 向右 292">
+            <a:extLst>
+              <a:ext uri="{FF2B5EF4-FFF2-40B4-BE49-F238E27FC236}">
+                <a16:creationId xmlns:a16="http://schemas.microsoft.com/office/drawing/2014/main" id="{A6800042-0210-4771-B91B-EEE4D174105C}"/>
+              </a:ext>
+            </a:extLst>
+          </p:cNvPr>
+          <p:cNvSpPr/>
+          <p:nvPr/>
+        </p:nvSpPr>
+        <p:spPr>
+          <a:xfrm>
+            <a:off x="4218742" y="3050395"/>
+            <a:ext cx="2279804" cy="312535"/>
+          </a:xfrm>
+          <a:prstGeom prst="rightArrow">
+            <a:avLst/>
+          </a:prstGeom>
+        </p:spPr>
+        <p:style>
+          <a:lnRef idx="2">
+            <a:schemeClr val="accent1">
+              <a:shade val="50000"/>
+            </a:schemeClr>
+          </a:lnRef>
+          <a:fillRef idx="1">
+            <a:schemeClr val="accent1"/>
+          </a:fillRef>
+          <a:effectRef idx="0">
+            <a:schemeClr val="accent1"/>
+          </a:effectRef>
+          <a:fontRef idx="minor">
+            <a:schemeClr val="lt1"/>
+          </a:fontRef>
+        </p:style>
+        <p:txBody>
+          <a:bodyPr rtlCol="0" anchor="ctr"/>
+          <a:lstStyle/>
+          <a:p>
+            <a:pPr algn="ctr"/>
+            <a:endParaRPr lang="zh-TW" altLang="en-US"/>
+          </a:p>
+        </p:txBody>
+      </p:sp>
+      <p:sp>
+        <p:nvSpPr>
+          <p:cNvPr id="294" name="箭號: 向右 293">
+            <a:extLst>
+              <a:ext uri="{FF2B5EF4-FFF2-40B4-BE49-F238E27FC236}">
+                <a16:creationId xmlns:a16="http://schemas.microsoft.com/office/drawing/2014/main" id="{5ACC1E2E-83A4-4672-890A-7BCB871F3B0A}"/>
+              </a:ext>
+            </a:extLst>
+          </p:cNvPr>
+          <p:cNvSpPr/>
+          <p:nvPr/>
+        </p:nvSpPr>
+        <p:spPr>
+          <a:xfrm>
+            <a:off x="7042848" y="3031322"/>
+            <a:ext cx="3072702" cy="312535"/>
+          </a:xfrm>
+          <a:prstGeom prst="rightArrow">
+            <a:avLst/>
+          </a:prstGeom>
+        </p:spPr>
+        <p:style>
+          <a:lnRef idx="2">
+            <a:schemeClr val="accent1">
+              <a:shade val="50000"/>
+            </a:schemeClr>
+          </a:lnRef>
+          <a:fillRef idx="1">
+            <a:schemeClr val="accent1"/>
+          </a:fillRef>
+          <a:effectRef idx="0">
+            <a:schemeClr val="accent1"/>
+          </a:effectRef>
+          <a:fontRef idx="minor">
+            <a:schemeClr val="lt1"/>
+          </a:fontRef>
+        </p:style>
+        <p:txBody>
+          <a:bodyPr rtlCol="0" anchor="ctr"/>
+          <a:lstStyle/>
+          <a:p>
+            <a:pPr algn="ctr"/>
+            <a:endParaRPr lang="zh-TW" altLang="en-US"/>
+          </a:p>
+        </p:txBody>
+      </p:sp>
+      <p:grpSp>
+        <p:nvGrpSpPr>
+          <p:cNvPr id="302" name="群組 301">
+            <a:extLst>
+              <a:ext uri="{FF2B5EF4-FFF2-40B4-BE49-F238E27FC236}">
+                <a16:creationId xmlns:a16="http://schemas.microsoft.com/office/drawing/2014/main" id="{68909A67-0728-48BC-9A22-8E1DA6658B59}"/>
+              </a:ext>
+            </a:extLst>
+          </p:cNvPr>
+          <p:cNvGrpSpPr/>
+          <p:nvPr/>
+        </p:nvGrpSpPr>
+        <p:grpSpPr>
+          <a:xfrm>
+            <a:off x="10135616" y="2804218"/>
+            <a:ext cx="526192" cy="1128569"/>
+            <a:chOff x="2383389" y="3557589"/>
+            <a:chExt cx="258671" cy="537460"/>
+          </a:xfrm>
+        </p:grpSpPr>
+        <p:sp>
+          <p:nvSpPr>
+            <p:cNvPr id="303" name="矩形 302">
+              <a:extLst>
+                <a:ext uri="{FF2B5EF4-FFF2-40B4-BE49-F238E27FC236}">
+                  <a16:creationId xmlns:a16="http://schemas.microsoft.com/office/drawing/2014/main" id="{78785524-30C3-452B-AA43-768DEBAF4BD7}"/>
+                </a:ext>
+              </a:extLst>
+            </p:cNvPr>
+            <p:cNvSpPr/>
+            <p:nvPr/>
+          </p:nvSpPr>
+          <p:spPr>
+            <a:xfrm>
+              <a:off x="2383390" y="3557589"/>
+              <a:ext cx="258670" cy="537460"/>
+            </a:xfrm>
+            <a:prstGeom prst="rect">
+              <a:avLst/>
+            </a:prstGeom>
+          </p:spPr>
+          <p:style>
+            <a:lnRef idx="2">
+              <a:schemeClr val="accent2">
+                <a:shade val="50000"/>
+              </a:schemeClr>
+            </a:lnRef>
+            <a:fillRef idx="1">
+              <a:schemeClr val="accent2"/>
+            </a:fillRef>
+            <a:effectRef idx="0">
+              <a:schemeClr val="accent2"/>
+            </a:effectRef>
+            <a:fontRef idx="minor">
+              <a:schemeClr val="lt1"/>
+            </a:fontRef>
+          </p:style>
+          <p:txBody>
+            <a:bodyPr rtlCol="0" anchor="ctr"/>
+            <a:lstStyle/>
+            <a:p>
+              <a:endParaRPr lang="en-US" altLang="zh-TW" sz="800" dirty="0"/>
+            </a:p>
+            <a:p>
+              <a:endParaRPr lang="en-US" altLang="zh-TW" sz="800" dirty="0"/>
+            </a:p>
+            <a:p>
+              <a:endParaRPr lang="en-US" altLang="zh-TW" sz="800" dirty="0"/>
+            </a:p>
+            <a:p>
+              <a:endParaRPr lang="en-US" altLang="zh-TW" sz="800" dirty="0"/>
+            </a:p>
+            <a:p>
+              <a:r>
+                <a:rPr lang="en-US" altLang="zh-TW" sz="800" dirty="0"/>
+                <a:t>Ind</a:t>
+              </a:r>
+            </a:p>
+            <a:p>
+              <a:r>
+                <a:rPr lang="en-US" altLang="zh-TW" sz="800" dirty="0"/>
+                <a:t>Pipe</a:t>
+              </a:r>
+            </a:p>
+            <a:p>
+              <a:r>
+                <a:rPr lang="en-US" altLang="zh-TW" sz="800" dirty="0"/>
+                <a:t>DF_ADD1</a:t>
+              </a:r>
+            </a:p>
+            <a:p>
+              <a:endParaRPr lang="zh-TW" altLang="en-US" sz="800" dirty="0"/>
+            </a:p>
+            <a:p>
+              <a:pPr algn="ctr"/>
+              <a:endParaRPr lang="zh-TW" altLang="en-US" dirty="0"/>
+            </a:p>
+          </p:txBody>
+        </p:sp>
+        <p:cxnSp>
+          <p:nvCxnSpPr>
+            <p:cNvPr id="304" name="直線接點 303">
+              <a:extLst>
+                <a:ext uri="{FF2B5EF4-FFF2-40B4-BE49-F238E27FC236}">
+                  <a16:creationId xmlns:a16="http://schemas.microsoft.com/office/drawing/2014/main" id="{5FD3277E-7695-49BC-BE1C-4F1BA1821588}"/>
+                </a:ext>
+              </a:extLst>
+            </p:cNvPr>
+            <p:cNvCxnSpPr>
+              <a:cxnSpLocks/>
+            </p:cNvCxnSpPr>
+            <p:nvPr/>
+          </p:nvCxnSpPr>
+          <p:spPr>
+            <a:xfrm>
+              <a:off x="2383389" y="3557589"/>
+              <a:ext cx="136907" cy="108822"/>
+            </a:xfrm>
+            <a:prstGeom prst="line">
+              <a:avLst/>
+            </a:prstGeom>
+          </p:spPr>
+          <p:style>
+            <a:lnRef idx="2">
+              <a:schemeClr val="accent2">
+                <a:shade val="50000"/>
+              </a:schemeClr>
+            </a:lnRef>
+            <a:fillRef idx="1">
+              <a:schemeClr val="accent2"/>
+            </a:fillRef>
+            <a:effectRef idx="0">
+              <a:schemeClr val="accent2"/>
+            </a:effectRef>
+            <a:fontRef idx="minor">
+              <a:schemeClr val="lt1"/>
+            </a:fontRef>
+          </p:style>
+        </p:cxnSp>
+        <p:cxnSp>
+          <p:nvCxnSpPr>
+            <p:cNvPr id="309" name="直線接點 308">
+              <a:extLst>
+                <a:ext uri="{FF2B5EF4-FFF2-40B4-BE49-F238E27FC236}">
+                  <a16:creationId xmlns:a16="http://schemas.microsoft.com/office/drawing/2014/main" id="{6FD147DD-3E03-4D4C-A564-58F2FFB82B7C}"/>
+                </a:ext>
+              </a:extLst>
+            </p:cNvPr>
+            <p:cNvCxnSpPr>
+              <a:cxnSpLocks/>
+            </p:cNvCxnSpPr>
+            <p:nvPr/>
+          </p:nvCxnSpPr>
+          <p:spPr>
+            <a:xfrm flipV="1">
+              <a:off x="2525408" y="3557589"/>
+              <a:ext cx="116650" cy="106846"/>
+            </a:xfrm>
+            <a:prstGeom prst="line">
+              <a:avLst/>
+            </a:prstGeom>
+          </p:spPr>
+          <p:style>
+            <a:lnRef idx="2">
+              <a:schemeClr val="accent2">
+                <a:shade val="50000"/>
+              </a:schemeClr>
+            </a:lnRef>
+            <a:fillRef idx="1">
+              <a:schemeClr val="accent2"/>
+            </a:fillRef>
+            <a:effectRef idx="0">
+              <a:schemeClr val="accent2"/>
+            </a:effectRef>
+            <a:fontRef idx="minor">
+              <a:schemeClr val="lt1"/>
+            </a:fontRef>
+          </p:style>
+        </p:cxnSp>
+      </p:grpSp>
+      <p:sp>
+        <p:nvSpPr>
+          <p:cNvPr id="310" name="箭號: 向右 309">
+            <a:extLst>
+              <a:ext uri="{FF2B5EF4-FFF2-40B4-BE49-F238E27FC236}">
+                <a16:creationId xmlns:a16="http://schemas.microsoft.com/office/drawing/2014/main" id="{4C425821-E93B-4693-882B-28ECD9AF3B12}"/>
+              </a:ext>
+            </a:extLst>
+          </p:cNvPr>
+          <p:cNvSpPr/>
+          <p:nvPr/>
+        </p:nvSpPr>
+        <p:spPr>
+          <a:xfrm>
+            <a:off x="10687933" y="3033332"/>
+            <a:ext cx="1027817" cy="312535"/>
+          </a:xfrm>
+          <a:prstGeom prst="rightArrow">
+            <a:avLst/>
+          </a:prstGeom>
+        </p:spPr>
+        <p:style>
+          <a:lnRef idx="2">
+            <a:schemeClr val="accent2">
+              <a:shade val="50000"/>
+            </a:schemeClr>
+          </a:lnRef>
+          <a:fillRef idx="1">
+            <a:schemeClr val="accent2"/>
+          </a:fillRef>
+          <a:effectRef idx="0">
+            <a:schemeClr val="accent2"/>
+          </a:effectRef>
+          <a:fontRef idx="minor">
+            <a:schemeClr val="lt1"/>
+          </a:fontRef>
+        </p:style>
+        <p:txBody>
+          <a:bodyPr rtlCol="0" anchor="ctr"/>
+          <a:lstStyle/>
+          <a:p>
+            <a:pPr algn="ctr"/>
+            <a:endParaRPr lang="zh-TW" altLang="en-US"/>
+          </a:p>
+        </p:txBody>
+      </p:sp>
+      <p:grpSp>
+        <p:nvGrpSpPr>
+          <p:cNvPr id="317" name="群組 316">
+            <a:extLst>
+              <a:ext uri="{FF2B5EF4-FFF2-40B4-BE49-F238E27FC236}">
+                <a16:creationId xmlns:a16="http://schemas.microsoft.com/office/drawing/2014/main" id="{E6E78F5F-1E36-480F-B45B-76A084CB6AA0}"/>
+              </a:ext>
+            </a:extLst>
+          </p:cNvPr>
+          <p:cNvGrpSpPr/>
+          <p:nvPr/>
+        </p:nvGrpSpPr>
+        <p:grpSpPr>
+          <a:xfrm>
+            <a:off x="5066918" y="2729195"/>
+            <a:ext cx="533400" cy="783248"/>
+            <a:chOff x="1187830" y="2706527"/>
+            <a:chExt cx="533400" cy="783248"/>
+          </a:xfrm>
+        </p:grpSpPr>
+        <p:cxnSp>
+          <p:nvCxnSpPr>
+            <p:cNvPr id="319" name="直線接點 318">
+              <a:extLst>
+                <a:ext uri="{FF2B5EF4-FFF2-40B4-BE49-F238E27FC236}">
+                  <a16:creationId xmlns:a16="http://schemas.microsoft.com/office/drawing/2014/main" id="{4EA59186-3849-426A-BE9D-B95E70214131}"/>
+                </a:ext>
+              </a:extLst>
+            </p:cNvPr>
+            <p:cNvCxnSpPr>
+              <a:cxnSpLocks/>
+            </p:cNvCxnSpPr>
+            <p:nvPr/>
+          </p:nvCxnSpPr>
+          <p:spPr>
+            <a:xfrm>
+              <a:off x="1375260" y="2923109"/>
+              <a:ext cx="172795" cy="566666"/>
+            </a:xfrm>
+            <a:prstGeom prst="line">
+              <a:avLst/>
+            </a:prstGeom>
+          </p:spPr>
+          <p:style>
+            <a:lnRef idx="3">
+              <a:schemeClr val="dk1"/>
+            </a:lnRef>
+            <a:fillRef idx="0">
+              <a:schemeClr val="dk1"/>
+            </a:fillRef>
+            <a:effectRef idx="2">
+              <a:schemeClr val="dk1"/>
+            </a:effectRef>
+            <a:fontRef idx="minor">
+              <a:schemeClr val="tx1"/>
+            </a:fontRef>
+          </p:style>
+        </p:cxnSp>
+        <p:sp>
+          <p:nvSpPr>
+            <p:cNvPr id="323" name="文字方塊 322">
+              <a:extLst>
+                <a:ext uri="{FF2B5EF4-FFF2-40B4-BE49-F238E27FC236}">
+                  <a16:creationId xmlns:a16="http://schemas.microsoft.com/office/drawing/2014/main" id="{F5D35874-CEC0-4BFD-84F7-61F9A55669BC}"/>
+                </a:ext>
+              </a:extLst>
+            </p:cNvPr>
+            <p:cNvSpPr txBox="1"/>
+            <p:nvPr/>
+          </p:nvSpPr>
+          <p:spPr>
+            <a:xfrm>
+              <a:off x="1187830" y="2706527"/>
+              <a:ext cx="533400" cy="276999"/>
+            </a:xfrm>
+            <a:prstGeom prst="rect">
+              <a:avLst/>
+            </a:prstGeom>
+            <a:noFill/>
+          </p:spPr>
+          <p:txBody>
+            <a:bodyPr wrap="square" rtlCol="0">
+              <a:spAutoFit/>
+            </a:bodyPr>
+            <a:lstStyle/>
+            <a:p>
+              <a:r>
+                <a:rPr lang="en-US" altLang="zh-TW" sz="1200" dirty="0">
+                  <a:latin typeface="Times New Roman" panose="02020603050405020304" pitchFamily="18" charset="0"/>
+                  <a:cs typeface="Times New Roman" panose="02020603050405020304" pitchFamily="18" charset="0"/>
+                </a:rPr>
+                <a:t>11x2</a:t>
+              </a:r>
+              <a:endParaRPr lang="zh-TW" altLang="en-US" sz="1200" dirty="0">
+                <a:latin typeface="Times New Roman" panose="02020603050405020304" pitchFamily="18" charset="0"/>
+                <a:cs typeface="Times New Roman" panose="02020603050405020304" pitchFamily="18" charset="0"/>
+              </a:endParaRPr>
+            </a:p>
+          </p:txBody>
+        </p:sp>
+      </p:grpSp>
+      <p:grpSp>
+        <p:nvGrpSpPr>
+          <p:cNvPr id="326" name="群組 325">
+            <a:extLst>
+              <a:ext uri="{FF2B5EF4-FFF2-40B4-BE49-F238E27FC236}">
+                <a16:creationId xmlns:a16="http://schemas.microsoft.com/office/drawing/2014/main" id="{83B2472D-7B46-4265-80B9-A87071990D40}"/>
+              </a:ext>
+            </a:extLst>
+          </p:cNvPr>
+          <p:cNvGrpSpPr/>
+          <p:nvPr/>
+        </p:nvGrpSpPr>
+        <p:grpSpPr>
+          <a:xfrm>
+            <a:off x="8281112" y="2723101"/>
+            <a:ext cx="533400" cy="783248"/>
+            <a:chOff x="1187830" y="2706527"/>
+            <a:chExt cx="533400" cy="783248"/>
+          </a:xfrm>
+        </p:grpSpPr>
+        <p:cxnSp>
+          <p:nvCxnSpPr>
+            <p:cNvPr id="329" name="直線接點 328">
+              <a:extLst>
+                <a:ext uri="{FF2B5EF4-FFF2-40B4-BE49-F238E27FC236}">
+                  <a16:creationId xmlns:a16="http://schemas.microsoft.com/office/drawing/2014/main" id="{3C1B0FF9-5D2E-4C62-A9BE-C08EA7B90396}"/>
+                </a:ext>
+              </a:extLst>
+            </p:cNvPr>
+            <p:cNvCxnSpPr>
+              <a:cxnSpLocks/>
+            </p:cNvCxnSpPr>
+            <p:nvPr/>
+          </p:nvCxnSpPr>
+          <p:spPr>
+            <a:xfrm>
+              <a:off x="1375260" y="2923109"/>
+              <a:ext cx="172795" cy="566666"/>
+            </a:xfrm>
+            <a:prstGeom prst="line">
+              <a:avLst/>
+            </a:prstGeom>
+          </p:spPr>
+          <p:style>
+            <a:lnRef idx="3">
+              <a:schemeClr val="dk1"/>
+            </a:lnRef>
+            <a:fillRef idx="0">
+              <a:schemeClr val="dk1"/>
+            </a:fillRef>
+            <a:effectRef idx="2">
+              <a:schemeClr val="dk1"/>
+            </a:effectRef>
+            <a:fontRef idx="minor">
+              <a:schemeClr val="tx1"/>
+            </a:fontRef>
+          </p:style>
+        </p:cxnSp>
+        <p:sp>
+          <p:nvSpPr>
+            <p:cNvPr id="334" name="文字方塊 333">
+              <a:extLst>
+                <a:ext uri="{FF2B5EF4-FFF2-40B4-BE49-F238E27FC236}">
+                  <a16:creationId xmlns:a16="http://schemas.microsoft.com/office/drawing/2014/main" id="{5AFDC160-377E-47E2-B2C2-9A08C21D62C1}"/>
+                </a:ext>
+              </a:extLst>
+            </p:cNvPr>
+            <p:cNvSpPr txBox="1"/>
+            <p:nvPr/>
+          </p:nvSpPr>
+          <p:spPr>
+            <a:xfrm>
+              <a:off x="1187830" y="2706527"/>
+              <a:ext cx="533400" cy="276999"/>
+            </a:xfrm>
+            <a:prstGeom prst="rect">
+              <a:avLst/>
+            </a:prstGeom>
+            <a:noFill/>
+          </p:spPr>
+          <p:txBody>
+            <a:bodyPr wrap="square" rtlCol="0">
+              <a:spAutoFit/>
+            </a:bodyPr>
+            <a:lstStyle/>
+            <a:p>
+              <a:r>
+                <a:rPr lang="en-US" altLang="zh-TW" sz="1200" dirty="0">
+                  <a:latin typeface="Times New Roman" panose="02020603050405020304" pitchFamily="18" charset="0"/>
+                  <a:cs typeface="Times New Roman" panose="02020603050405020304" pitchFamily="18" charset="0"/>
+                </a:rPr>
+                <a:t>11x2</a:t>
+              </a:r>
+              <a:endParaRPr lang="zh-TW" altLang="en-US" sz="1200" dirty="0">
+                <a:latin typeface="Times New Roman" panose="02020603050405020304" pitchFamily="18" charset="0"/>
+                <a:cs typeface="Times New Roman" panose="02020603050405020304" pitchFamily="18" charset="0"/>
+              </a:endParaRPr>
+            </a:p>
+          </p:txBody>
+        </p:sp>
+      </p:grpSp>
+      <p:grpSp>
+        <p:nvGrpSpPr>
+          <p:cNvPr id="335" name="群組 334">
+            <a:extLst>
+              <a:ext uri="{FF2B5EF4-FFF2-40B4-BE49-F238E27FC236}">
+                <a16:creationId xmlns:a16="http://schemas.microsoft.com/office/drawing/2014/main" id="{878119EA-8716-45F1-B4B0-C4DE80025465}"/>
+              </a:ext>
+            </a:extLst>
+          </p:cNvPr>
+          <p:cNvGrpSpPr/>
+          <p:nvPr/>
+        </p:nvGrpSpPr>
+        <p:grpSpPr>
+          <a:xfrm>
+            <a:off x="10866106" y="2690051"/>
+            <a:ext cx="533400" cy="783248"/>
+            <a:chOff x="1187830" y="2706527"/>
+            <a:chExt cx="533400" cy="783248"/>
+          </a:xfrm>
+        </p:grpSpPr>
+        <p:cxnSp>
+          <p:nvCxnSpPr>
+            <p:cNvPr id="336" name="直線接點 335">
+              <a:extLst>
+                <a:ext uri="{FF2B5EF4-FFF2-40B4-BE49-F238E27FC236}">
+                  <a16:creationId xmlns:a16="http://schemas.microsoft.com/office/drawing/2014/main" id="{49C103E2-D24E-4D2D-A0FA-7732804E3150}"/>
+                </a:ext>
+              </a:extLst>
+            </p:cNvPr>
+            <p:cNvCxnSpPr>
+              <a:cxnSpLocks/>
+            </p:cNvCxnSpPr>
+            <p:nvPr/>
+          </p:nvCxnSpPr>
+          <p:spPr>
+            <a:xfrm>
+              <a:off x="1375260" y="2923109"/>
+              <a:ext cx="172795" cy="566666"/>
+            </a:xfrm>
+            <a:prstGeom prst="line">
+              <a:avLst/>
+            </a:prstGeom>
+          </p:spPr>
+          <p:style>
+            <a:lnRef idx="3">
+              <a:schemeClr val="dk1"/>
+            </a:lnRef>
+            <a:fillRef idx="0">
+              <a:schemeClr val="dk1"/>
+            </a:fillRef>
+            <a:effectRef idx="2">
+              <a:schemeClr val="dk1"/>
+            </a:effectRef>
+            <a:fontRef idx="minor">
+              <a:schemeClr val="tx1"/>
+            </a:fontRef>
+          </p:style>
+        </p:cxnSp>
+        <p:sp>
+          <p:nvSpPr>
+            <p:cNvPr id="342" name="文字方塊 341">
+              <a:extLst>
+                <a:ext uri="{FF2B5EF4-FFF2-40B4-BE49-F238E27FC236}">
+                  <a16:creationId xmlns:a16="http://schemas.microsoft.com/office/drawing/2014/main" id="{548C247A-DBC1-4A48-BB29-6F4AC21439C8}"/>
+                </a:ext>
+              </a:extLst>
+            </p:cNvPr>
+            <p:cNvSpPr txBox="1"/>
+            <p:nvPr/>
+          </p:nvSpPr>
+          <p:spPr>
+            <a:xfrm>
+              <a:off x="1187830" y="2706527"/>
+              <a:ext cx="533400" cy="276999"/>
+            </a:xfrm>
+            <a:prstGeom prst="rect">
+              <a:avLst/>
+            </a:prstGeom>
+            <a:noFill/>
+          </p:spPr>
+          <p:txBody>
+            <a:bodyPr wrap="square" rtlCol="0">
+              <a:spAutoFit/>
+            </a:bodyPr>
+            <a:lstStyle/>
+            <a:p>
+              <a:r>
+                <a:rPr lang="en-US" altLang="zh-TW" sz="1200" dirty="0">
+                  <a:latin typeface="Times New Roman" panose="02020603050405020304" pitchFamily="18" charset="0"/>
+                  <a:cs typeface="Times New Roman" panose="02020603050405020304" pitchFamily="18" charset="0"/>
+                </a:rPr>
+                <a:t>11x2</a:t>
+              </a:r>
+              <a:endParaRPr lang="zh-TW" altLang="en-US" sz="1200" dirty="0">
+                <a:latin typeface="Times New Roman" panose="02020603050405020304" pitchFamily="18" charset="0"/>
+                <a:cs typeface="Times New Roman" panose="02020603050405020304" pitchFamily="18" charset="0"/>
+              </a:endParaRPr>
+            </a:p>
+          </p:txBody>
+        </p:sp>
+      </p:grpSp>
+      <p:sp>
+        <p:nvSpPr>
+          <p:cNvPr id="343" name="文字方塊 342">
+            <a:extLst>
+              <a:ext uri="{FF2B5EF4-FFF2-40B4-BE49-F238E27FC236}">
+                <a16:creationId xmlns:a16="http://schemas.microsoft.com/office/drawing/2014/main" id="{C92A3FE3-D8FB-4105-BC9A-29B0BB0B4C09}"/>
+              </a:ext>
+            </a:extLst>
+          </p:cNvPr>
+          <p:cNvSpPr txBox="1"/>
+          <p:nvPr/>
+        </p:nvSpPr>
+        <p:spPr>
+          <a:xfrm>
+            <a:off x="4256252" y="3251516"/>
+            <a:ext cx="1425079" cy="276999"/>
+          </a:xfrm>
+          <a:prstGeom prst="rect">
+            <a:avLst/>
+          </a:prstGeom>
+          <a:noFill/>
+        </p:spPr>
+        <p:txBody>
+          <a:bodyPr wrap="square" rtlCol="0">
+            <a:spAutoFit/>
+          </a:bodyPr>
+          <a:lstStyle/>
+          <a:p>
+            <a:r>
+              <a:rPr lang="en-US" altLang="zh-TW" sz="1200" dirty="0">
+                <a:latin typeface="Times New Roman" panose="02020603050405020304" pitchFamily="18" charset="0"/>
+                <a:cs typeface="Times New Roman" panose="02020603050405020304" pitchFamily="18" charset="0"/>
+              </a:rPr>
+              <a:t>Ind_vec_ADD1</a:t>
+            </a:r>
+            <a:endParaRPr lang="zh-TW" altLang="en-US" sz="1200" dirty="0">
+              <a:latin typeface="Times New Roman" panose="02020603050405020304" pitchFamily="18" charset="0"/>
+              <a:cs typeface="Times New Roman" panose="02020603050405020304" pitchFamily="18" charset="0"/>
+            </a:endParaRPr>
+          </a:p>
+        </p:txBody>
+      </p:sp>
+      <p:sp>
+        <p:nvSpPr>
+          <p:cNvPr id="349" name="文字方塊 348">
+            <a:extLst>
+              <a:ext uri="{FF2B5EF4-FFF2-40B4-BE49-F238E27FC236}">
+                <a16:creationId xmlns:a16="http://schemas.microsoft.com/office/drawing/2014/main" id="{A1A7B2CB-43A4-4B56-9DA4-22F018702A43}"/>
+              </a:ext>
+            </a:extLst>
+          </p:cNvPr>
+          <p:cNvSpPr txBox="1"/>
+          <p:nvPr/>
+        </p:nvSpPr>
+        <p:spPr>
+          <a:xfrm>
+            <a:off x="7250859" y="3258788"/>
+            <a:ext cx="1425079" cy="276999"/>
+          </a:xfrm>
+          <a:prstGeom prst="rect">
+            <a:avLst/>
+          </a:prstGeom>
+          <a:noFill/>
+        </p:spPr>
+        <p:txBody>
+          <a:bodyPr wrap="square" rtlCol="0">
+            <a:spAutoFit/>
+          </a:bodyPr>
+          <a:lstStyle/>
+          <a:p>
+            <a:r>
+              <a:rPr lang="en-US" altLang="zh-TW" sz="1200" dirty="0">
+                <a:latin typeface="Times New Roman" panose="02020603050405020304" pitchFamily="18" charset="0"/>
+                <a:cs typeface="Times New Roman" panose="02020603050405020304" pitchFamily="18" charset="0"/>
+              </a:rPr>
+              <a:t>Ind_vec_ADD2</a:t>
+            </a:r>
+            <a:endParaRPr lang="zh-TW" altLang="en-US" sz="1200" dirty="0">
+              <a:latin typeface="Times New Roman" panose="02020603050405020304" pitchFamily="18" charset="0"/>
+              <a:cs typeface="Times New Roman" panose="02020603050405020304" pitchFamily="18" charset="0"/>
+            </a:endParaRPr>
+          </a:p>
+        </p:txBody>
+      </p:sp>
+      <p:sp>
+        <p:nvSpPr>
+          <p:cNvPr id="352" name="文字方塊 351">
+            <a:extLst>
+              <a:ext uri="{FF2B5EF4-FFF2-40B4-BE49-F238E27FC236}">
+                <a16:creationId xmlns:a16="http://schemas.microsoft.com/office/drawing/2014/main" id="{488E6EBB-DDDE-4602-88F2-D5E7EFA92064}"/>
+              </a:ext>
+            </a:extLst>
+          </p:cNvPr>
+          <p:cNvSpPr txBox="1"/>
+          <p:nvPr/>
+        </p:nvSpPr>
+        <p:spPr>
+          <a:xfrm>
+            <a:off x="10594645" y="3378366"/>
+            <a:ext cx="1425079" cy="276999"/>
+          </a:xfrm>
+          <a:prstGeom prst="rect">
+            <a:avLst/>
+          </a:prstGeom>
+          <a:noFill/>
+        </p:spPr>
+        <p:txBody>
+          <a:bodyPr wrap="square" rtlCol="0">
+            <a:spAutoFit/>
+          </a:bodyPr>
+          <a:lstStyle/>
+          <a:p>
+            <a:r>
+              <a:rPr lang="en-US" altLang="zh-TW" sz="1200" dirty="0" err="1">
+                <a:latin typeface="Times New Roman" panose="02020603050405020304" pitchFamily="18" charset="0"/>
+                <a:cs typeface="Times New Roman" panose="02020603050405020304" pitchFamily="18" charset="0"/>
+              </a:rPr>
+              <a:t>Ind_vec_o</a:t>
+            </a:r>
+            <a:endParaRPr lang="zh-TW" altLang="en-US" sz="1200" dirty="0">
+              <a:latin typeface="Times New Roman" panose="02020603050405020304" pitchFamily="18" charset="0"/>
+              <a:cs typeface="Times New Roman" panose="02020603050405020304" pitchFamily="18" charset="0"/>
+            </a:endParaRPr>
+          </a:p>
+        </p:txBody>
+      </p:sp>
+      <p:grpSp>
+        <p:nvGrpSpPr>
+          <p:cNvPr id="353" name="群組 352">
+            <a:extLst>
+              <a:ext uri="{FF2B5EF4-FFF2-40B4-BE49-F238E27FC236}">
+                <a16:creationId xmlns:a16="http://schemas.microsoft.com/office/drawing/2014/main" id="{7388EC3D-028D-4DF0-8E48-4E9B5B41000A}"/>
+              </a:ext>
+            </a:extLst>
+          </p:cNvPr>
+          <p:cNvGrpSpPr/>
+          <p:nvPr/>
+        </p:nvGrpSpPr>
+        <p:grpSpPr>
+          <a:xfrm rot="10800000">
+            <a:off x="1725815" y="3321339"/>
+            <a:ext cx="1618213" cy="639473"/>
+            <a:chOff x="7260803" y="4546315"/>
+            <a:chExt cx="1618213" cy="639473"/>
+          </a:xfrm>
+        </p:grpSpPr>
+        <p:cxnSp>
+          <p:nvCxnSpPr>
+            <p:cNvPr id="356" name="直線單箭頭接點 355">
+              <a:extLst>
+                <a:ext uri="{FF2B5EF4-FFF2-40B4-BE49-F238E27FC236}">
+                  <a16:creationId xmlns:a16="http://schemas.microsoft.com/office/drawing/2014/main" id="{1885944C-5A4F-4F0D-BA36-FF292284983A}"/>
+                </a:ext>
+              </a:extLst>
+            </p:cNvPr>
+            <p:cNvCxnSpPr>
+              <a:cxnSpLocks/>
+            </p:cNvCxnSpPr>
+            <p:nvPr/>
+          </p:nvCxnSpPr>
+          <p:spPr>
+            <a:xfrm flipV="1">
+              <a:off x="8155039" y="4554680"/>
+              <a:ext cx="0" cy="395685"/>
+            </a:xfrm>
+            <a:prstGeom prst="straightConnector1">
+              <a:avLst/>
+            </a:prstGeom>
+            <a:ln>
+              <a:tailEnd type="triangle"/>
+            </a:ln>
+          </p:spPr>
+          <p:style>
+            <a:lnRef idx="3">
+              <a:schemeClr val="accent1"/>
+            </a:lnRef>
+            <a:fillRef idx="0">
+              <a:schemeClr val="accent1"/>
+            </a:fillRef>
+            <a:effectRef idx="2">
+              <a:schemeClr val="accent1"/>
+            </a:effectRef>
+            <a:fontRef idx="minor">
+              <a:schemeClr val="tx1"/>
+            </a:fontRef>
+          </p:style>
+        </p:cxnSp>
+        <p:cxnSp>
+          <p:nvCxnSpPr>
+            <p:cNvPr id="357" name="直線單箭頭接點 356">
+              <a:extLst>
+                <a:ext uri="{FF2B5EF4-FFF2-40B4-BE49-F238E27FC236}">
+                  <a16:creationId xmlns:a16="http://schemas.microsoft.com/office/drawing/2014/main" id="{F67F7705-ACEF-4DB0-A5FC-949CB3AD299C}"/>
+                </a:ext>
+              </a:extLst>
+            </p:cNvPr>
+            <p:cNvCxnSpPr>
+              <a:cxnSpLocks/>
+            </p:cNvCxnSpPr>
+            <p:nvPr/>
+          </p:nvCxnSpPr>
+          <p:spPr>
+            <a:xfrm flipV="1">
+              <a:off x="8409039" y="4553749"/>
+              <a:ext cx="0" cy="396616"/>
+            </a:xfrm>
+            <a:prstGeom prst="straightConnector1">
+              <a:avLst/>
+            </a:prstGeom>
+            <a:ln>
+              <a:tailEnd type="triangle"/>
+            </a:ln>
+          </p:spPr>
+          <p:style>
+            <a:lnRef idx="3">
+              <a:schemeClr val="accent1"/>
+            </a:lnRef>
+            <a:fillRef idx="0">
+              <a:schemeClr val="accent1"/>
+            </a:fillRef>
+            <a:effectRef idx="2">
+              <a:schemeClr val="accent1"/>
+            </a:effectRef>
+            <a:fontRef idx="minor">
+              <a:schemeClr val="tx1"/>
+            </a:fontRef>
+          </p:style>
+        </p:cxnSp>
+        <p:sp>
+          <p:nvSpPr>
+            <p:cNvPr id="359" name="文字方塊 358">
+              <a:extLst>
+                <a:ext uri="{FF2B5EF4-FFF2-40B4-BE49-F238E27FC236}">
+                  <a16:creationId xmlns:a16="http://schemas.microsoft.com/office/drawing/2014/main" id="{9CCAF16C-BCB5-4CCE-9518-C7109C8FFA5C}"/>
+                </a:ext>
+              </a:extLst>
+            </p:cNvPr>
+            <p:cNvSpPr txBox="1"/>
+            <p:nvPr/>
+          </p:nvSpPr>
+          <p:spPr>
+            <a:xfrm rot="10800000">
+              <a:off x="7260803" y="4675380"/>
+              <a:ext cx="938628" cy="276999"/>
+            </a:xfrm>
+            <a:prstGeom prst="rect">
+              <a:avLst/>
+            </a:prstGeom>
+            <a:noFill/>
+          </p:spPr>
+          <p:txBody>
+            <a:bodyPr wrap="square" rtlCol="0">
+              <a:spAutoFit/>
+            </a:bodyPr>
+            <a:lstStyle/>
+            <a:p>
+              <a:r>
+                <a:rPr lang="en-US" altLang="zh-TW" sz="1200" dirty="0" err="1">
+                  <a:latin typeface="Times New Roman" panose="02020603050405020304" pitchFamily="18" charset="0"/>
+                  <a:cs typeface="Times New Roman" panose="02020603050405020304" pitchFamily="18" charset="0"/>
+                </a:rPr>
+                <a:t>IM_row_ptr</a:t>
+              </a:r>
+              <a:endParaRPr lang="zh-TW" altLang="en-US" sz="1200" dirty="0">
+                <a:latin typeface="Times New Roman" panose="02020603050405020304" pitchFamily="18" charset="0"/>
+                <a:cs typeface="Times New Roman" panose="02020603050405020304" pitchFamily="18" charset="0"/>
+              </a:endParaRPr>
+            </a:p>
+          </p:txBody>
+        </p:sp>
+        <p:sp>
+          <p:nvSpPr>
+            <p:cNvPr id="361" name="文字方塊 360">
+              <a:extLst>
+                <a:ext uri="{FF2B5EF4-FFF2-40B4-BE49-F238E27FC236}">
+                  <a16:creationId xmlns:a16="http://schemas.microsoft.com/office/drawing/2014/main" id="{D4E8D496-21D8-40A6-8195-F6D9E6861D37}"/>
+                </a:ext>
+              </a:extLst>
+            </p:cNvPr>
+            <p:cNvSpPr txBox="1"/>
+            <p:nvPr/>
+          </p:nvSpPr>
+          <p:spPr>
+            <a:xfrm rot="10800000">
+              <a:off x="7940388" y="4908789"/>
+              <a:ext cx="938628" cy="276999"/>
+            </a:xfrm>
+            <a:prstGeom prst="rect">
+              <a:avLst/>
+            </a:prstGeom>
+            <a:noFill/>
+          </p:spPr>
+          <p:txBody>
+            <a:bodyPr wrap="square" rtlCol="0">
+              <a:spAutoFit/>
+            </a:bodyPr>
+            <a:lstStyle/>
+            <a:p>
+              <a:r>
+                <a:rPr lang="en-US" altLang="zh-TW" sz="1200" dirty="0" err="1">
+                  <a:latin typeface="Times New Roman" panose="02020603050405020304" pitchFamily="18" charset="0"/>
+                  <a:cs typeface="Times New Roman" panose="02020603050405020304" pitchFamily="18" charset="0"/>
+                </a:rPr>
+                <a:t>IM_col_ptr</a:t>
+              </a:r>
+              <a:endParaRPr lang="zh-TW" altLang="en-US" sz="1200" dirty="0">
+                <a:latin typeface="Times New Roman" panose="02020603050405020304" pitchFamily="18" charset="0"/>
+                <a:cs typeface="Times New Roman" panose="02020603050405020304" pitchFamily="18" charset="0"/>
+              </a:endParaRPr>
+            </a:p>
+          </p:txBody>
+        </p:sp>
+        <p:cxnSp>
+          <p:nvCxnSpPr>
+            <p:cNvPr id="362" name="直線接點 361">
+              <a:extLst>
+                <a:ext uri="{FF2B5EF4-FFF2-40B4-BE49-F238E27FC236}">
+                  <a16:creationId xmlns:a16="http://schemas.microsoft.com/office/drawing/2014/main" id="{C4656D23-5AC5-40DD-8304-088305D8293C}"/>
+                </a:ext>
+              </a:extLst>
+            </p:cNvPr>
+            <p:cNvCxnSpPr>
+              <a:cxnSpLocks/>
+            </p:cNvCxnSpPr>
+            <p:nvPr/>
+          </p:nvCxnSpPr>
+          <p:spPr>
+            <a:xfrm>
+              <a:off x="8103773" y="4663145"/>
+              <a:ext cx="121090" cy="171460"/>
+            </a:xfrm>
+            <a:prstGeom prst="line">
+              <a:avLst/>
+            </a:prstGeom>
+          </p:spPr>
+          <p:style>
+            <a:lnRef idx="3">
+              <a:schemeClr val="dk1"/>
+            </a:lnRef>
+            <a:fillRef idx="0">
+              <a:schemeClr val="dk1"/>
+            </a:fillRef>
+            <a:effectRef idx="2">
+              <a:schemeClr val="dk1"/>
+            </a:effectRef>
+            <a:fontRef idx="minor">
+              <a:schemeClr val="tx1"/>
+            </a:fontRef>
+          </p:style>
+        </p:cxnSp>
+        <p:cxnSp>
+          <p:nvCxnSpPr>
+            <p:cNvPr id="363" name="直線接點 362">
+              <a:extLst>
+                <a:ext uri="{FF2B5EF4-FFF2-40B4-BE49-F238E27FC236}">
+                  <a16:creationId xmlns:a16="http://schemas.microsoft.com/office/drawing/2014/main" id="{24A3F45B-F328-42D4-B7AC-C3FF1AAC2EBF}"/>
+                </a:ext>
+              </a:extLst>
+            </p:cNvPr>
+            <p:cNvCxnSpPr>
+              <a:cxnSpLocks/>
+            </p:cNvCxnSpPr>
+            <p:nvPr/>
+          </p:nvCxnSpPr>
+          <p:spPr>
+            <a:xfrm>
+              <a:off x="8354329" y="4670349"/>
+              <a:ext cx="121090" cy="171460"/>
+            </a:xfrm>
+            <a:prstGeom prst="line">
+              <a:avLst/>
+            </a:prstGeom>
+          </p:spPr>
+          <p:style>
+            <a:lnRef idx="3">
+              <a:schemeClr val="dk1"/>
+            </a:lnRef>
+            <a:fillRef idx="0">
+              <a:schemeClr val="dk1"/>
+            </a:fillRef>
+            <a:effectRef idx="2">
+              <a:schemeClr val="dk1"/>
+            </a:effectRef>
+            <a:fontRef idx="minor">
+              <a:schemeClr val="tx1"/>
+            </a:fontRef>
+          </p:style>
+        </p:cxnSp>
+        <p:sp>
+          <p:nvSpPr>
+            <p:cNvPr id="364" name="文字方塊 363">
+              <a:extLst>
+                <a:ext uri="{FF2B5EF4-FFF2-40B4-BE49-F238E27FC236}">
+                  <a16:creationId xmlns:a16="http://schemas.microsoft.com/office/drawing/2014/main" id="{600D15F5-1A25-417D-8108-02C976289236}"/>
+                </a:ext>
+              </a:extLst>
+            </p:cNvPr>
+            <p:cNvSpPr txBox="1"/>
+            <p:nvPr/>
+          </p:nvSpPr>
+          <p:spPr>
+            <a:xfrm rot="10800000">
+              <a:off x="7882580" y="4546315"/>
+              <a:ext cx="533400" cy="276999"/>
+            </a:xfrm>
+            <a:prstGeom prst="rect">
+              <a:avLst/>
+            </a:prstGeom>
+            <a:noFill/>
+          </p:spPr>
+          <p:txBody>
+            <a:bodyPr wrap="square" rtlCol="0">
+              <a:spAutoFit/>
+            </a:bodyPr>
+            <a:lstStyle/>
+            <a:p>
+              <a:r>
+                <a:rPr lang="en-US" altLang="zh-TW" sz="1200" dirty="0">
+                  <a:latin typeface="Times New Roman" panose="02020603050405020304" pitchFamily="18" charset="0"/>
+                  <a:cs typeface="Times New Roman" panose="02020603050405020304" pitchFamily="18" charset="0"/>
+                </a:rPr>
+                <a:t>2</a:t>
+              </a:r>
+              <a:endParaRPr lang="zh-TW" altLang="en-US" sz="1200" dirty="0">
+                <a:latin typeface="Times New Roman" panose="02020603050405020304" pitchFamily="18" charset="0"/>
+                <a:cs typeface="Times New Roman" panose="02020603050405020304" pitchFamily="18" charset="0"/>
+              </a:endParaRPr>
+            </a:p>
+          </p:txBody>
+        </p:sp>
+        <p:sp>
+          <p:nvSpPr>
+            <p:cNvPr id="366" name="文字方塊 365">
+              <a:extLst>
+                <a:ext uri="{FF2B5EF4-FFF2-40B4-BE49-F238E27FC236}">
+                  <a16:creationId xmlns:a16="http://schemas.microsoft.com/office/drawing/2014/main" id="{A0333207-987E-49EB-A503-1B164BF737C5}"/>
+                </a:ext>
+              </a:extLst>
+            </p:cNvPr>
+            <p:cNvSpPr txBox="1"/>
+            <p:nvPr/>
+          </p:nvSpPr>
+          <p:spPr>
+            <a:xfrm rot="10800000">
+              <a:off x="8184192" y="4572013"/>
+              <a:ext cx="533400" cy="276999"/>
+            </a:xfrm>
+            <a:prstGeom prst="rect">
+              <a:avLst/>
+            </a:prstGeom>
+            <a:noFill/>
+          </p:spPr>
+          <p:txBody>
+            <a:bodyPr wrap="square" rtlCol="0">
+              <a:spAutoFit/>
+            </a:bodyPr>
+            <a:lstStyle/>
+            <a:p>
+              <a:r>
+                <a:rPr lang="en-US" altLang="zh-TW" sz="1200" dirty="0">
+                  <a:latin typeface="Times New Roman" panose="02020603050405020304" pitchFamily="18" charset="0"/>
+                  <a:cs typeface="Times New Roman" panose="02020603050405020304" pitchFamily="18" charset="0"/>
+                </a:rPr>
+                <a:t>2</a:t>
+              </a:r>
+              <a:endParaRPr lang="zh-TW" altLang="en-US" sz="1200" dirty="0">
+                <a:latin typeface="Times New Roman" panose="02020603050405020304" pitchFamily="18" charset="0"/>
+                <a:cs typeface="Times New Roman" panose="02020603050405020304" pitchFamily="18" charset="0"/>
+              </a:endParaRPr>
+            </a:p>
+          </p:txBody>
+        </p:sp>
+      </p:grpSp>
+      <p:grpSp>
+        <p:nvGrpSpPr>
+          <p:cNvPr id="367" name="群組 366">
+            <a:extLst>
+              <a:ext uri="{FF2B5EF4-FFF2-40B4-BE49-F238E27FC236}">
+                <a16:creationId xmlns:a16="http://schemas.microsoft.com/office/drawing/2014/main" id="{5139E102-87A4-4D8C-9C6C-4F058DA144F2}"/>
+              </a:ext>
+            </a:extLst>
+          </p:cNvPr>
+          <p:cNvGrpSpPr/>
+          <p:nvPr/>
+        </p:nvGrpSpPr>
+        <p:grpSpPr>
+          <a:xfrm rot="16200000">
+            <a:off x="2522228" y="2312798"/>
+            <a:ext cx="403284" cy="893985"/>
+            <a:chOff x="8490129" y="5575313"/>
+            <a:chExt cx="487919" cy="893985"/>
+          </a:xfrm>
+        </p:grpSpPr>
+        <p:cxnSp>
+          <p:nvCxnSpPr>
+            <p:cNvPr id="368" name="直線單箭頭接點 367">
+              <a:extLst>
+                <a:ext uri="{FF2B5EF4-FFF2-40B4-BE49-F238E27FC236}">
+                  <a16:creationId xmlns:a16="http://schemas.microsoft.com/office/drawing/2014/main" id="{0DFA95B6-14CF-4D5F-8CCB-AD5D73DBF1B9}"/>
+                </a:ext>
+              </a:extLst>
+            </p:cNvPr>
+            <p:cNvCxnSpPr>
+              <a:cxnSpLocks/>
+            </p:cNvCxnSpPr>
+            <p:nvPr/>
+          </p:nvCxnSpPr>
+          <p:spPr>
+            <a:xfrm flipV="1">
+              <a:off x="8490129" y="5665805"/>
+              <a:ext cx="471210" cy="1"/>
+            </a:xfrm>
+            <a:prstGeom prst="straightConnector1">
+              <a:avLst/>
+            </a:prstGeom>
+            <a:ln>
+              <a:tailEnd type="triangle"/>
+            </a:ln>
+          </p:spPr>
+          <p:style>
+            <a:lnRef idx="3">
+              <a:schemeClr val="accent1"/>
+            </a:lnRef>
+            <a:fillRef idx="0">
+              <a:schemeClr val="accent1"/>
+            </a:fillRef>
+            <a:effectRef idx="2">
+              <a:schemeClr val="accent1"/>
+            </a:effectRef>
+            <a:fontRef idx="minor">
+              <a:schemeClr val="tx1"/>
+            </a:fontRef>
+          </p:style>
+        </p:cxnSp>
+        <p:sp>
+          <p:nvSpPr>
+            <p:cNvPr id="371" name="文字方塊 370">
+              <a:extLst>
+                <a:ext uri="{FF2B5EF4-FFF2-40B4-BE49-F238E27FC236}">
+                  <a16:creationId xmlns:a16="http://schemas.microsoft.com/office/drawing/2014/main" id="{AA84D08D-EFB5-4EB1-A8D4-805F0D14F7CF}"/>
+                </a:ext>
+              </a:extLst>
+            </p:cNvPr>
+            <p:cNvSpPr txBox="1"/>
+            <p:nvPr/>
+          </p:nvSpPr>
+          <p:spPr>
+            <a:xfrm rot="5400000">
+              <a:off x="8590045" y="5647162"/>
+              <a:ext cx="440876" cy="335131"/>
+            </a:xfrm>
+            <a:prstGeom prst="rect">
+              <a:avLst/>
+            </a:prstGeom>
+            <a:noFill/>
+          </p:spPr>
+          <p:txBody>
+            <a:bodyPr wrap="square" rtlCol="0">
+              <a:spAutoFit/>
+            </a:bodyPr>
+            <a:lstStyle/>
+            <a:p>
+              <a:r>
+                <a:rPr lang="en-US" altLang="zh-TW" sz="1200" dirty="0">
+                  <a:latin typeface="Times New Roman" panose="02020603050405020304" pitchFamily="18" charset="0"/>
+                  <a:cs typeface="Times New Roman" panose="02020603050405020304" pitchFamily="18" charset="0"/>
+                </a:rPr>
+                <a:t>2</a:t>
+              </a:r>
+              <a:endParaRPr lang="zh-TW" altLang="en-US" sz="1200" dirty="0">
+                <a:latin typeface="Times New Roman" panose="02020603050405020304" pitchFamily="18" charset="0"/>
+                <a:cs typeface="Times New Roman" panose="02020603050405020304" pitchFamily="18" charset="0"/>
+              </a:endParaRPr>
+            </a:p>
+          </p:txBody>
+        </p:sp>
+        <p:cxnSp>
+          <p:nvCxnSpPr>
+            <p:cNvPr id="372" name="直線接點 371">
+              <a:extLst>
+                <a:ext uri="{FF2B5EF4-FFF2-40B4-BE49-F238E27FC236}">
+                  <a16:creationId xmlns:a16="http://schemas.microsoft.com/office/drawing/2014/main" id="{B0E027C1-5C78-4B49-9992-05F4D86BF3D3}"/>
+                </a:ext>
+              </a:extLst>
+            </p:cNvPr>
+            <p:cNvCxnSpPr>
+              <a:cxnSpLocks/>
+            </p:cNvCxnSpPr>
+            <p:nvPr/>
+          </p:nvCxnSpPr>
+          <p:spPr>
+            <a:xfrm>
+              <a:off x="8610380" y="5575313"/>
+              <a:ext cx="107212" cy="201831"/>
+            </a:xfrm>
+            <a:prstGeom prst="line">
+              <a:avLst/>
+            </a:prstGeom>
+          </p:spPr>
+          <p:style>
+            <a:lnRef idx="3">
+              <a:schemeClr val="dk1"/>
+            </a:lnRef>
+            <a:fillRef idx="0">
+              <a:schemeClr val="dk1"/>
+            </a:fillRef>
+            <a:effectRef idx="2">
+              <a:schemeClr val="dk1"/>
+            </a:effectRef>
+            <a:fontRef idx="minor">
+              <a:schemeClr val="tx1"/>
+            </a:fontRef>
+          </p:style>
+        </p:cxnSp>
+        <p:sp>
+          <p:nvSpPr>
+            <p:cNvPr id="374" name="文字方塊 373">
+              <a:extLst>
+                <a:ext uri="{FF2B5EF4-FFF2-40B4-BE49-F238E27FC236}">
+                  <a16:creationId xmlns:a16="http://schemas.microsoft.com/office/drawing/2014/main" id="{C8734DF2-B571-41A1-8E55-C45FF7EB6FD8}"/>
+                </a:ext>
+              </a:extLst>
+            </p:cNvPr>
+            <p:cNvSpPr txBox="1"/>
+            <p:nvPr/>
+          </p:nvSpPr>
+          <p:spPr>
+            <a:xfrm rot="5400000">
+              <a:off x="8357006" y="5913826"/>
+              <a:ext cx="775813" cy="335131"/>
+            </a:xfrm>
+            <a:prstGeom prst="rect">
+              <a:avLst/>
+            </a:prstGeom>
+            <a:noFill/>
+          </p:spPr>
+          <p:txBody>
+            <a:bodyPr wrap="square" rtlCol="0">
+              <a:spAutoFit/>
+            </a:bodyPr>
+            <a:lstStyle/>
+            <a:p>
+              <a:r>
+                <a:rPr lang="en-US" altLang="zh-TW" sz="1200" dirty="0" err="1">
+                  <a:latin typeface="Times New Roman" panose="02020603050405020304" pitchFamily="18" charset="0"/>
+                  <a:cs typeface="Times New Roman" panose="02020603050405020304" pitchFamily="18" charset="0"/>
+                </a:rPr>
+                <a:t>SE_ptr</a:t>
+              </a:r>
+              <a:endParaRPr lang="zh-TW" altLang="en-US" sz="1200" dirty="0">
+                <a:latin typeface="Times New Roman" panose="02020603050405020304" pitchFamily="18" charset="0"/>
+                <a:cs typeface="Times New Roman" panose="02020603050405020304" pitchFamily="18" charset="0"/>
+              </a:endParaRPr>
+            </a:p>
+          </p:txBody>
+        </p:sp>
+      </p:grpSp>
     </p:spTree>
     <p:extLst>
       <p:ext uri="{BB962C8B-B14F-4D97-AF65-F5344CB8AC3E}">
